--- a/figures/resources/fetching_user_input.pptx
+++ b/figures/resources/fetching_user_input.pptx
@@ -6,6 +6,8 @@
   </p:sldMasterIdLst>
   <p:sldIdLst>
     <p:sldId id="256" r:id="rId2"/>
+    <p:sldId id="257" r:id="rId3"/>
+    <p:sldId id="258" r:id="rId4"/>
   </p:sldIdLst>
   <p:sldSz cx="12192000" cy="6858000"/>
   <p:notesSz cx="6858000" cy="9144000"/>
@@ -104,7 +106,236 @@
       </a:defRPr>
     </a:lvl9pPr>
   </p:defaultTextStyle>
+  <p:extLst>
+    <p:ext uri="{EFAFB233-063F-42B5-8137-9DF3F51BA10A}">
+      <p15:sldGuideLst xmlns:p15="http://schemas.microsoft.com/office/powerpoint/2012/main"/>
+    </p:ext>
+  </p:extLst>
 </p:presentation>
+</file>
+
+<file path=ppt/ink/ink1.xml><?xml version="1.0" encoding="utf-8"?>
+<inkml:ink xmlns:inkml="http://www.w3.org/2003/InkML">
+  <inkml:definitions>
+    <inkml:context xml:id="ctx0">
+      <inkml:inkSource xml:id="inkSrc0">
+        <inkml:traceFormat>
+          <inkml:channel name="X" type="integer" min="-2.14748E9" max="2.14748E9" units="cm"/>
+          <inkml:channel name="Y" type="integer" min="-2.14748E9" max="2.14748E9" units="cm"/>
+        </inkml:traceFormat>
+        <inkml:channelProperties>
+          <inkml:channelProperty channel="X" name="resolution" value="1000" units="1/cm"/>
+          <inkml:channelProperty channel="Y" name="resolution" value="1000" units="1/cm"/>
+        </inkml:channelProperties>
+      </inkml:inkSource>
+      <inkml:timestamp xml:id="ts0" timeString="2022-03-17T16:29:59.168"/>
+    </inkml:context>
+    <inkml:brush xml:id="br0">
+      <inkml:brushProperty name="width" value="0.1" units="cm"/>
+      <inkml:brushProperty name="height" value="0.6" units="cm"/>
+      <inkml:brushProperty name="color" value="#849398"/>
+      <inkml:brushProperty name="ignorePressure" value="1"/>
+      <inkml:brushProperty name="inkEffects" value="pencil"/>
+    </inkml:brush>
+  </inkml:definitions>
+  <inkml:trace contextRef="#ctx0" brushRef="#br0">1 0,'0'0</inkml:trace>
+</inkml:ink>
+</file>
+
+<file path=ppt/ink/ink2.xml><?xml version="1.0" encoding="utf-8"?>
+<inkml:ink xmlns:inkml="http://www.w3.org/2003/InkML">
+  <inkml:definitions>
+    <inkml:context xml:id="ctx0">
+      <inkml:inkSource xml:id="inkSrc0">
+        <inkml:traceFormat>
+          <inkml:channel name="X" type="integer" min="-2.14748E9" max="2.14748E9" units="cm"/>
+          <inkml:channel name="Y" type="integer" min="-2.14748E9" max="2.14748E9" units="cm"/>
+        </inkml:traceFormat>
+        <inkml:channelProperties>
+          <inkml:channelProperty channel="X" name="resolution" value="1000" units="1/cm"/>
+          <inkml:channelProperty channel="Y" name="resolution" value="1000" units="1/cm"/>
+        </inkml:channelProperties>
+      </inkml:inkSource>
+      <inkml:timestamp xml:id="ts0" timeString="2022-03-17T16:30:00.674"/>
+    </inkml:context>
+    <inkml:brush xml:id="br0">
+      <inkml:brushProperty name="width" value="0.1" units="cm"/>
+      <inkml:brushProperty name="height" value="0.6" units="cm"/>
+      <inkml:brushProperty name="color" value="#849398"/>
+      <inkml:brushProperty name="ignorePressure" value="1"/>
+      <inkml:brushProperty name="inkEffects" value="pencil"/>
+    </inkml:brush>
+  </inkml:definitions>
+  <inkml:trace contextRef="#ctx0" brushRef="#br0">0 1,'0'0</inkml:trace>
+</inkml:ink>
+</file>
+
+<file path=ppt/ink/ink3.xml><?xml version="1.0" encoding="utf-8"?>
+<inkml:ink xmlns:inkml="http://www.w3.org/2003/InkML">
+  <inkml:definitions>
+    <inkml:context xml:id="ctx0">
+      <inkml:inkSource xml:id="inkSrc0">
+        <inkml:traceFormat>
+          <inkml:channel name="X" type="integer" min="-2.14748E9" max="2.14748E9" units="cm"/>
+          <inkml:channel name="Y" type="integer" min="-2.14748E9" max="2.14748E9" units="cm"/>
+        </inkml:traceFormat>
+        <inkml:channelProperties>
+          <inkml:channelProperty channel="X" name="resolution" value="1000" units="1/cm"/>
+          <inkml:channelProperty channel="Y" name="resolution" value="1000" units="1/cm"/>
+        </inkml:channelProperties>
+      </inkml:inkSource>
+      <inkml:timestamp xml:id="ts0" timeString="2022-03-17T16:30:03.023"/>
+    </inkml:context>
+    <inkml:brush xml:id="br0">
+      <inkml:brushProperty name="width" value="0.1" units="cm"/>
+      <inkml:brushProperty name="height" value="0.6" units="cm"/>
+      <inkml:brushProperty name="color" value="#849398"/>
+      <inkml:brushProperty name="ignorePressure" value="1"/>
+      <inkml:brushProperty name="inkEffects" value="pencil"/>
+    </inkml:brush>
+  </inkml:definitions>
+  <inkml:trace contextRef="#ctx0" brushRef="#br0">0 0,'0'0</inkml:trace>
+</inkml:ink>
+</file>
+
+<file path=ppt/ink/ink4.xml><?xml version="1.0" encoding="utf-8"?>
+<inkml:ink xmlns:inkml="http://www.w3.org/2003/InkML">
+  <inkml:definitions>
+    <inkml:context xml:id="ctx0">
+      <inkml:inkSource xml:id="inkSrc0">
+        <inkml:traceFormat>
+          <inkml:channel name="X" type="integer" min="-2.14748E9" max="2.14748E9" units="cm"/>
+          <inkml:channel name="Y" type="integer" min="-2.14748E9" max="2.14748E9" units="cm"/>
+        </inkml:traceFormat>
+        <inkml:channelProperties>
+          <inkml:channelProperty channel="X" name="resolution" value="1000" units="1/cm"/>
+          <inkml:channelProperty channel="Y" name="resolution" value="1000" units="1/cm"/>
+        </inkml:channelProperties>
+      </inkml:inkSource>
+      <inkml:timestamp xml:id="ts0" timeString="2022-03-17T16:30:03.553"/>
+    </inkml:context>
+    <inkml:brush xml:id="br0">
+      <inkml:brushProperty name="width" value="0.1" units="cm"/>
+      <inkml:brushProperty name="height" value="0.6" units="cm"/>
+      <inkml:brushProperty name="color" value="#849398"/>
+      <inkml:brushProperty name="ignorePressure" value="1"/>
+      <inkml:brushProperty name="inkEffects" value="pencil"/>
+    </inkml:brush>
+  </inkml:definitions>
+  <inkml:trace contextRef="#ctx0" brushRef="#br0">0 0,'0'0</inkml:trace>
+</inkml:ink>
+</file>
+
+<file path=ppt/ink/ink5.xml><?xml version="1.0" encoding="utf-8"?>
+<inkml:ink xmlns:inkml="http://www.w3.org/2003/InkML">
+  <inkml:definitions>
+    <inkml:context xml:id="ctx0">
+      <inkml:inkSource xml:id="inkSrc0">
+        <inkml:traceFormat>
+          <inkml:channel name="X" type="integer" min="-2.14748E9" max="2.14748E9" units="cm"/>
+          <inkml:channel name="Y" type="integer" min="-2.14748E9" max="2.14748E9" units="cm"/>
+        </inkml:traceFormat>
+        <inkml:channelProperties>
+          <inkml:channelProperty channel="X" name="resolution" value="1000" units="1/cm"/>
+          <inkml:channelProperty channel="Y" name="resolution" value="1000" units="1/cm"/>
+        </inkml:channelProperties>
+      </inkml:inkSource>
+      <inkml:timestamp xml:id="ts0" timeString="2022-03-17T16:30:03.945"/>
+    </inkml:context>
+    <inkml:brush xml:id="br0">
+      <inkml:brushProperty name="width" value="0.1" units="cm"/>
+      <inkml:brushProperty name="height" value="0.6" units="cm"/>
+      <inkml:brushProperty name="color" value="#849398"/>
+      <inkml:brushProperty name="ignorePressure" value="1"/>
+      <inkml:brushProperty name="inkEffects" value="pencil"/>
+    </inkml:brush>
+  </inkml:definitions>
+  <inkml:trace contextRef="#ctx0" brushRef="#br0">1 0,'0'0</inkml:trace>
+</inkml:ink>
+</file>
+
+<file path=ppt/ink/ink6.xml><?xml version="1.0" encoding="utf-8"?>
+<inkml:ink xmlns:inkml="http://www.w3.org/2003/InkML">
+  <inkml:definitions>
+    <inkml:context xml:id="ctx0">
+      <inkml:inkSource xml:id="inkSrc0">
+        <inkml:traceFormat>
+          <inkml:channel name="X" type="integer" min="-2.14748E9" max="2.14748E9" units="cm"/>
+          <inkml:channel name="Y" type="integer" min="-2.14748E9" max="2.14748E9" units="cm"/>
+        </inkml:traceFormat>
+        <inkml:channelProperties>
+          <inkml:channelProperty channel="X" name="resolution" value="1000" units="1/cm"/>
+          <inkml:channelProperty channel="Y" name="resolution" value="1000" units="1/cm"/>
+        </inkml:channelProperties>
+      </inkml:inkSource>
+      <inkml:timestamp xml:id="ts0" timeString="2022-03-17T16:30:04.340"/>
+    </inkml:context>
+    <inkml:brush xml:id="br0">
+      <inkml:brushProperty name="width" value="0.1" units="cm"/>
+      <inkml:brushProperty name="height" value="0.6" units="cm"/>
+      <inkml:brushProperty name="color" value="#849398"/>
+      <inkml:brushProperty name="ignorePressure" value="1"/>
+      <inkml:brushProperty name="inkEffects" value="pencil"/>
+    </inkml:brush>
+  </inkml:definitions>
+  <inkml:trace contextRef="#ctx0" brushRef="#br0">1 1,'0'0</inkml:trace>
+</inkml:ink>
+</file>
+
+<file path=ppt/ink/ink7.xml><?xml version="1.0" encoding="utf-8"?>
+<inkml:ink xmlns:inkml="http://www.w3.org/2003/InkML">
+  <inkml:definitions>
+    <inkml:context xml:id="ctx0">
+      <inkml:inkSource xml:id="inkSrc0">
+        <inkml:traceFormat>
+          <inkml:channel name="X" type="integer" min="-2.14748E9" max="2.14748E9" units="cm"/>
+          <inkml:channel name="Y" type="integer" min="-2.14748E9" max="2.14748E9" units="cm"/>
+        </inkml:traceFormat>
+        <inkml:channelProperties>
+          <inkml:channelProperty channel="X" name="resolution" value="1000" units="1/cm"/>
+          <inkml:channelProperty channel="Y" name="resolution" value="1000" units="1/cm"/>
+        </inkml:channelProperties>
+      </inkml:inkSource>
+      <inkml:timestamp xml:id="ts0" timeString="2022-03-17T16:30:08.458"/>
+    </inkml:context>
+    <inkml:brush xml:id="br0">
+      <inkml:brushProperty name="width" value="0.1" units="cm"/>
+      <inkml:brushProperty name="height" value="0.6" units="cm"/>
+      <inkml:brushProperty name="color" value="#849398"/>
+      <inkml:brushProperty name="ignorePressure" value="1"/>
+      <inkml:brushProperty name="inkEffects" value="pencil"/>
+    </inkml:brush>
+  </inkml:definitions>
+  <inkml:trace contextRef="#ctx0" brushRef="#br0">1 0,'0'0</inkml:trace>
+</inkml:ink>
+</file>
+
+<file path=ppt/ink/ink8.xml><?xml version="1.0" encoding="utf-8"?>
+<inkml:ink xmlns:inkml="http://www.w3.org/2003/InkML">
+  <inkml:definitions>
+    <inkml:context xml:id="ctx0">
+      <inkml:inkSource xml:id="inkSrc0">
+        <inkml:traceFormat>
+          <inkml:channel name="X" type="integer" min="-2.14748E9" max="2.14748E9" units="cm"/>
+          <inkml:channel name="Y" type="integer" min="-2.14748E9" max="2.14748E9" units="cm"/>
+        </inkml:traceFormat>
+        <inkml:channelProperties>
+          <inkml:channelProperty channel="X" name="resolution" value="1000" units="1/cm"/>
+          <inkml:channelProperty channel="Y" name="resolution" value="1000" units="1/cm"/>
+        </inkml:channelProperties>
+      </inkml:inkSource>
+      <inkml:timestamp xml:id="ts0" timeString="2022-03-17T16:30:08.720"/>
+    </inkml:context>
+    <inkml:brush xml:id="br0">
+      <inkml:brushProperty name="width" value="0.1" units="cm"/>
+      <inkml:brushProperty name="height" value="0.6" units="cm"/>
+      <inkml:brushProperty name="color" value="#849398"/>
+      <inkml:brushProperty name="ignorePressure" value="1"/>
+      <inkml:brushProperty name="inkEffects" value="pencil"/>
+    </inkml:brush>
+  </inkml:definitions>
+  <inkml:trace contextRef="#ctx0" brushRef="#br0">1 0,'0'0</inkml:trace>
+</inkml:ink>
 </file>
 
 <file path=ppt/slideLayouts/slideLayout1.xml><?xml version="1.0" encoding="utf-8"?>
@@ -256,7 +487,7 @@
           <a:p>
             <a:fld id="{783D4129-6E14-4DEB-A88B-FA76BDE6DE9E}" type="datetimeFigureOut">
               <a:rPr lang="en-DE" smtClean="0"/>
-              <a:t>16/03/2022</a:t>
+              <a:t>17/03/2022</a:t>
             </a:fld>
             <a:endParaRPr lang="en-DE"/>
           </a:p>
@@ -456,7 +687,7 @@
           <a:p>
             <a:fld id="{783D4129-6E14-4DEB-A88B-FA76BDE6DE9E}" type="datetimeFigureOut">
               <a:rPr lang="en-DE" smtClean="0"/>
-              <a:t>16/03/2022</a:t>
+              <a:t>17/03/2022</a:t>
             </a:fld>
             <a:endParaRPr lang="en-DE"/>
           </a:p>
@@ -666,7 +897,7 @@
           <a:p>
             <a:fld id="{783D4129-6E14-4DEB-A88B-FA76BDE6DE9E}" type="datetimeFigureOut">
               <a:rPr lang="en-DE" smtClean="0"/>
-              <a:t>16/03/2022</a:t>
+              <a:t>17/03/2022</a:t>
             </a:fld>
             <a:endParaRPr lang="en-DE"/>
           </a:p>
@@ -866,7 +1097,7 @@
           <a:p>
             <a:fld id="{783D4129-6E14-4DEB-A88B-FA76BDE6DE9E}" type="datetimeFigureOut">
               <a:rPr lang="en-DE" smtClean="0"/>
-              <a:t>16/03/2022</a:t>
+              <a:t>17/03/2022</a:t>
             </a:fld>
             <a:endParaRPr lang="en-DE"/>
           </a:p>
@@ -1142,7 +1373,7 @@
           <a:p>
             <a:fld id="{783D4129-6E14-4DEB-A88B-FA76BDE6DE9E}" type="datetimeFigureOut">
               <a:rPr lang="en-DE" smtClean="0"/>
-              <a:t>16/03/2022</a:t>
+              <a:t>17/03/2022</a:t>
             </a:fld>
             <a:endParaRPr lang="en-DE"/>
           </a:p>
@@ -1410,7 +1641,7 @@
           <a:p>
             <a:fld id="{783D4129-6E14-4DEB-A88B-FA76BDE6DE9E}" type="datetimeFigureOut">
               <a:rPr lang="en-DE" smtClean="0"/>
-              <a:t>16/03/2022</a:t>
+              <a:t>17/03/2022</a:t>
             </a:fld>
             <a:endParaRPr lang="en-DE"/>
           </a:p>
@@ -1825,7 +2056,7 @@
           <a:p>
             <a:fld id="{783D4129-6E14-4DEB-A88B-FA76BDE6DE9E}" type="datetimeFigureOut">
               <a:rPr lang="en-DE" smtClean="0"/>
-              <a:t>16/03/2022</a:t>
+              <a:t>17/03/2022</a:t>
             </a:fld>
             <a:endParaRPr lang="en-DE"/>
           </a:p>
@@ -1967,7 +2198,7 @@
           <a:p>
             <a:fld id="{783D4129-6E14-4DEB-A88B-FA76BDE6DE9E}" type="datetimeFigureOut">
               <a:rPr lang="en-DE" smtClean="0"/>
-              <a:t>16/03/2022</a:t>
+              <a:t>17/03/2022</a:t>
             </a:fld>
             <a:endParaRPr lang="en-DE"/>
           </a:p>
@@ -2080,7 +2311,7 @@
           <a:p>
             <a:fld id="{783D4129-6E14-4DEB-A88B-FA76BDE6DE9E}" type="datetimeFigureOut">
               <a:rPr lang="en-DE" smtClean="0"/>
-              <a:t>16/03/2022</a:t>
+              <a:t>17/03/2022</a:t>
             </a:fld>
             <a:endParaRPr lang="en-DE"/>
           </a:p>
@@ -2393,7 +2624,7 @@
           <a:p>
             <a:fld id="{783D4129-6E14-4DEB-A88B-FA76BDE6DE9E}" type="datetimeFigureOut">
               <a:rPr lang="en-DE" smtClean="0"/>
-              <a:t>16/03/2022</a:t>
+              <a:t>17/03/2022</a:t>
             </a:fld>
             <a:endParaRPr lang="en-DE"/>
           </a:p>
@@ -2682,7 +2913,7 @@
           <a:p>
             <a:fld id="{783D4129-6E14-4DEB-A88B-FA76BDE6DE9E}" type="datetimeFigureOut">
               <a:rPr lang="en-DE" smtClean="0"/>
-              <a:t>16/03/2022</a:t>
+              <a:t>17/03/2022</a:t>
             </a:fld>
             <a:endParaRPr lang="en-DE"/>
           </a:p>
@@ -2925,7 +3156,7 @@
           <a:p>
             <a:fld id="{783D4129-6E14-4DEB-A88B-FA76BDE6DE9E}" type="datetimeFigureOut">
               <a:rPr lang="en-DE" smtClean="0"/>
-              <a:t>16/03/2022</a:t>
+              <a:t>17/03/2022</a:t>
             </a:fld>
             <a:endParaRPr lang="en-DE"/>
           </a:p>
@@ -3356,7 +3587,7 @@
         </p:nvGrpSpPr>
         <p:grpSpPr>
           <a:xfrm>
-            <a:off x="2424112" y="494049"/>
+            <a:off x="2428445" y="481048"/>
             <a:ext cx="8343901" cy="5755569"/>
             <a:chOff x="2424112" y="494049"/>
             <a:chExt cx="8343901" cy="5755569"/>
@@ -4006,6 +4237,2469 @@
 </p:sld>
 </file>
 
+<file path=ppt/slides/slide2.xml><?xml version="1.0" encoding="utf-8"?>
+<p:sld xmlns:a="http://schemas.openxmlformats.org/drawingml/2006/main" xmlns:r="http://schemas.openxmlformats.org/officeDocument/2006/relationships" xmlns:p="http://schemas.openxmlformats.org/presentationml/2006/main">
+  <p:cSld>
+    <p:spTree>
+      <p:nvGrpSpPr>
+        <p:cNvPr id="1" name=""/>
+        <p:cNvGrpSpPr/>
+        <p:nvPr/>
+      </p:nvGrpSpPr>
+      <p:grpSpPr>
+        <a:xfrm>
+          <a:off x="0" y="0"/>
+          <a:ext cx="0" cy="0"/>
+          <a:chOff x="0" y="0"/>
+          <a:chExt cx="0" cy="0"/>
+        </a:xfrm>
+      </p:grpSpPr>
+      <p:pic>
+        <p:nvPicPr>
+          <p:cNvPr id="9" name="Picture 8">
+            <a:extLst>
+              <a:ext uri="{FF2B5EF4-FFF2-40B4-BE49-F238E27FC236}">
+                <a16:creationId xmlns:a16="http://schemas.microsoft.com/office/drawing/2014/main" id="{9198195A-0354-48E6-ACBD-6615795266D0}"/>
+              </a:ext>
+            </a:extLst>
+          </p:cNvPr>
+          <p:cNvPicPr>
+            <a:picLocks noChangeAspect="1"/>
+          </p:cNvPicPr>
+          <p:nvPr/>
+        </p:nvPicPr>
+        <p:blipFill>
+          <a:blip r:embed="rId2"/>
+          <a:stretch>
+            <a:fillRect/>
+          </a:stretch>
+        </p:blipFill>
+        <p:spPr>
+          <a:xfrm>
+            <a:off x="5493692" y="3874308"/>
+            <a:ext cx="4331030" cy="2707985"/>
+          </a:xfrm>
+          <a:prstGeom prst="rect">
+            <a:avLst/>
+          </a:prstGeom>
+        </p:spPr>
+      </p:pic>
+      <p:pic>
+        <p:nvPicPr>
+          <p:cNvPr id="11" name="Picture 10">
+            <a:extLst>
+              <a:ext uri="{FF2B5EF4-FFF2-40B4-BE49-F238E27FC236}">
+                <a16:creationId xmlns:a16="http://schemas.microsoft.com/office/drawing/2014/main" id="{75962E1C-3320-4AB4-8EC5-CFB21BF5990B}"/>
+              </a:ext>
+            </a:extLst>
+          </p:cNvPr>
+          <p:cNvPicPr>
+            <a:picLocks noChangeAspect="1"/>
+          </p:cNvPicPr>
+          <p:nvPr/>
+        </p:nvPicPr>
+        <p:blipFill rotWithShape="1">
+          <a:blip r:embed="rId3"/>
+          <a:srcRect l="2429" t="1524" r="6587" b="42767"/>
+          <a:stretch/>
+        </p:blipFill>
+        <p:spPr>
+          <a:xfrm>
+            <a:off x="3464558" y="508279"/>
+            <a:ext cx="8031481" cy="2788920"/>
+          </a:xfrm>
+          <a:prstGeom prst="rect">
+            <a:avLst/>
+          </a:prstGeom>
+          <a:ln w="25400">
+            <a:solidFill>
+              <a:schemeClr val="accent1"/>
+            </a:solidFill>
+          </a:ln>
+          <a:effectLst>
+            <a:outerShdw blurRad="292100" dist="139700" dir="2700000" algn="tl" rotWithShape="0">
+              <a:srgbClr val="333333">
+                <a:alpha val="65000"/>
+              </a:srgbClr>
+            </a:outerShdw>
+          </a:effectLst>
+        </p:spPr>
+      </p:pic>
+      <p:sp>
+        <p:nvSpPr>
+          <p:cNvPr id="12" name="TextBox 11">
+            <a:extLst>
+              <a:ext uri="{FF2B5EF4-FFF2-40B4-BE49-F238E27FC236}">
+                <a16:creationId xmlns:a16="http://schemas.microsoft.com/office/drawing/2014/main" id="{B157240F-04EF-41D6-9F0B-2B051B016B75}"/>
+              </a:ext>
+            </a:extLst>
+          </p:cNvPr>
+          <p:cNvSpPr txBox="1"/>
+          <p:nvPr/>
+        </p:nvSpPr>
+        <p:spPr>
+          <a:xfrm>
+            <a:off x="6974840" y="111760"/>
+            <a:ext cx="703013" cy="369332"/>
+          </a:xfrm>
+          <a:prstGeom prst="rect">
+            <a:avLst/>
+          </a:prstGeom>
+          <a:noFill/>
+        </p:spPr>
+        <p:txBody>
+          <a:bodyPr wrap="none" rtlCol="0">
+            <a:spAutoFit/>
+          </a:bodyPr>
+          <a:lstStyle/>
+          <a:p>
+            <a:r>
+              <a:rPr lang="en-US" dirty="0"/>
+              <a:t>script</a:t>
+            </a:r>
+            <a:endParaRPr lang="en-DE" dirty="0"/>
+          </a:p>
+        </p:txBody>
+      </p:sp>
+      <p:sp>
+        <p:nvSpPr>
+          <p:cNvPr id="13" name="TextBox 12">
+            <a:extLst>
+              <a:ext uri="{FF2B5EF4-FFF2-40B4-BE49-F238E27FC236}">
+                <a16:creationId xmlns:a16="http://schemas.microsoft.com/office/drawing/2014/main" id="{926EA4BC-8208-4DA4-9460-3D8F4E935176}"/>
+              </a:ext>
+            </a:extLst>
+          </p:cNvPr>
+          <p:cNvSpPr txBox="1"/>
+          <p:nvPr/>
+        </p:nvSpPr>
+        <p:spPr>
+          <a:xfrm>
+            <a:off x="6781800" y="3478874"/>
+            <a:ext cx="1260473" cy="369332"/>
+          </a:xfrm>
+          <a:prstGeom prst="rect">
+            <a:avLst/>
+          </a:prstGeom>
+          <a:noFill/>
+        </p:spPr>
+        <p:txBody>
+          <a:bodyPr wrap="none" rtlCol="0">
+            <a:spAutoFit/>
+          </a:bodyPr>
+          <a:lstStyle/>
+          <a:p>
+            <a:r>
+              <a:rPr lang="en-US" dirty="0"/>
+              <a:t>Pop-up GUI</a:t>
+            </a:r>
+            <a:endParaRPr lang="en-DE" dirty="0"/>
+          </a:p>
+        </p:txBody>
+      </p:sp>
+      <p:sp>
+        <p:nvSpPr>
+          <p:cNvPr id="14" name="Rectangle 13">
+            <a:extLst>
+              <a:ext uri="{FF2B5EF4-FFF2-40B4-BE49-F238E27FC236}">
+                <a16:creationId xmlns:a16="http://schemas.microsoft.com/office/drawing/2014/main" id="{10F1A75F-8B49-4D5F-B946-DB9228F53B1B}"/>
+              </a:ext>
+            </a:extLst>
+          </p:cNvPr>
+          <p:cNvSpPr/>
+          <p:nvPr/>
+        </p:nvSpPr>
+        <p:spPr>
+          <a:xfrm>
+            <a:off x="2989579" y="414471"/>
+            <a:ext cx="8981440" cy="1447800"/>
+          </a:xfrm>
+          <a:prstGeom prst="rect">
+            <a:avLst/>
+          </a:prstGeom>
+          <a:noFill/>
+          <a:ln w="25400">
+            <a:solidFill>
+              <a:srgbClr val="FF0000"/>
+            </a:solidFill>
+          </a:ln>
+        </p:spPr>
+        <p:style>
+          <a:lnRef idx="2">
+            <a:schemeClr val="accent1">
+              <a:shade val="50000"/>
+            </a:schemeClr>
+          </a:lnRef>
+          <a:fillRef idx="1">
+            <a:schemeClr val="accent1"/>
+          </a:fillRef>
+          <a:effectRef idx="0">
+            <a:schemeClr val="accent1"/>
+          </a:effectRef>
+          <a:fontRef idx="minor">
+            <a:schemeClr val="lt1"/>
+          </a:fontRef>
+        </p:style>
+        <p:txBody>
+          <a:bodyPr rtlCol="0" anchor="ctr"/>
+          <a:lstStyle/>
+          <a:p>
+            <a:pPr algn="ctr"/>
+            <a:endParaRPr lang="en-DE"/>
+          </a:p>
+        </p:txBody>
+      </p:sp>
+      <p:cxnSp>
+        <p:nvCxnSpPr>
+          <p:cNvPr id="22" name="Connector: Elbow 21">
+            <a:extLst>
+              <a:ext uri="{FF2B5EF4-FFF2-40B4-BE49-F238E27FC236}">
+                <a16:creationId xmlns:a16="http://schemas.microsoft.com/office/drawing/2014/main" id="{8D01C654-9E12-447A-97EE-990C140A881D}"/>
+              </a:ext>
+            </a:extLst>
+          </p:cNvPr>
+          <p:cNvCxnSpPr>
+            <a:stCxn id="14" idx="1"/>
+            <a:endCxn id="9" idx="1"/>
+          </p:cNvCxnSpPr>
+          <p:nvPr/>
+        </p:nvCxnSpPr>
+        <p:spPr>
+          <a:xfrm rot="10800000" flipH="1" flipV="1">
+            <a:off x="2989578" y="1138371"/>
+            <a:ext cx="2504113" cy="4089930"/>
+          </a:xfrm>
+          <a:prstGeom prst="bentConnector3">
+            <a:avLst>
+              <a:gd name="adj1" fmla="val -9129"/>
+            </a:avLst>
+          </a:prstGeom>
+          <a:ln w="25400">
+            <a:solidFill>
+              <a:srgbClr val="FF0000"/>
+            </a:solidFill>
+            <a:tailEnd type="stealth" w="lg" len="med"/>
+          </a:ln>
+        </p:spPr>
+        <p:style>
+          <a:lnRef idx="1">
+            <a:schemeClr val="accent1"/>
+          </a:lnRef>
+          <a:fillRef idx="0">
+            <a:schemeClr val="accent1"/>
+          </a:fillRef>
+          <a:effectRef idx="0">
+            <a:schemeClr val="accent1"/>
+          </a:effectRef>
+          <a:fontRef idx="minor">
+            <a:schemeClr val="tx1"/>
+          </a:fontRef>
+        </p:style>
+      </p:cxnSp>
+      <p:cxnSp>
+        <p:nvCxnSpPr>
+          <p:cNvPr id="28" name="Connector: Elbow 27">
+            <a:extLst>
+              <a:ext uri="{FF2B5EF4-FFF2-40B4-BE49-F238E27FC236}">
+                <a16:creationId xmlns:a16="http://schemas.microsoft.com/office/drawing/2014/main" id="{4789B3DA-B3D3-462C-AADF-EEB56DF5DFB1}"/>
+              </a:ext>
+            </a:extLst>
+          </p:cNvPr>
+          <p:cNvCxnSpPr>
+            <a:stCxn id="9" idx="3"/>
+          </p:cNvCxnSpPr>
+          <p:nvPr/>
+        </p:nvCxnSpPr>
+        <p:spPr>
+          <a:xfrm flipV="1">
+            <a:off x="9824722" y="1795771"/>
+            <a:ext cx="504592" cy="3432530"/>
+          </a:xfrm>
+          <a:prstGeom prst="bentConnector2">
+            <a:avLst/>
+          </a:prstGeom>
+          <a:ln w="25400">
+            <a:solidFill>
+              <a:srgbClr val="FF0000"/>
+            </a:solidFill>
+            <a:tailEnd type="stealth" w="lg" len="med"/>
+          </a:ln>
+        </p:spPr>
+        <p:style>
+          <a:lnRef idx="1">
+            <a:schemeClr val="accent1"/>
+          </a:lnRef>
+          <a:fillRef idx="0">
+            <a:schemeClr val="accent1"/>
+          </a:fillRef>
+          <a:effectRef idx="0">
+            <a:schemeClr val="accent1"/>
+          </a:effectRef>
+          <a:fontRef idx="minor">
+            <a:schemeClr val="tx1"/>
+          </a:fontRef>
+        </p:style>
+      </p:cxnSp>
+      <p:sp>
+        <p:nvSpPr>
+          <p:cNvPr id="29" name="Rectangle: Rounded Corners 28">
+            <a:extLst>
+              <a:ext uri="{FF2B5EF4-FFF2-40B4-BE49-F238E27FC236}">
+                <a16:creationId xmlns:a16="http://schemas.microsoft.com/office/drawing/2014/main" id="{695F951F-7FF1-49A5-902C-5E4E950DD96E}"/>
+              </a:ext>
+            </a:extLst>
+          </p:cNvPr>
+          <p:cNvSpPr/>
+          <p:nvPr/>
+        </p:nvSpPr>
+        <p:spPr>
+          <a:xfrm>
+            <a:off x="7472680" y="619760"/>
+            <a:ext cx="736600" cy="223520"/>
+          </a:xfrm>
+          <a:prstGeom prst="roundRect">
+            <a:avLst/>
+          </a:prstGeom>
+          <a:noFill/>
+          <a:ln w="25400">
+            <a:solidFill>
+              <a:srgbClr val="FFFF00"/>
+            </a:solidFill>
+          </a:ln>
+        </p:spPr>
+        <p:style>
+          <a:lnRef idx="2">
+            <a:schemeClr val="accent1">
+              <a:shade val="50000"/>
+            </a:schemeClr>
+          </a:lnRef>
+          <a:fillRef idx="1">
+            <a:schemeClr val="accent1"/>
+          </a:fillRef>
+          <a:effectRef idx="0">
+            <a:schemeClr val="accent1"/>
+          </a:effectRef>
+          <a:fontRef idx="minor">
+            <a:schemeClr val="lt1"/>
+          </a:fontRef>
+        </p:style>
+        <p:txBody>
+          <a:bodyPr rtlCol="0" anchor="ctr"/>
+          <a:lstStyle/>
+          <a:p>
+            <a:pPr algn="ctr"/>
+            <a:endParaRPr lang="en-DE"/>
+          </a:p>
+        </p:txBody>
+      </p:sp>
+      <p:sp>
+        <p:nvSpPr>
+          <p:cNvPr id="30" name="Rectangle: Rounded Corners 29">
+            <a:extLst>
+              <a:ext uri="{FF2B5EF4-FFF2-40B4-BE49-F238E27FC236}">
+                <a16:creationId xmlns:a16="http://schemas.microsoft.com/office/drawing/2014/main" id="{897BE686-12A0-41FD-882C-1B59C40ED3B0}"/>
+              </a:ext>
+            </a:extLst>
+          </p:cNvPr>
+          <p:cNvSpPr/>
+          <p:nvPr/>
+        </p:nvSpPr>
+        <p:spPr>
+          <a:xfrm>
+            <a:off x="8612304" y="796697"/>
+            <a:ext cx="1004136" cy="184010"/>
+          </a:xfrm>
+          <a:prstGeom prst="roundRect">
+            <a:avLst/>
+          </a:prstGeom>
+          <a:noFill/>
+          <a:ln w="25400">
+            <a:solidFill>
+              <a:srgbClr val="FFFF00"/>
+            </a:solidFill>
+          </a:ln>
+        </p:spPr>
+        <p:style>
+          <a:lnRef idx="2">
+            <a:schemeClr val="accent1">
+              <a:shade val="50000"/>
+            </a:schemeClr>
+          </a:lnRef>
+          <a:fillRef idx="1">
+            <a:schemeClr val="accent1"/>
+          </a:fillRef>
+          <a:effectRef idx="0">
+            <a:schemeClr val="accent1"/>
+          </a:effectRef>
+          <a:fontRef idx="minor">
+            <a:schemeClr val="lt1"/>
+          </a:fontRef>
+        </p:style>
+        <p:txBody>
+          <a:bodyPr rtlCol="0" anchor="ctr"/>
+          <a:lstStyle/>
+          <a:p>
+            <a:pPr algn="ctr"/>
+            <a:endParaRPr lang="en-DE"/>
+          </a:p>
+        </p:txBody>
+      </p:sp>
+      <p:sp>
+        <p:nvSpPr>
+          <p:cNvPr id="33" name="Rectangle: Rounded Corners 32">
+            <a:extLst>
+              <a:ext uri="{FF2B5EF4-FFF2-40B4-BE49-F238E27FC236}">
+                <a16:creationId xmlns:a16="http://schemas.microsoft.com/office/drawing/2014/main" id="{B885B9B1-FAEF-4ADC-841F-B0AFD9D608E2}"/>
+              </a:ext>
+            </a:extLst>
+          </p:cNvPr>
+          <p:cNvSpPr/>
+          <p:nvPr/>
+        </p:nvSpPr>
+        <p:spPr>
+          <a:xfrm>
+            <a:off x="7523480" y="1606207"/>
+            <a:ext cx="914400" cy="223520"/>
+          </a:xfrm>
+          <a:prstGeom prst="roundRect">
+            <a:avLst/>
+          </a:prstGeom>
+          <a:noFill/>
+          <a:ln w="25400">
+            <a:solidFill>
+              <a:srgbClr val="FFFF00"/>
+            </a:solidFill>
+          </a:ln>
+        </p:spPr>
+        <p:style>
+          <a:lnRef idx="2">
+            <a:schemeClr val="accent1">
+              <a:shade val="50000"/>
+            </a:schemeClr>
+          </a:lnRef>
+          <a:fillRef idx="1">
+            <a:schemeClr val="accent1"/>
+          </a:fillRef>
+          <a:effectRef idx="0">
+            <a:schemeClr val="accent1"/>
+          </a:effectRef>
+          <a:fontRef idx="minor">
+            <a:schemeClr val="lt1"/>
+          </a:fontRef>
+        </p:style>
+        <p:txBody>
+          <a:bodyPr rtlCol="0" anchor="ctr"/>
+          <a:lstStyle/>
+          <a:p>
+            <a:pPr algn="ctr"/>
+            <a:endParaRPr lang="en-DE"/>
+          </a:p>
+        </p:txBody>
+      </p:sp>
+      <p:sp>
+        <p:nvSpPr>
+          <p:cNvPr id="34" name="Rectangle: Rounded Corners 33">
+            <a:extLst>
+              <a:ext uri="{FF2B5EF4-FFF2-40B4-BE49-F238E27FC236}">
+                <a16:creationId xmlns:a16="http://schemas.microsoft.com/office/drawing/2014/main" id="{987D42CF-15A6-48A1-B98A-39A7A8C2F001}"/>
+              </a:ext>
+            </a:extLst>
+          </p:cNvPr>
+          <p:cNvSpPr/>
+          <p:nvPr/>
+        </p:nvSpPr>
+        <p:spPr>
+          <a:xfrm>
+            <a:off x="9222740" y="1484346"/>
+            <a:ext cx="1051561" cy="150464"/>
+          </a:xfrm>
+          <a:prstGeom prst="roundRect">
+            <a:avLst/>
+          </a:prstGeom>
+          <a:noFill/>
+          <a:ln w="25400">
+            <a:solidFill>
+              <a:srgbClr val="FFFF00"/>
+            </a:solidFill>
+          </a:ln>
+        </p:spPr>
+        <p:style>
+          <a:lnRef idx="2">
+            <a:schemeClr val="accent1">
+              <a:shade val="50000"/>
+            </a:schemeClr>
+          </a:lnRef>
+          <a:fillRef idx="1">
+            <a:schemeClr val="accent1"/>
+          </a:fillRef>
+          <a:effectRef idx="0">
+            <a:schemeClr val="accent1"/>
+          </a:effectRef>
+          <a:fontRef idx="minor">
+            <a:schemeClr val="lt1"/>
+          </a:fontRef>
+        </p:style>
+        <p:txBody>
+          <a:bodyPr rtlCol="0" anchor="ctr"/>
+          <a:lstStyle/>
+          <a:p>
+            <a:pPr algn="ctr"/>
+            <a:endParaRPr lang="en-DE"/>
+          </a:p>
+        </p:txBody>
+      </p:sp>
+      <p:sp>
+        <p:nvSpPr>
+          <p:cNvPr id="38" name="Rectangle: Rounded Corners 37">
+            <a:extLst>
+              <a:ext uri="{FF2B5EF4-FFF2-40B4-BE49-F238E27FC236}">
+                <a16:creationId xmlns:a16="http://schemas.microsoft.com/office/drawing/2014/main" id="{33473F08-4F72-4C0E-86FF-E1A061778EE0}"/>
+              </a:ext>
+            </a:extLst>
+          </p:cNvPr>
+          <p:cNvSpPr/>
+          <p:nvPr/>
+        </p:nvSpPr>
+        <p:spPr>
+          <a:xfrm>
+            <a:off x="9714664" y="980707"/>
+            <a:ext cx="1004136" cy="154488"/>
+          </a:xfrm>
+          <a:prstGeom prst="roundRect">
+            <a:avLst/>
+          </a:prstGeom>
+          <a:noFill/>
+          <a:ln w="25400">
+            <a:solidFill>
+              <a:srgbClr val="FFFF00"/>
+            </a:solidFill>
+          </a:ln>
+        </p:spPr>
+        <p:style>
+          <a:lnRef idx="2">
+            <a:schemeClr val="accent1">
+              <a:shade val="50000"/>
+            </a:schemeClr>
+          </a:lnRef>
+          <a:fillRef idx="1">
+            <a:schemeClr val="accent1"/>
+          </a:fillRef>
+          <a:effectRef idx="0">
+            <a:schemeClr val="accent1"/>
+          </a:effectRef>
+          <a:fontRef idx="minor">
+            <a:schemeClr val="lt1"/>
+          </a:fontRef>
+        </p:style>
+        <p:txBody>
+          <a:bodyPr rtlCol="0" anchor="ctr"/>
+          <a:lstStyle/>
+          <a:p>
+            <a:pPr algn="ctr"/>
+            <a:endParaRPr lang="en-DE"/>
+          </a:p>
+        </p:txBody>
+      </p:sp>
+      <p:sp>
+        <p:nvSpPr>
+          <p:cNvPr id="39" name="Rectangle: Rounded Corners 38">
+            <a:extLst>
+              <a:ext uri="{FF2B5EF4-FFF2-40B4-BE49-F238E27FC236}">
+                <a16:creationId xmlns:a16="http://schemas.microsoft.com/office/drawing/2014/main" id="{8F6BFACB-E70E-4EE0-9AEC-7D3C73E7F822}"/>
+              </a:ext>
+            </a:extLst>
+          </p:cNvPr>
+          <p:cNvSpPr/>
+          <p:nvPr/>
+        </p:nvSpPr>
+        <p:spPr>
+          <a:xfrm>
+            <a:off x="9714664" y="1162382"/>
+            <a:ext cx="1705176" cy="146253"/>
+          </a:xfrm>
+          <a:prstGeom prst="roundRect">
+            <a:avLst/>
+          </a:prstGeom>
+          <a:noFill/>
+          <a:ln w="25400">
+            <a:solidFill>
+              <a:srgbClr val="FFFF00"/>
+            </a:solidFill>
+          </a:ln>
+        </p:spPr>
+        <p:style>
+          <a:lnRef idx="2">
+            <a:schemeClr val="accent1">
+              <a:shade val="50000"/>
+            </a:schemeClr>
+          </a:lnRef>
+          <a:fillRef idx="1">
+            <a:schemeClr val="accent1"/>
+          </a:fillRef>
+          <a:effectRef idx="0">
+            <a:schemeClr val="accent1"/>
+          </a:effectRef>
+          <a:fontRef idx="minor">
+            <a:schemeClr val="lt1"/>
+          </a:fontRef>
+        </p:style>
+        <p:txBody>
+          <a:bodyPr rtlCol="0" anchor="ctr"/>
+          <a:lstStyle/>
+          <a:p>
+            <a:pPr algn="ctr"/>
+            <a:endParaRPr lang="en-DE"/>
+          </a:p>
+        </p:txBody>
+      </p:sp>
+      <p:sp>
+        <p:nvSpPr>
+          <p:cNvPr id="40" name="Rectangle: Rounded Corners 39">
+            <a:extLst>
+              <a:ext uri="{FF2B5EF4-FFF2-40B4-BE49-F238E27FC236}">
+                <a16:creationId xmlns:a16="http://schemas.microsoft.com/office/drawing/2014/main" id="{D697C2EA-3523-44C5-B0E0-16BB3AC59646}"/>
+              </a:ext>
+            </a:extLst>
+          </p:cNvPr>
+          <p:cNvSpPr/>
+          <p:nvPr/>
+        </p:nvSpPr>
+        <p:spPr>
+          <a:xfrm>
+            <a:off x="9319260" y="1327210"/>
+            <a:ext cx="1130300" cy="146252"/>
+          </a:xfrm>
+          <a:prstGeom prst="roundRect">
+            <a:avLst/>
+          </a:prstGeom>
+          <a:noFill/>
+          <a:ln w="25400">
+            <a:solidFill>
+              <a:srgbClr val="FFFF00"/>
+            </a:solidFill>
+          </a:ln>
+        </p:spPr>
+        <p:style>
+          <a:lnRef idx="2">
+            <a:schemeClr val="accent1">
+              <a:shade val="50000"/>
+            </a:schemeClr>
+          </a:lnRef>
+          <a:fillRef idx="1">
+            <a:schemeClr val="accent1"/>
+          </a:fillRef>
+          <a:effectRef idx="0">
+            <a:schemeClr val="accent1"/>
+          </a:effectRef>
+          <a:fontRef idx="minor">
+            <a:schemeClr val="lt1"/>
+          </a:fontRef>
+        </p:style>
+        <p:txBody>
+          <a:bodyPr rtlCol="0" anchor="ctr"/>
+          <a:lstStyle/>
+          <a:p>
+            <a:pPr algn="ctr"/>
+            <a:endParaRPr lang="en-DE"/>
+          </a:p>
+        </p:txBody>
+      </p:sp>
+      <p:sp>
+        <p:nvSpPr>
+          <p:cNvPr id="46" name="Rectangle: Rounded Corners 45">
+            <a:extLst>
+              <a:ext uri="{FF2B5EF4-FFF2-40B4-BE49-F238E27FC236}">
+                <a16:creationId xmlns:a16="http://schemas.microsoft.com/office/drawing/2014/main" id="{C439AF9C-100B-43E3-A8E3-F1F1B43580AF}"/>
+              </a:ext>
+            </a:extLst>
+          </p:cNvPr>
+          <p:cNvSpPr/>
+          <p:nvPr/>
+        </p:nvSpPr>
+        <p:spPr>
+          <a:xfrm>
+            <a:off x="4064000" y="2418080"/>
+            <a:ext cx="899160" cy="223520"/>
+          </a:xfrm>
+          <a:prstGeom prst="roundRect">
+            <a:avLst/>
+          </a:prstGeom>
+          <a:noFill/>
+          <a:ln w="25400">
+            <a:solidFill>
+              <a:srgbClr val="FFFF00"/>
+            </a:solidFill>
+          </a:ln>
+        </p:spPr>
+        <p:style>
+          <a:lnRef idx="2">
+            <a:schemeClr val="accent1">
+              <a:shade val="50000"/>
+            </a:schemeClr>
+          </a:lnRef>
+          <a:fillRef idx="1">
+            <a:schemeClr val="accent1"/>
+          </a:fillRef>
+          <a:effectRef idx="0">
+            <a:schemeClr val="accent1"/>
+          </a:effectRef>
+          <a:fontRef idx="minor">
+            <a:schemeClr val="lt1"/>
+          </a:fontRef>
+        </p:style>
+        <p:txBody>
+          <a:bodyPr rtlCol="0" anchor="ctr"/>
+          <a:lstStyle/>
+          <a:p>
+            <a:pPr algn="ctr"/>
+            <a:endParaRPr lang="en-DE"/>
+          </a:p>
+        </p:txBody>
+      </p:sp>
+      <p:sp>
+        <p:nvSpPr>
+          <p:cNvPr id="47" name="Rectangle: Rounded Corners 46">
+            <a:extLst>
+              <a:ext uri="{FF2B5EF4-FFF2-40B4-BE49-F238E27FC236}">
+                <a16:creationId xmlns:a16="http://schemas.microsoft.com/office/drawing/2014/main" id="{83BC60D4-D200-4D63-825A-8D03B6ACC412}"/>
+              </a:ext>
+            </a:extLst>
+          </p:cNvPr>
+          <p:cNvSpPr/>
+          <p:nvPr/>
+        </p:nvSpPr>
+        <p:spPr>
+          <a:xfrm>
+            <a:off x="6149608" y="2576914"/>
+            <a:ext cx="1053832" cy="247566"/>
+          </a:xfrm>
+          <a:prstGeom prst="roundRect">
+            <a:avLst/>
+          </a:prstGeom>
+          <a:noFill/>
+          <a:ln w="25400">
+            <a:solidFill>
+              <a:srgbClr val="FFFF00"/>
+            </a:solidFill>
+          </a:ln>
+        </p:spPr>
+        <p:style>
+          <a:lnRef idx="2">
+            <a:schemeClr val="accent1">
+              <a:shade val="50000"/>
+            </a:schemeClr>
+          </a:lnRef>
+          <a:fillRef idx="1">
+            <a:schemeClr val="accent1"/>
+          </a:fillRef>
+          <a:effectRef idx="0">
+            <a:schemeClr val="accent1"/>
+          </a:effectRef>
+          <a:fontRef idx="minor">
+            <a:schemeClr val="lt1"/>
+          </a:fontRef>
+        </p:style>
+        <p:txBody>
+          <a:bodyPr rtlCol="0" anchor="ctr"/>
+          <a:lstStyle/>
+          <a:p>
+            <a:pPr algn="ctr"/>
+            <a:endParaRPr lang="en-DE"/>
+          </a:p>
+        </p:txBody>
+      </p:sp>
+    </p:spTree>
+    <p:extLst>
+      <p:ext uri="{BB962C8B-B14F-4D97-AF65-F5344CB8AC3E}">
+        <p14:creationId xmlns:p14="http://schemas.microsoft.com/office/powerpoint/2010/main" val="110120487"/>
+      </p:ext>
+    </p:extLst>
+  </p:cSld>
+  <p:clrMapOvr>
+    <a:masterClrMapping/>
+  </p:clrMapOvr>
+</p:sld>
+</file>
+
+<file path=ppt/slides/slide3.xml><?xml version="1.0" encoding="utf-8"?>
+<p:sld xmlns:a="http://schemas.openxmlformats.org/drawingml/2006/main" xmlns:r="http://schemas.openxmlformats.org/officeDocument/2006/relationships" xmlns:p="http://schemas.openxmlformats.org/presentationml/2006/main">
+  <p:cSld>
+    <p:spTree>
+      <p:nvGrpSpPr>
+        <p:cNvPr id="1" name=""/>
+        <p:cNvGrpSpPr/>
+        <p:nvPr/>
+      </p:nvGrpSpPr>
+      <p:grpSpPr>
+        <a:xfrm>
+          <a:off x="0" y="0"/>
+          <a:ext cx="0" cy="0"/>
+          <a:chOff x="0" y="0"/>
+          <a:chExt cx="0" cy="0"/>
+        </a:xfrm>
+      </p:grpSpPr>
+      <p:grpSp>
+        <p:nvGrpSpPr>
+          <p:cNvPr id="154" name="Group 153">
+            <a:extLst>
+              <a:ext uri="{FF2B5EF4-FFF2-40B4-BE49-F238E27FC236}">
+                <a16:creationId xmlns:a16="http://schemas.microsoft.com/office/drawing/2014/main" id="{08B3EBB4-84AE-45DA-9BDB-A6D2908A6E43}"/>
+              </a:ext>
+            </a:extLst>
+          </p:cNvPr>
+          <p:cNvGrpSpPr/>
+          <p:nvPr/>
+        </p:nvGrpSpPr>
+        <p:grpSpPr>
+          <a:xfrm>
+            <a:off x="1107440" y="367085"/>
+            <a:ext cx="10113605" cy="5318870"/>
+            <a:chOff x="1280160" y="341685"/>
+            <a:chExt cx="10113605" cy="5318870"/>
+          </a:xfrm>
+        </p:grpSpPr>
+        <p:sp>
+          <p:nvSpPr>
+            <p:cNvPr id="5" name="TextBox 4">
+              <a:extLst>
+                <a:ext uri="{FF2B5EF4-FFF2-40B4-BE49-F238E27FC236}">
+                  <a16:creationId xmlns:a16="http://schemas.microsoft.com/office/drawing/2014/main" id="{02C2AB2D-EF2B-41AA-9F45-866B9EF7048D}"/>
+                </a:ext>
+              </a:extLst>
+            </p:cNvPr>
+            <p:cNvSpPr txBox="1"/>
+            <p:nvPr/>
+          </p:nvSpPr>
+          <p:spPr>
+            <a:xfrm>
+              <a:off x="1659546" y="3249106"/>
+              <a:ext cx="696662" cy="338554"/>
+            </a:xfrm>
+            <a:prstGeom prst="rect">
+              <a:avLst/>
+            </a:prstGeom>
+            <a:noFill/>
+            <a:ln>
+              <a:solidFill>
+                <a:schemeClr val="accent1">
+                  <a:shade val="50000"/>
+                </a:schemeClr>
+              </a:solidFill>
+            </a:ln>
+          </p:spPr>
+          <p:txBody>
+            <a:bodyPr wrap="square">
+              <a:spAutoFit/>
+            </a:bodyPr>
+            <a:lstStyle/>
+            <a:p>
+              <a:r>
+                <a:rPr lang="en-US" sz="1600" dirty="0">
+                  <a:solidFill>
+                    <a:srgbClr val="00B0F0"/>
+                  </a:solidFill>
+                </a:rPr>
+                <a:t>label</a:t>
+              </a:r>
+              <a:endParaRPr lang="en-DE" sz="1600" dirty="0">
+                <a:solidFill>
+                  <a:srgbClr val="00B0F0"/>
+                </a:solidFill>
+              </a:endParaRPr>
+            </a:p>
+          </p:txBody>
+        </p:sp>
+        <p:sp>
+          <p:nvSpPr>
+            <p:cNvPr id="6" name="TextBox 5">
+              <a:extLst>
+                <a:ext uri="{FF2B5EF4-FFF2-40B4-BE49-F238E27FC236}">
+                  <a16:creationId xmlns:a16="http://schemas.microsoft.com/office/drawing/2014/main" id="{F83CBBAF-7468-4961-B8A5-9840952E1495}"/>
+                </a:ext>
+              </a:extLst>
+            </p:cNvPr>
+            <p:cNvSpPr txBox="1"/>
+            <p:nvPr/>
+          </p:nvSpPr>
+          <p:spPr>
+            <a:xfrm>
+              <a:off x="2490280" y="2000775"/>
+              <a:ext cx="1786354" cy="584775"/>
+            </a:xfrm>
+            <a:prstGeom prst="rect">
+              <a:avLst/>
+            </a:prstGeom>
+            <a:noFill/>
+            <a:ln>
+              <a:solidFill>
+                <a:schemeClr val="accent1"/>
+              </a:solidFill>
+            </a:ln>
+          </p:spPr>
+          <p:txBody>
+            <a:bodyPr wrap="square">
+              <a:spAutoFit/>
+            </a:bodyPr>
+            <a:lstStyle/>
+            <a:p>
+              <a:r>
+                <a:rPr lang="en-US" sz="1600" dirty="0"/>
+                <a:t>Creates user dialog</a:t>
+              </a:r>
+            </a:p>
+            <a:p>
+              <a:endParaRPr lang="en-DE" sz="1600" dirty="0"/>
+            </a:p>
+          </p:txBody>
+        </p:sp>
+        <p:grpSp>
+          <p:nvGrpSpPr>
+            <p:cNvPr id="9" name="Group 8">
+              <a:extLst>
+                <a:ext uri="{FF2B5EF4-FFF2-40B4-BE49-F238E27FC236}">
+                  <a16:creationId xmlns:a16="http://schemas.microsoft.com/office/drawing/2014/main" id="{5F005909-B91F-4000-881E-1E1E93875DEA}"/>
+                </a:ext>
+              </a:extLst>
+            </p:cNvPr>
+            <p:cNvGrpSpPr/>
+            <p:nvPr/>
+          </p:nvGrpSpPr>
+          <p:grpSpPr>
+            <a:xfrm>
+              <a:off x="2169775" y="3746030"/>
+              <a:ext cx="4219733" cy="1914525"/>
+              <a:chOff x="3840479" y="2181179"/>
+              <a:chExt cx="4181475" cy="1914525"/>
+            </a:xfrm>
+          </p:grpSpPr>
+          <p:pic>
+            <p:nvPicPr>
+              <p:cNvPr id="7" name="Picture 6">
+                <a:extLst>
+                  <a:ext uri="{FF2B5EF4-FFF2-40B4-BE49-F238E27FC236}">
+                    <a16:creationId xmlns:a16="http://schemas.microsoft.com/office/drawing/2014/main" id="{FAC09EF4-7C5A-4EDD-A496-DA6D1649335F}"/>
+                  </a:ext>
+                </a:extLst>
+              </p:cNvPr>
+              <p:cNvPicPr>
+                <a:picLocks noChangeAspect="1"/>
+              </p:cNvPicPr>
+              <p:nvPr/>
+            </p:nvPicPr>
+            <p:blipFill>
+              <a:blip r:embed="rId2"/>
+              <a:stretch>
+                <a:fillRect/>
+              </a:stretch>
+            </p:blipFill>
+            <p:spPr>
+              <a:xfrm>
+                <a:off x="3840479" y="2181179"/>
+                <a:ext cx="4181475" cy="1914525"/>
+              </a:xfrm>
+              <a:prstGeom prst="rect">
+                <a:avLst/>
+              </a:prstGeom>
+            </p:spPr>
+          </p:pic>
+          <p:sp>
+            <p:nvSpPr>
+              <p:cNvPr id="8" name="Rectangle 7">
+                <a:extLst>
+                  <a:ext uri="{FF2B5EF4-FFF2-40B4-BE49-F238E27FC236}">
+                    <a16:creationId xmlns:a16="http://schemas.microsoft.com/office/drawing/2014/main" id="{C7596298-3526-436E-94D0-0CD1956EBB9E}"/>
+                  </a:ext>
+                </a:extLst>
+              </p:cNvPr>
+              <p:cNvSpPr/>
+              <p:nvPr/>
+            </p:nvSpPr>
+            <p:spPr>
+              <a:xfrm>
+                <a:off x="3991847" y="2310911"/>
+                <a:ext cx="3550319" cy="327855"/>
+              </a:xfrm>
+              <a:prstGeom prst="rect">
+                <a:avLst/>
+              </a:prstGeom>
+              <a:solidFill>
+                <a:schemeClr val="bg1"/>
+              </a:solidFill>
+              <a:ln>
+                <a:noFill/>
+              </a:ln>
+            </p:spPr>
+            <p:style>
+              <a:lnRef idx="2">
+                <a:schemeClr val="accent1">
+                  <a:shade val="50000"/>
+                </a:schemeClr>
+              </a:lnRef>
+              <a:fillRef idx="1">
+                <a:schemeClr val="accent1"/>
+              </a:fillRef>
+              <a:effectRef idx="0">
+                <a:schemeClr val="accent1"/>
+              </a:effectRef>
+              <a:fontRef idx="minor">
+                <a:schemeClr val="lt1"/>
+              </a:fontRef>
+            </p:style>
+            <p:txBody>
+              <a:bodyPr rtlCol="0" anchor="ctr"/>
+              <a:lstStyle/>
+              <a:p>
+                <a:pPr algn="ctr"/>
+                <a:r>
+                  <a:rPr lang="en-US" sz="1600" dirty="0">
+                    <a:solidFill>
+                      <a:schemeClr val="tx1"/>
+                    </a:solidFill>
+                  </a:rPr>
+                  <a:t>Dialog box</a:t>
+                </a:r>
+                <a:endParaRPr lang="en-DE" sz="1600" dirty="0">
+                  <a:solidFill>
+                    <a:schemeClr val="tx1"/>
+                  </a:solidFill>
+                </a:endParaRPr>
+              </a:p>
+            </p:txBody>
+          </p:sp>
+        </p:grpSp>
+        <p:cxnSp>
+          <p:nvCxnSpPr>
+            <p:cNvPr id="11" name="Straight Arrow Connector 10">
+              <a:extLst>
+                <a:ext uri="{FF2B5EF4-FFF2-40B4-BE49-F238E27FC236}">
+                  <a16:creationId xmlns:a16="http://schemas.microsoft.com/office/drawing/2014/main" id="{F6D74121-5E95-487E-83A3-9220CD9169A9}"/>
+                </a:ext>
+              </a:extLst>
+            </p:cNvPr>
+            <p:cNvCxnSpPr>
+              <a:cxnSpLocks/>
+              <a:stCxn id="5" idx="2"/>
+            </p:cNvCxnSpPr>
+            <p:nvPr/>
+          </p:nvCxnSpPr>
+          <p:spPr>
+            <a:xfrm>
+              <a:off x="2007877" y="3587660"/>
+              <a:ext cx="613352" cy="894213"/>
+            </a:xfrm>
+            <a:prstGeom prst="straightConnector1">
+              <a:avLst/>
+            </a:prstGeom>
+            <a:ln>
+              <a:tailEnd type="arrow" w="lg" len="sm"/>
+            </a:ln>
+          </p:spPr>
+          <p:style>
+            <a:lnRef idx="1">
+              <a:schemeClr val="accent1"/>
+            </a:lnRef>
+            <a:fillRef idx="0">
+              <a:schemeClr val="accent1"/>
+            </a:fillRef>
+            <a:effectRef idx="0">
+              <a:schemeClr val="accent1"/>
+            </a:effectRef>
+            <a:fontRef idx="minor">
+              <a:schemeClr val="tx1"/>
+            </a:fontRef>
+          </p:style>
+        </p:cxnSp>
+        <p:sp>
+          <p:nvSpPr>
+            <p:cNvPr id="14" name="TextBox 13">
+              <a:extLst>
+                <a:ext uri="{FF2B5EF4-FFF2-40B4-BE49-F238E27FC236}">
+                  <a16:creationId xmlns:a16="http://schemas.microsoft.com/office/drawing/2014/main" id="{019B3BEF-5B1F-46E6-B696-95B3945AE021}"/>
+                </a:ext>
+              </a:extLst>
+            </p:cNvPr>
+            <p:cNvSpPr txBox="1"/>
+            <p:nvPr/>
+          </p:nvSpPr>
+          <p:spPr>
+            <a:xfrm>
+              <a:off x="4416442" y="3063205"/>
+              <a:ext cx="1973066" cy="584775"/>
+            </a:xfrm>
+            <a:prstGeom prst="rect">
+              <a:avLst/>
+            </a:prstGeom>
+            <a:noFill/>
+            <a:ln>
+              <a:solidFill>
+                <a:schemeClr val="accent1">
+                  <a:shade val="50000"/>
+                </a:schemeClr>
+              </a:solidFill>
+            </a:ln>
+          </p:spPr>
+          <p:txBody>
+            <a:bodyPr wrap="square">
+              <a:spAutoFit/>
+            </a:bodyPr>
+            <a:lstStyle/>
+            <a:p>
+              <a:r>
+                <a:rPr lang="en-US" sz="1600" dirty="0">
+                  <a:solidFill>
+                    <a:schemeClr val="accent4">
+                      <a:lumMod val="75000"/>
+                    </a:schemeClr>
+                  </a:solidFill>
+                </a:rPr>
+                <a:t>Value (input by user) </a:t>
+              </a:r>
+            </a:p>
+            <a:p>
+              <a:endParaRPr lang="en-DE" sz="1600" dirty="0">
+                <a:solidFill>
+                  <a:schemeClr val="accent4">
+                    <a:lumMod val="75000"/>
+                  </a:schemeClr>
+                </a:solidFill>
+              </a:endParaRPr>
+            </a:p>
+          </p:txBody>
+        </p:sp>
+        <p:cxnSp>
+          <p:nvCxnSpPr>
+            <p:cNvPr id="16" name="Straight Arrow Connector 15">
+              <a:extLst>
+                <a:ext uri="{FF2B5EF4-FFF2-40B4-BE49-F238E27FC236}">
+                  <a16:creationId xmlns:a16="http://schemas.microsoft.com/office/drawing/2014/main" id="{D4743BF0-E3C0-4F7C-9222-D73AE8516C96}"/>
+                </a:ext>
+              </a:extLst>
+            </p:cNvPr>
+            <p:cNvCxnSpPr>
+              <a:cxnSpLocks/>
+              <a:stCxn id="14" idx="2"/>
+            </p:cNvCxnSpPr>
+            <p:nvPr/>
+          </p:nvCxnSpPr>
+          <p:spPr>
+            <a:xfrm>
+              <a:off x="5402975" y="3647980"/>
+              <a:ext cx="249239" cy="915112"/>
+            </a:xfrm>
+            <a:prstGeom prst="straightConnector1">
+              <a:avLst/>
+            </a:prstGeom>
+            <a:ln>
+              <a:tailEnd type="arrow" w="lg" len="sm"/>
+            </a:ln>
+          </p:spPr>
+          <p:style>
+            <a:lnRef idx="1">
+              <a:schemeClr val="accent1"/>
+            </a:lnRef>
+            <a:fillRef idx="0">
+              <a:schemeClr val="accent1"/>
+            </a:fillRef>
+            <a:effectRef idx="0">
+              <a:schemeClr val="accent1"/>
+            </a:effectRef>
+            <a:fontRef idx="minor">
+              <a:schemeClr val="tx1"/>
+            </a:fontRef>
+          </p:style>
+        </p:cxnSp>
+        <p:sp>
+          <p:nvSpPr>
+            <p:cNvPr id="21" name="TextBox 20">
+              <a:extLst>
+                <a:ext uri="{FF2B5EF4-FFF2-40B4-BE49-F238E27FC236}">
+                  <a16:creationId xmlns:a16="http://schemas.microsoft.com/office/drawing/2014/main" id="{B08B84B0-0DE6-48AC-B493-9E0245C7A464}"/>
+                </a:ext>
+              </a:extLst>
+            </p:cNvPr>
+            <p:cNvSpPr txBox="1"/>
+            <p:nvPr/>
+          </p:nvSpPr>
+          <p:spPr>
+            <a:xfrm>
+              <a:off x="3665200" y="341685"/>
+              <a:ext cx="1516037" cy="584775"/>
+            </a:xfrm>
+            <a:prstGeom prst="rect">
+              <a:avLst/>
+            </a:prstGeom>
+            <a:noFill/>
+            <a:ln>
+              <a:solidFill>
+                <a:schemeClr val="accent1"/>
+              </a:solidFill>
+            </a:ln>
+          </p:spPr>
+          <p:txBody>
+            <a:bodyPr wrap="square" rtlCol="0">
+              <a:spAutoFit/>
+            </a:bodyPr>
+            <a:lstStyle/>
+            <a:p>
+              <a:r>
+                <a:rPr lang="en-US" sz="1600" dirty="0">
+                  <a:solidFill>
+                    <a:srgbClr val="FF0000"/>
+                  </a:solidFill>
+                </a:rPr>
+                <a:t>Creates variable</a:t>
+              </a:r>
+            </a:p>
+            <a:p>
+              <a:endParaRPr lang="en-DE" sz="1600" dirty="0">
+                <a:solidFill>
+                  <a:srgbClr val="FF0000"/>
+                </a:solidFill>
+              </a:endParaRPr>
+            </a:p>
+          </p:txBody>
+        </p:sp>
+        <p:sp>
+          <p:nvSpPr>
+            <p:cNvPr id="23" name="TextBox 22">
+              <a:extLst>
+                <a:ext uri="{FF2B5EF4-FFF2-40B4-BE49-F238E27FC236}">
+                  <a16:creationId xmlns:a16="http://schemas.microsoft.com/office/drawing/2014/main" id="{A63D88D0-8364-495D-9E7B-B4E538629CBB}"/>
+                </a:ext>
+              </a:extLst>
+            </p:cNvPr>
+            <p:cNvSpPr txBox="1"/>
+            <p:nvPr/>
+          </p:nvSpPr>
+          <p:spPr>
+            <a:xfrm>
+              <a:off x="4875901" y="1997059"/>
+              <a:ext cx="1786354" cy="584775"/>
+            </a:xfrm>
+            <a:prstGeom prst="rect">
+              <a:avLst/>
+            </a:prstGeom>
+            <a:noFill/>
+            <a:ln>
+              <a:solidFill>
+                <a:schemeClr val="accent1"/>
+              </a:solidFill>
+            </a:ln>
+          </p:spPr>
+          <p:txBody>
+            <a:bodyPr wrap="square" rtlCol="0">
+              <a:spAutoFit/>
+            </a:bodyPr>
+            <a:lstStyle/>
+            <a:p>
+              <a:r>
+                <a:rPr lang="en-US" sz="1600" dirty="0">
+                  <a:solidFill>
+                    <a:srgbClr val="FF00FF"/>
+                  </a:solidFill>
+                </a:rPr>
+                <a:t>Declares input type</a:t>
+              </a:r>
+            </a:p>
+            <a:p>
+              <a:endParaRPr lang="en-DE" sz="1600" dirty="0">
+                <a:solidFill>
+                  <a:srgbClr val="FF00FF"/>
+                </a:solidFill>
+              </a:endParaRPr>
+            </a:p>
+          </p:txBody>
+        </p:sp>
+        <mc:AlternateContent xmlns:mc="http://schemas.openxmlformats.org/markup-compatibility/2006">
+          <mc:Choice xmlns:p14="http://schemas.microsoft.com/office/powerpoint/2010/main" xmlns:aink="http://schemas.microsoft.com/office/drawing/2016/ink" Requires="p14 aink">
+            <p:contentPart p14:bwMode="auto" r:id="rId3">
+              <p14:nvContentPartPr>
+                <p14:cNvPr id="34" name="Ink 33">
+                  <a:extLst>
+                    <a:ext uri="{FF2B5EF4-FFF2-40B4-BE49-F238E27FC236}">
+                      <a16:creationId xmlns:a16="http://schemas.microsoft.com/office/drawing/2014/main" id="{E03A43DA-D3B4-4248-9590-C6843F2E3A9D}"/>
+                    </a:ext>
+                  </a:extLst>
+                </p14:cNvPr>
+                <p14:cNvContentPartPr/>
+                <p14:nvPr/>
+              </p14:nvContentPartPr>
+              <p14:xfrm>
+                <a:off x="5890275" y="619440"/>
+                <a:ext cx="363" cy="360"/>
+              </p14:xfrm>
+            </p:contentPart>
+          </mc:Choice>
+          <mc:Fallback>
+            <p:pic>
+              <p:nvPicPr>
+                <p:cNvPr id="34" name="Ink 33">
+                  <a:extLst>
+                    <a:ext uri="{FF2B5EF4-FFF2-40B4-BE49-F238E27FC236}">
+                      <a16:creationId xmlns:a16="http://schemas.microsoft.com/office/drawing/2014/main" id="{E03A43DA-D3B4-4248-9590-C6843F2E3A9D}"/>
+                    </a:ext>
+                  </a:extLst>
+                </p:cNvPr>
+                <p:cNvPicPr/>
+                <p:nvPr/>
+              </p:nvPicPr>
+              <p:blipFill>
+                <a:blip r:embed="rId4"/>
+                <a:stretch>
+                  <a:fillRect/>
+                </a:stretch>
+              </p:blipFill>
+              <p:spPr>
+                <a:xfrm>
+                  <a:off x="5872488" y="511440"/>
+                  <a:ext cx="36300" cy="216000"/>
+                </a:xfrm>
+                <a:prstGeom prst="rect">
+                  <a:avLst/>
+                </a:prstGeom>
+              </p:spPr>
+            </p:pic>
+          </mc:Fallback>
+        </mc:AlternateContent>
+        <mc:AlternateContent xmlns:mc="http://schemas.openxmlformats.org/markup-compatibility/2006">
+          <mc:Choice xmlns:p14="http://schemas.microsoft.com/office/powerpoint/2010/main" xmlns:aink="http://schemas.microsoft.com/office/drawing/2016/ink" Requires="p14 aink">
+            <p:contentPart p14:bwMode="auto" r:id="rId5">
+              <p14:nvContentPartPr>
+                <p14:cNvPr id="36" name="Ink 35">
+                  <a:extLst>
+                    <a:ext uri="{FF2B5EF4-FFF2-40B4-BE49-F238E27FC236}">
+                      <a16:creationId xmlns:a16="http://schemas.microsoft.com/office/drawing/2014/main" id="{45E1C946-C458-44FC-BC16-046DC5B09F07}"/>
+                    </a:ext>
+                  </a:extLst>
+                </p14:cNvPr>
+                <p14:cNvContentPartPr/>
+                <p14:nvPr/>
+              </p14:nvContentPartPr>
+              <p14:xfrm>
+                <a:off x="1737826" y="1904640"/>
+                <a:ext cx="363" cy="360"/>
+              </p14:xfrm>
+            </p:contentPart>
+          </mc:Choice>
+          <mc:Fallback>
+            <p:pic>
+              <p:nvPicPr>
+                <p:cNvPr id="36" name="Ink 35">
+                  <a:extLst>
+                    <a:ext uri="{FF2B5EF4-FFF2-40B4-BE49-F238E27FC236}">
+                      <a16:creationId xmlns:a16="http://schemas.microsoft.com/office/drawing/2014/main" id="{45E1C946-C458-44FC-BC16-046DC5B09F07}"/>
+                    </a:ext>
+                  </a:extLst>
+                </p:cNvPr>
+                <p:cNvPicPr/>
+                <p:nvPr/>
+              </p:nvPicPr>
+              <p:blipFill>
+                <a:blip r:embed="rId6"/>
+                <a:stretch>
+                  <a:fillRect/>
+                </a:stretch>
+              </p:blipFill>
+              <p:spPr>
+                <a:xfrm>
+                  <a:off x="1719676" y="1797000"/>
+                  <a:ext cx="36300" cy="216000"/>
+                </a:xfrm>
+                <a:prstGeom prst="rect">
+                  <a:avLst/>
+                </a:prstGeom>
+              </p:spPr>
+            </p:pic>
+          </mc:Fallback>
+        </mc:AlternateContent>
+        <mc:AlternateContent xmlns:mc="http://schemas.openxmlformats.org/markup-compatibility/2006">
+          <mc:Choice xmlns:p14="http://schemas.microsoft.com/office/powerpoint/2010/main" xmlns:aink="http://schemas.microsoft.com/office/drawing/2016/ink" Requires="p14 aink">
+            <p:contentPart p14:bwMode="auto" r:id="rId7">
+              <p14:nvContentPartPr>
+                <p14:cNvPr id="38" name="Ink 37">
+                  <a:extLst>
+                    <a:ext uri="{FF2B5EF4-FFF2-40B4-BE49-F238E27FC236}">
+                      <a16:creationId xmlns:a16="http://schemas.microsoft.com/office/drawing/2014/main" id="{384F9F0E-1DCD-4F9A-987B-FBFC00B1861F}"/>
+                    </a:ext>
+                  </a:extLst>
+                </p14:cNvPr>
+                <p14:cNvContentPartPr/>
+                <p14:nvPr/>
+              </p14:nvContentPartPr>
+              <p14:xfrm>
+                <a:off x="2147985" y="4134840"/>
+                <a:ext cx="363" cy="360"/>
+              </p14:xfrm>
+            </p:contentPart>
+          </mc:Choice>
+          <mc:Fallback>
+            <p:pic>
+              <p:nvPicPr>
+                <p:cNvPr id="38" name="Ink 37">
+                  <a:extLst>
+                    <a:ext uri="{FF2B5EF4-FFF2-40B4-BE49-F238E27FC236}">
+                      <a16:creationId xmlns:a16="http://schemas.microsoft.com/office/drawing/2014/main" id="{384F9F0E-1DCD-4F9A-987B-FBFC00B1861F}"/>
+                    </a:ext>
+                  </a:extLst>
+                </p:cNvPr>
+                <p:cNvPicPr/>
+                <p:nvPr/>
+              </p:nvPicPr>
+              <p:blipFill>
+                <a:blip r:embed="rId8"/>
+                <a:stretch>
+                  <a:fillRect/>
+                </a:stretch>
+              </p:blipFill>
+              <p:spPr>
+                <a:xfrm>
+                  <a:off x="2129835" y="4026840"/>
+                  <a:ext cx="36300" cy="216000"/>
+                </a:xfrm>
+                <a:prstGeom prst="rect">
+                  <a:avLst/>
+                </a:prstGeom>
+              </p:spPr>
+            </p:pic>
+          </mc:Fallback>
+        </mc:AlternateContent>
+        <mc:AlternateContent xmlns:mc="http://schemas.openxmlformats.org/markup-compatibility/2006">
+          <mc:Choice xmlns:p14="http://schemas.microsoft.com/office/powerpoint/2010/main" xmlns:aink="http://schemas.microsoft.com/office/drawing/2016/ink" Requires="p14 aink">
+            <p:contentPart p14:bwMode="auto" r:id="rId9">
+              <p14:nvContentPartPr>
+                <p14:cNvPr id="39" name="Ink 38">
+                  <a:extLst>
+                    <a:ext uri="{FF2B5EF4-FFF2-40B4-BE49-F238E27FC236}">
+                      <a16:creationId xmlns:a16="http://schemas.microsoft.com/office/drawing/2014/main" id="{53E52607-DE75-4CF0-A9A1-5F9F3DC37258}"/>
+                    </a:ext>
+                  </a:extLst>
+                </p14:cNvPr>
+                <p14:cNvContentPartPr/>
+                <p14:nvPr/>
+              </p14:nvContentPartPr>
+              <p14:xfrm>
+                <a:off x="2983561" y="3164640"/>
+                <a:ext cx="363" cy="360"/>
+              </p14:xfrm>
+            </p:contentPart>
+          </mc:Choice>
+          <mc:Fallback>
+            <p:pic>
+              <p:nvPicPr>
+                <p:cNvPr id="39" name="Ink 38">
+                  <a:extLst>
+                    <a:ext uri="{FF2B5EF4-FFF2-40B4-BE49-F238E27FC236}">
+                      <a16:creationId xmlns:a16="http://schemas.microsoft.com/office/drawing/2014/main" id="{53E52607-DE75-4CF0-A9A1-5F9F3DC37258}"/>
+                    </a:ext>
+                  </a:extLst>
+                </p:cNvPr>
+                <p:cNvPicPr/>
+                <p:nvPr/>
+              </p:nvPicPr>
+              <p:blipFill>
+                <a:blip r:embed="rId10"/>
+                <a:stretch>
+                  <a:fillRect/>
+                </a:stretch>
+              </p:blipFill>
+              <p:spPr>
+                <a:xfrm>
+                  <a:off x="2965411" y="3056640"/>
+                  <a:ext cx="36300" cy="216000"/>
+                </a:xfrm>
+                <a:prstGeom prst="rect">
+                  <a:avLst/>
+                </a:prstGeom>
+              </p:spPr>
+            </p:pic>
+          </mc:Fallback>
+        </mc:AlternateContent>
+        <mc:AlternateContent xmlns:mc="http://schemas.openxmlformats.org/markup-compatibility/2006">
+          <mc:Choice xmlns:p14="http://schemas.microsoft.com/office/powerpoint/2010/main" xmlns:aink="http://schemas.microsoft.com/office/drawing/2016/ink" Requires="p14 aink">
+            <p:contentPart p14:bwMode="auto" r:id="rId11">
+              <p14:nvContentPartPr>
+                <p14:cNvPr id="40" name="Ink 39">
+                  <a:extLst>
+                    <a:ext uri="{FF2B5EF4-FFF2-40B4-BE49-F238E27FC236}">
+                      <a16:creationId xmlns:a16="http://schemas.microsoft.com/office/drawing/2014/main" id="{0B4880BC-9727-462A-B51C-A7F262236475}"/>
+                    </a:ext>
+                  </a:extLst>
+                </p14:cNvPr>
+                <p14:cNvContentPartPr/>
+                <p14:nvPr/>
+              </p14:nvContentPartPr>
+              <p14:xfrm>
+                <a:off x="3947258" y="3164640"/>
+                <a:ext cx="363" cy="360"/>
+              </p14:xfrm>
+            </p:contentPart>
+          </mc:Choice>
+          <mc:Fallback>
+            <p:pic>
+              <p:nvPicPr>
+                <p:cNvPr id="40" name="Ink 39">
+                  <a:extLst>
+                    <a:ext uri="{FF2B5EF4-FFF2-40B4-BE49-F238E27FC236}">
+                      <a16:creationId xmlns:a16="http://schemas.microsoft.com/office/drawing/2014/main" id="{0B4880BC-9727-462A-B51C-A7F262236475}"/>
+                    </a:ext>
+                  </a:extLst>
+                </p:cNvPr>
+                <p:cNvPicPr/>
+                <p:nvPr/>
+              </p:nvPicPr>
+              <p:blipFill>
+                <a:blip r:embed="rId12"/>
+                <a:stretch>
+                  <a:fillRect/>
+                </a:stretch>
+              </p:blipFill>
+              <p:spPr>
+                <a:xfrm>
+                  <a:off x="3929471" y="3056640"/>
+                  <a:ext cx="36300" cy="216000"/>
+                </a:xfrm>
+                <a:prstGeom prst="rect">
+                  <a:avLst/>
+                </a:prstGeom>
+              </p:spPr>
+            </p:pic>
+          </mc:Fallback>
+        </mc:AlternateContent>
+        <mc:AlternateContent xmlns:mc="http://schemas.openxmlformats.org/markup-compatibility/2006">
+          <mc:Choice xmlns:p14="http://schemas.microsoft.com/office/powerpoint/2010/main" xmlns:aink="http://schemas.microsoft.com/office/drawing/2016/ink" Requires="p14 aink">
+            <p:contentPart p14:bwMode="auto" r:id="rId13">
+              <p14:nvContentPartPr>
+                <p14:cNvPr id="41" name="Ink 40">
+                  <a:extLst>
+                    <a:ext uri="{FF2B5EF4-FFF2-40B4-BE49-F238E27FC236}">
+                      <a16:creationId xmlns:a16="http://schemas.microsoft.com/office/drawing/2014/main" id="{4D59336F-862E-494F-9C5E-A7FDD0BB8565}"/>
+                    </a:ext>
+                  </a:extLst>
+                </p14:cNvPr>
+                <p14:cNvContentPartPr/>
+                <p14:nvPr/>
+              </p14:nvContentPartPr>
+              <p14:xfrm>
+                <a:off x="4531556" y="3012000"/>
+                <a:ext cx="363" cy="360"/>
+              </p14:xfrm>
+            </p:contentPart>
+          </mc:Choice>
+          <mc:Fallback>
+            <p:pic>
+              <p:nvPicPr>
+                <p:cNvPr id="41" name="Ink 40">
+                  <a:extLst>
+                    <a:ext uri="{FF2B5EF4-FFF2-40B4-BE49-F238E27FC236}">
+                      <a16:creationId xmlns:a16="http://schemas.microsoft.com/office/drawing/2014/main" id="{4D59336F-862E-494F-9C5E-A7FDD0BB8565}"/>
+                    </a:ext>
+                  </a:extLst>
+                </p:cNvPr>
+                <p:cNvPicPr/>
+                <p:nvPr/>
+              </p:nvPicPr>
+              <p:blipFill>
+                <a:blip r:embed="rId14"/>
+                <a:stretch>
+                  <a:fillRect/>
+                </a:stretch>
+              </p:blipFill>
+              <p:spPr>
+                <a:xfrm>
+                  <a:off x="4513769" y="2904360"/>
+                  <a:ext cx="36300" cy="216000"/>
+                </a:xfrm>
+                <a:prstGeom prst="rect">
+                  <a:avLst/>
+                </a:prstGeom>
+              </p:spPr>
+            </p:pic>
+          </mc:Fallback>
+        </mc:AlternateContent>
+        <p:grpSp>
+          <p:nvGrpSpPr>
+            <p:cNvPr id="44" name="Group 43">
+              <a:extLst>
+                <a:ext uri="{FF2B5EF4-FFF2-40B4-BE49-F238E27FC236}">
+                  <a16:creationId xmlns:a16="http://schemas.microsoft.com/office/drawing/2014/main" id="{0DD52CF3-5EF5-4217-A055-437CD06A5658}"/>
+                </a:ext>
+              </a:extLst>
+            </p:cNvPr>
+            <p:cNvGrpSpPr/>
+            <p:nvPr/>
+          </p:nvGrpSpPr>
+          <p:grpSpPr>
+            <a:xfrm>
+              <a:off x="6464279" y="949920"/>
+              <a:ext cx="363" cy="360"/>
+              <a:chOff x="6522280" y="955000"/>
+              <a:chExt cx="360" cy="360"/>
+            </a:xfrm>
+          </p:grpSpPr>
+          <mc:AlternateContent xmlns:mc="http://schemas.openxmlformats.org/markup-compatibility/2006">
+            <mc:Choice xmlns:p14="http://schemas.microsoft.com/office/powerpoint/2010/main" xmlns:aink="http://schemas.microsoft.com/office/drawing/2016/ink" Requires="p14 aink">
+              <p:contentPart p14:bwMode="auto" r:id="rId15">
+                <p14:nvContentPartPr>
+                  <p14:cNvPr id="42" name="Ink 41">
+                    <a:extLst>
+                      <a:ext uri="{FF2B5EF4-FFF2-40B4-BE49-F238E27FC236}">
+                        <a16:creationId xmlns:a16="http://schemas.microsoft.com/office/drawing/2014/main" id="{2E1CF7A0-96AD-415C-B841-9A17BCEF8CEA}"/>
+                      </a:ext>
+                    </a:extLst>
+                  </p14:cNvPr>
+                  <p14:cNvContentPartPr/>
+                  <p14:nvPr/>
+                </p14:nvContentPartPr>
+                <p14:xfrm>
+                  <a:off x="6522280" y="955000"/>
+                  <a:ext cx="360" cy="360"/>
+                </p14:xfrm>
+              </p:contentPart>
+            </mc:Choice>
+            <mc:Fallback>
+              <p:pic>
+                <p:nvPicPr>
+                  <p:cNvPr id="42" name="Ink 41">
+                    <a:extLst>
+                      <a:ext uri="{FF2B5EF4-FFF2-40B4-BE49-F238E27FC236}">
+                        <a16:creationId xmlns:a16="http://schemas.microsoft.com/office/drawing/2014/main" id="{2E1CF7A0-96AD-415C-B841-9A17BCEF8CEA}"/>
+                      </a:ext>
+                    </a:extLst>
+                  </p:cNvPr>
+                  <p:cNvPicPr/>
+                  <p:nvPr/>
+                </p:nvPicPr>
+                <p:blipFill>
+                  <a:blip r:embed="rId16"/>
+                  <a:stretch>
+                    <a:fillRect/>
+                  </a:stretch>
+                </p:blipFill>
+                <p:spPr>
+                  <a:xfrm>
+                    <a:off x="6504640" y="847000"/>
+                    <a:ext cx="36000" cy="216000"/>
+                  </a:xfrm>
+                  <a:prstGeom prst="rect">
+                    <a:avLst/>
+                  </a:prstGeom>
+                </p:spPr>
+              </p:pic>
+            </mc:Fallback>
+          </mc:AlternateContent>
+          <mc:AlternateContent xmlns:mc="http://schemas.openxmlformats.org/markup-compatibility/2006">
+            <mc:Choice xmlns:p14="http://schemas.microsoft.com/office/powerpoint/2010/main" xmlns:aink="http://schemas.microsoft.com/office/drawing/2016/ink" Requires="p14 aink">
+              <p:contentPart p14:bwMode="auto" r:id="rId17">
+                <p14:nvContentPartPr>
+                  <p14:cNvPr id="43" name="Ink 42">
+                    <a:extLst>
+                      <a:ext uri="{FF2B5EF4-FFF2-40B4-BE49-F238E27FC236}">
+                        <a16:creationId xmlns:a16="http://schemas.microsoft.com/office/drawing/2014/main" id="{EBDF1A23-CA42-463D-B407-5B0CBB44EE56}"/>
+                      </a:ext>
+                    </a:extLst>
+                  </p14:cNvPr>
+                  <p14:cNvContentPartPr/>
+                  <p14:nvPr/>
+                </p14:nvContentPartPr>
+                <p14:xfrm>
+                  <a:off x="6522280" y="955000"/>
+                  <a:ext cx="360" cy="360"/>
+                </p14:xfrm>
+              </p:contentPart>
+            </mc:Choice>
+            <mc:Fallback>
+              <p:pic>
+                <p:nvPicPr>
+                  <p:cNvPr id="43" name="Ink 42">
+                    <a:extLst>
+                      <a:ext uri="{FF2B5EF4-FFF2-40B4-BE49-F238E27FC236}">
+                        <a16:creationId xmlns:a16="http://schemas.microsoft.com/office/drawing/2014/main" id="{EBDF1A23-CA42-463D-B407-5B0CBB44EE56}"/>
+                      </a:ext>
+                    </a:extLst>
+                  </p:cNvPr>
+                  <p:cNvPicPr/>
+                  <p:nvPr/>
+                </p:nvPicPr>
+                <p:blipFill>
+                  <a:blip r:embed="rId16"/>
+                  <a:stretch>
+                    <a:fillRect/>
+                  </a:stretch>
+                </p:blipFill>
+                <p:spPr>
+                  <a:xfrm>
+                    <a:off x="6504640" y="847000"/>
+                    <a:ext cx="36000" cy="216000"/>
+                  </a:xfrm>
+                  <a:prstGeom prst="rect">
+                    <a:avLst/>
+                  </a:prstGeom>
+                </p:spPr>
+              </p:pic>
+            </mc:Fallback>
+          </mc:AlternateContent>
+        </p:grpSp>
+        <p:cxnSp>
+          <p:nvCxnSpPr>
+            <p:cNvPr id="46" name="Straight Arrow Connector 45">
+              <a:extLst>
+                <a:ext uri="{FF2B5EF4-FFF2-40B4-BE49-F238E27FC236}">
+                  <a16:creationId xmlns:a16="http://schemas.microsoft.com/office/drawing/2014/main" id="{681321EC-5CDD-432D-B78D-5E0EF3F05933}"/>
+                </a:ext>
+              </a:extLst>
+            </p:cNvPr>
+            <p:cNvCxnSpPr>
+              <a:cxnSpLocks/>
+              <a:endCxn id="6" idx="0"/>
+            </p:cNvCxnSpPr>
+            <p:nvPr/>
+          </p:nvCxnSpPr>
+          <p:spPr>
+            <a:xfrm>
+              <a:off x="3383457" y="1171896"/>
+              <a:ext cx="0" cy="828879"/>
+            </a:xfrm>
+            <a:prstGeom prst="straightConnector1">
+              <a:avLst/>
+            </a:prstGeom>
+            <a:ln>
+              <a:tailEnd type="arrow" w="lg" len="sm"/>
+            </a:ln>
+          </p:spPr>
+          <p:style>
+            <a:lnRef idx="1">
+              <a:schemeClr val="accent1"/>
+            </a:lnRef>
+            <a:fillRef idx="0">
+              <a:schemeClr val="accent1"/>
+            </a:fillRef>
+            <a:effectRef idx="0">
+              <a:schemeClr val="accent1"/>
+            </a:effectRef>
+            <a:fontRef idx="minor">
+              <a:schemeClr val="tx1"/>
+            </a:fontRef>
+          </p:style>
+        </p:cxnSp>
+        <p:cxnSp>
+          <p:nvCxnSpPr>
+            <p:cNvPr id="51" name="Straight Arrow Connector 50">
+              <a:extLst>
+                <a:ext uri="{FF2B5EF4-FFF2-40B4-BE49-F238E27FC236}">
+                  <a16:creationId xmlns:a16="http://schemas.microsoft.com/office/drawing/2014/main" id="{57E3BA13-B797-40FF-A100-5D50B80BC870}"/>
+                </a:ext>
+              </a:extLst>
+            </p:cNvPr>
+            <p:cNvCxnSpPr>
+              <a:cxnSpLocks/>
+              <a:endCxn id="21" idx="2"/>
+            </p:cNvCxnSpPr>
+            <p:nvPr/>
+          </p:nvCxnSpPr>
+          <p:spPr>
+            <a:xfrm flipH="1" flipV="1">
+              <a:off x="4423219" y="926460"/>
+              <a:ext cx="2" cy="260465"/>
+            </a:xfrm>
+            <a:prstGeom prst="straightConnector1">
+              <a:avLst/>
+            </a:prstGeom>
+            <a:ln>
+              <a:tailEnd type="arrow" w="lg" len="sm"/>
+            </a:ln>
+          </p:spPr>
+          <p:style>
+            <a:lnRef idx="1">
+              <a:schemeClr val="accent1"/>
+            </a:lnRef>
+            <a:fillRef idx="0">
+              <a:schemeClr val="accent1"/>
+            </a:fillRef>
+            <a:effectRef idx="0">
+              <a:schemeClr val="accent1"/>
+            </a:effectRef>
+            <a:fontRef idx="minor">
+              <a:schemeClr val="tx1"/>
+            </a:fontRef>
+          </p:style>
+        </p:cxnSp>
+        <p:sp>
+          <p:nvSpPr>
+            <p:cNvPr id="58" name="TextBox 57">
+              <a:extLst>
+                <a:ext uri="{FF2B5EF4-FFF2-40B4-BE49-F238E27FC236}">
+                  <a16:creationId xmlns:a16="http://schemas.microsoft.com/office/drawing/2014/main" id="{5EF8629B-6D73-44A3-8706-F13440718FEB}"/>
+                </a:ext>
+              </a:extLst>
+            </p:cNvPr>
+            <p:cNvSpPr txBox="1"/>
+            <p:nvPr/>
+          </p:nvSpPr>
+          <p:spPr>
+            <a:xfrm>
+              <a:off x="1280160" y="1012779"/>
+              <a:ext cx="1441996" cy="584775"/>
+            </a:xfrm>
+            <a:prstGeom prst="rect">
+              <a:avLst/>
+            </a:prstGeom>
+            <a:noFill/>
+            <a:ln>
+              <a:solidFill>
+                <a:schemeClr val="accent1"/>
+              </a:solidFill>
+            </a:ln>
+          </p:spPr>
+          <p:txBody>
+            <a:bodyPr wrap="square" rtlCol="0">
+              <a:spAutoFit/>
+            </a:bodyPr>
+            <a:lstStyle/>
+            <a:p>
+              <a:r>
+                <a:rPr lang="en-US" sz="1600" dirty="0">
+                  <a:solidFill>
+                    <a:srgbClr val="00B0F0"/>
+                  </a:solidFill>
+                </a:rPr>
+                <a:t>Has properties</a:t>
+              </a:r>
+            </a:p>
+            <a:p>
+              <a:endParaRPr lang="en-DE" sz="1600" dirty="0">
+                <a:solidFill>
+                  <a:srgbClr val="00B0F0"/>
+                </a:solidFill>
+              </a:endParaRPr>
+            </a:p>
+          </p:txBody>
+        </p:sp>
+        <p:cxnSp>
+          <p:nvCxnSpPr>
+            <p:cNvPr id="63" name="Straight Arrow Connector 62">
+              <a:extLst>
+                <a:ext uri="{FF2B5EF4-FFF2-40B4-BE49-F238E27FC236}">
+                  <a16:creationId xmlns:a16="http://schemas.microsoft.com/office/drawing/2014/main" id="{606C18FC-8279-40DE-AD6C-91722B831A7F}"/>
+                </a:ext>
+              </a:extLst>
+            </p:cNvPr>
+            <p:cNvCxnSpPr>
+              <a:cxnSpLocks/>
+              <a:stCxn id="58" idx="2"/>
+              <a:endCxn id="5" idx="0"/>
+            </p:cNvCxnSpPr>
+            <p:nvPr/>
+          </p:nvCxnSpPr>
+          <p:spPr>
+            <a:xfrm>
+              <a:off x="2001158" y="1597554"/>
+              <a:ext cx="6719" cy="1651552"/>
+            </a:xfrm>
+            <a:prstGeom prst="straightConnector1">
+              <a:avLst/>
+            </a:prstGeom>
+            <a:ln>
+              <a:tailEnd type="arrow" w="lg" len="sm"/>
+            </a:ln>
+          </p:spPr>
+          <p:style>
+            <a:lnRef idx="1">
+              <a:schemeClr val="accent1"/>
+            </a:lnRef>
+            <a:fillRef idx="0">
+              <a:schemeClr val="accent1"/>
+            </a:fillRef>
+            <a:effectRef idx="0">
+              <a:schemeClr val="accent1"/>
+            </a:effectRef>
+            <a:fontRef idx="minor">
+              <a:schemeClr val="tx1"/>
+            </a:fontRef>
+          </p:style>
+        </p:cxnSp>
+        <p:sp>
+          <p:nvSpPr>
+            <p:cNvPr id="65" name="TextBox 64">
+              <a:extLst>
+                <a:ext uri="{FF2B5EF4-FFF2-40B4-BE49-F238E27FC236}">
+                  <a16:creationId xmlns:a16="http://schemas.microsoft.com/office/drawing/2014/main" id="{B29B0166-B197-43F7-8F20-55589F6C873E}"/>
+                </a:ext>
+              </a:extLst>
+            </p:cNvPr>
+            <p:cNvSpPr txBox="1"/>
+            <p:nvPr/>
+          </p:nvSpPr>
+          <p:spPr>
+            <a:xfrm>
+              <a:off x="7752678" y="2617315"/>
+              <a:ext cx="3641087" cy="2123658"/>
+            </a:xfrm>
+            <a:prstGeom prst="rect">
+              <a:avLst/>
+            </a:prstGeom>
+            <a:noFill/>
+            <a:ln>
+              <a:solidFill>
+                <a:schemeClr val="accent1"/>
+              </a:solidFill>
+            </a:ln>
+          </p:spPr>
+          <p:txBody>
+            <a:bodyPr wrap="square" rtlCol="0">
+              <a:spAutoFit/>
+            </a:bodyPr>
+            <a:lstStyle/>
+            <a:p>
+              <a:r>
+                <a:rPr lang="en-US" sz="1200" dirty="0"/>
+                <a:t>  </a:t>
+              </a:r>
+              <a:r>
+                <a:rPr lang="en-US" sz="1200" dirty="0">
+                  <a:solidFill>
+                    <a:srgbClr val="FF0000"/>
+                  </a:solidFill>
+                </a:rPr>
+                <a:t>X</a:t>
+              </a:r>
+              <a:r>
+                <a:rPr lang="en-US" sz="1200" dirty="0"/>
+                <a:t> = </a:t>
+              </a:r>
+              <a:r>
+                <a:rPr lang="en-US" sz="1200" dirty="0">
+                  <a:solidFill>
+                    <a:schemeClr val="accent2"/>
+                  </a:solidFill>
+                </a:rPr>
+                <a:t>createDialog</a:t>
+              </a:r>
+              <a:r>
+                <a:rPr lang="en-US" sz="1200" dirty="0"/>
+                <a:t>(label = ‘</a:t>
+              </a:r>
+              <a:r>
+                <a:rPr lang="en-US" sz="1200" dirty="0">
+                  <a:solidFill>
+                    <a:srgbClr val="00B0F0"/>
+                  </a:solidFill>
+                </a:rPr>
+                <a:t>Enter here</a:t>
+              </a:r>
+              <a:r>
+                <a:rPr lang="en-US" sz="1200" dirty="0"/>
+                <a:t>’, type = ‘</a:t>
+              </a:r>
+              <a:r>
+                <a:rPr lang="en-US" sz="1200" dirty="0">
+                  <a:solidFill>
+                    <a:srgbClr val="FF00FF"/>
+                  </a:solidFill>
+                </a:rPr>
+                <a:t>Integer</a:t>
+              </a:r>
+              <a:r>
+                <a:rPr lang="en-US" sz="1200" dirty="0"/>
+                <a:t>’)</a:t>
+              </a:r>
+            </a:p>
+            <a:p>
+              <a:endParaRPr lang="en-US" sz="1200" dirty="0"/>
+            </a:p>
+            <a:p>
+              <a:r>
+                <a:rPr lang="en-US" sz="1200" i="1" dirty="0">
+                  <a:solidFill>
+                    <a:srgbClr val="00B050"/>
+                  </a:solidFill>
+                </a:rPr>
+                <a:t>  //CODE goes here </a:t>
+              </a:r>
+            </a:p>
+            <a:p>
+              <a:r>
+                <a:rPr lang="en-US" sz="1200" dirty="0"/>
+                <a:t>  </a:t>
+              </a:r>
+              <a:r>
+                <a:rPr lang="en-US" sz="1200" dirty="0">
+                  <a:solidFill>
+                    <a:srgbClr val="FF0000"/>
+                  </a:solidFill>
+                </a:rPr>
+                <a:t>X</a:t>
+              </a:r>
+              <a:r>
+                <a:rPr lang="en-US" sz="1200" dirty="0"/>
+                <a:t> = </a:t>
+              </a:r>
+              <a:r>
+                <a:rPr lang="en-US" sz="1200" dirty="0">
+                  <a:solidFill>
+                    <a:srgbClr val="FF0000"/>
+                  </a:solidFill>
+                </a:rPr>
+                <a:t>X</a:t>
+              </a:r>
+              <a:r>
+                <a:rPr lang="en-US" sz="1200" dirty="0"/>
+                <a:t> + 5</a:t>
+              </a:r>
+            </a:p>
+            <a:p>
+              <a:r>
+                <a:rPr lang="en-US" sz="1200" dirty="0"/>
+                <a:t>  print(X)</a:t>
+              </a:r>
+            </a:p>
+            <a:p>
+              <a:r>
+                <a:rPr lang="en-US" sz="1200" dirty="0"/>
+                <a:t>  .</a:t>
+              </a:r>
+            </a:p>
+            <a:p>
+              <a:r>
+                <a:rPr lang="en-US" sz="1200" dirty="0"/>
+                <a:t>  .</a:t>
+              </a:r>
+            </a:p>
+            <a:p>
+              <a:endParaRPr lang="en-US" sz="1200" dirty="0"/>
+            </a:p>
+            <a:p>
+              <a:r>
+                <a:rPr lang="en-US" sz="1200" i="1" dirty="0">
+                  <a:solidFill>
+                    <a:srgbClr val="00B050"/>
+                  </a:solidFill>
+                </a:rPr>
+                <a:t>  //</a:t>
+              </a:r>
+            </a:p>
+            <a:p>
+              <a:endParaRPr lang="en-US" sz="1200" i="1" dirty="0">
+                <a:solidFill>
+                  <a:srgbClr val="00B050"/>
+                </a:solidFill>
+              </a:endParaRPr>
+            </a:p>
+            <a:p>
+              <a:endParaRPr lang="en-US" sz="1200" i="1" dirty="0">
+                <a:solidFill>
+                  <a:srgbClr val="00B050"/>
+                </a:solidFill>
+              </a:endParaRPr>
+            </a:p>
+          </p:txBody>
+        </p:sp>
+        <p:sp>
+          <p:nvSpPr>
+            <p:cNvPr id="70" name="TextBox 69">
+              <a:extLst>
+                <a:ext uri="{FF2B5EF4-FFF2-40B4-BE49-F238E27FC236}">
+                  <a16:creationId xmlns:a16="http://schemas.microsoft.com/office/drawing/2014/main" id="{6A51B0AC-C5F8-43E0-8654-A709E7871291}"/>
+                </a:ext>
+              </a:extLst>
+            </p:cNvPr>
+            <p:cNvSpPr txBox="1"/>
+            <p:nvPr/>
+          </p:nvSpPr>
+          <p:spPr>
+            <a:xfrm>
+              <a:off x="8844103" y="2249634"/>
+              <a:ext cx="1395126" cy="338554"/>
+            </a:xfrm>
+            <a:prstGeom prst="rect">
+              <a:avLst/>
+            </a:prstGeom>
+            <a:noFill/>
+          </p:spPr>
+          <p:txBody>
+            <a:bodyPr wrap="none" rtlCol="0">
+              <a:spAutoFit/>
+            </a:bodyPr>
+            <a:lstStyle/>
+            <a:p>
+              <a:r>
+                <a:rPr lang="en-US" sz="1600" dirty="0"/>
+                <a:t>Example script</a:t>
+              </a:r>
+              <a:endParaRPr lang="en-DE" sz="1600" dirty="0"/>
+            </a:p>
+          </p:txBody>
+        </p:sp>
+        <p:sp>
+          <p:nvSpPr>
+            <p:cNvPr id="71" name="TextBox 70">
+              <a:extLst>
+                <a:ext uri="{FF2B5EF4-FFF2-40B4-BE49-F238E27FC236}">
+                  <a16:creationId xmlns:a16="http://schemas.microsoft.com/office/drawing/2014/main" id="{736AB0A3-82E7-42EC-81B6-AA7204B3B80F}"/>
+                </a:ext>
+              </a:extLst>
+            </p:cNvPr>
+            <p:cNvSpPr txBox="1"/>
+            <p:nvPr/>
+          </p:nvSpPr>
+          <p:spPr>
+            <a:xfrm>
+              <a:off x="9689528" y="5106503"/>
+              <a:ext cx="753592" cy="369332"/>
+            </a:xfrm>
+            <a:prstGeom prst="rect">
+              <a:avLst/>
+            </a:prstGeom>
+            <a:gradFill>
+              <a:gsLst>
+                <a:gs pos="0">
+                  <a:schemeClr val="accent1">
+                    <a:lumMod val="5000"/>
+                    <a:lumOff val="95000"/>
+                  </a:schemeClr>
+                </a:gs>
+                <a:gs pos="74000">
+                  <a:schemeClr val="accent1">
+                    <a:lumMod val="45000"/>
+                    <a:lumOff val="55000"/>
+                  </a:schemeClr>
+                </a:gs>
+                <a:gs pos="83000">
+                  <a:schemeClr val="accent1">
+                    <a:lumMod val="45000"/>
+                    <a:lumOff val="55000"/>
+                  </a:schemeClr>
+                </a:gs>
+                <a:gs pos="100000">
+                  <a:schemeClr val="accent1">
+                    <a:lumMod val="30000"/>
+                    <a:lumOff val="70000"/>
+                  </a:schemeClr>
+                </a:gs>
+              </a:gsLst>
+              <a:lin ang="5400000" scaled="1"/>
+            </a:gradFill>
+            <a:ln>
+              <a:solidFill>
+                <a:schemeClr val="accent1"/>
+              </a:solidFill>
+            </a:ln>
+          </p:spPr>
+          <p:txBody>
+            <a:bodyPr wrap="square" rtlCol="0">
+              <a:spAutoFit/>
+            </a:bodyPr>
+            <a:lstStyle/>
+            <a:p>
+              <a:r>
+                <a:rPr lang="en-US" dirty="0">
+                  <a:solidFill>
+                    <a:srgbClr val="FF0000"/>
+                  </a:solidFill>
+                </a:rPr>
+                <a:t>X</a:t>
+              </a:r>
+              <a:r>
+                <a:rPr lang="en-US" dirty="0"/>
+                <a:t> = 9</a:t>
+              </a:r>
+              <a:endParaRPr lang="en-DE" dirty="0"/>
+            </a:p>
+          </p:txBody>
+        </p:sp>
+        <p:cxnSp>
+          <p:nvCxnSpPr>
+            <p:cNvPr id="73" name="Connector: Elbow 72">
+              <a:extLst>
+                <a:ext uri="{FF2B5EF4-FFF2-40B4-BE49-F238E27FC236}">
+                  <a16:creationId xmlns:a16="http://schemas.microsoft.com/office/drawing/2014/main" id="{3945AC96-8FA5-4280-83E7-74C6DFA52F81}"/>
+                </a:ext>
+              </a:extLst>
+            </p:cNvPr>
+            <p:cNvCxnSpPr>
+              <a:cxnSpLocks/>
+            </p:cNvCxnSpPr>
+            <p:nvPr/>
+          </p:nvCxnSpPr>
+          <p:spPr>
+            <a:xfrm flipV="1">
+              <a:off x="5926756" y="2770817"/>
+              <a:ext cx="1973066" cy="1816424"/>
+            </a:xfrm>
+            <a:prstGeom prst="bentConnector3">
+              <a:avLst>
+                <a:gd name="adj1" fmla="val 50000"/>
+              </a:avLst>
+            </a:prstGeom>
+            <a:ln>
+              <a:tailEnd type="arrow" w="lg" len="sm"/>
+            </a:ln>
+          </p:spPr>
+          <p:style>
+            <a:lnRef idx="1">
+              <a:schemeClr val="accent1"/>
+            </a:lnRef>
+            <a:fillRef idx="0">
+              <a:schemeClr val="accent1"/>
+            </a:fillRef>
+            <a:effectRef idx="0">
+              <a:schemeClr val="accent1"/>
+            </a:effectRef>
+            <a:fontRef idx="minor">
+              <a:schemeClr val="tx1"/>
+            </a:fontRef>
+          </p:style>
+        </p:cxnSp>
+        <p:sp>
+          <p:nvSpPr>
+            <p:cNvPr id="86" name="Speech Bubble: Rectangle 85">
+              <a:extLst>
+                <a:ext uri="{FF2B5EF4-FFF2-40B4-BE49-F238E27FC236}">
+                  <a16:creationId xmlns:a16="http://schemas.microsoft.com/office/drawing/2014/main" id="{1555A87C-8E1F-468E-A5DC-3DAB293B6D08}"/>
+                </a:ext>
+              </a:extLst>
+            </p:cNvPr>
+            <p:cNvSpPr/>
+            <p:nvPr/>
+          </p:nvSpPr>
+          <p:spPr>
+            <a:xfrm>
+              <a:off x="7752678" y="689110"/>
+              <a:ext cx="2244189" cy="1005840"/>
+            </a:xfrm>
+            <a:prstGeom prst="wedgeRectCallout">
+              <a:avLst>
+                <a:gd name="adj1" fmla="val -13803"/>
+                <a:gd name="adj2" fmla="val 151389"/>
+              </a:avLst>
+            </a:prstGeom>
+          </p:spPr>
+          <p:style>
+            <a:lnRef idx="2">
+              <a:schemeClr val="accent1">
+                <a:shade val="50000"/>
+              </a:schemeClr>
+            </a:lnRef>
+            <a:fillRef idx="1">
+              <a:schemeClr val="accent1"/>
+            </a:fillRef>
+            <a:effectRef idx="0">
+              <a:schemeClr val="accent1"/>
+            </a:effectRef>
+            <a:fontRef idx="minor">
+              <a:schemeClr val="lt1"/>
+            </a:fontRef>
+          </p:style>
+          <p:txBody>
+            <a:bodyPr rtlCol="0" anchor="ctr"/>
+            <a:lstStyle/>
+            <a:p>
+              <a:pPr algn="ctr"/>
+              <a:r>
+                <a:rPr lang="en-US" dirty="0">
+                  <a:solidFill>
+                    <a:schemeClr val="accent2"/>
+                  </a:solidFill>
+                </a:rPr>
+                <a:t> </a:t>
+              </a:r>
+              <a:r>
+                <a:rPr lang="en-US" sz="2000" b="1" dirty="0">
+                  <a:solidFill>
+                    <a:schemeClr val="accent2"/>
+                  </a:solidFill>
+                </a:rPr>
+                <a:t>User dialog/entry </a:t>
+              </a:r>
+            </a:p>
+            <a:p>
+              <a:pPr algn="ctr"/>
+              <a:r>
+                <a:rPr lang="en-US" sz="2000" b="1" dirty="0">
+                  <a:solidFill>
+                    <a:schemeClr val="accent2"/>
+                  </a:solidFill>
+                </a:rPr>
+                <a:t>creation command</a:t>
+              </a:r>
+            </a:p>
+          </p:txBody>
+        </p:sp>
+        <p:sp>
+          <p:nvSpPr>
+            <p:cNvPr id="89" name="TextBox 88">
+              <a:extLst>
+                <a:ext uri="{FF2B5EF4-FFF2-40B4-BE49-F238E27FC236}">
+                  <a16:creationId xmlns:a16="http://schemas.microsoft.com/office/drawing/2014/main" id="{C3B94255-19A7-4974-ABEA-CA53B0565CAF}"/>
+                </a:ext>
+              </a:extLst>
+            </p:cNvPr>
+            <p:cNvSpPr txBox="1"/>
+            <p:nvPr/>
+          </p:nvSpPr>
+          <p:spPr>
+            <a:xfrm>
+              <a:off x="8414114" y="5121892"/>
+              <a:ext cx="1275414" cy="338554"/>
+            </a:xfrm>
+            <a:prstGeom prst="rect">
+              <a:avLst/>
+            </a:prstGeom>
+            <a:noFill/>
+          </p:spPr>
+          <p:txBody>
+            <a:bodyPr wrap="none" rtlCol="0">
+              <a:spAutoFit/>
+            </a:bodyPr>
+            <a:lstStyle/>
+            <a:p>
+              <a:r>
+                <a:rPr lang="en-US" sz="1600" dirty="0"/>
+                <a:t>Script output</a:t>
+              </a:r>
+              <a:endParaRPr lang="en-DE" sz="1600" dirty="0"/>
+            </a:p>
+          </p:txBody>
+        </p:sp>
+        <p:cxnSp>
+          <p:nvCxnSpPr>
+            <p:cNvPr id="91" name="Connector: Elbow 90">
+              <a:extLst>
+                <a:ext uri="{FF2B5EF4-FFF2-40B4-BE49-F238E27FC236}">
+                  <a16:creationId xmlns:a16="http://schemas.microsoft.com/office/drawing/2014/main" id="{000E79F7-6D69-43D8-A705-EB225D033D60}"/>
+                </a:ext>
+              </a:extLst>
+            </p:cNvPr>
+            <p:cNvCxnSpPr>
+              <a:cxnSpLocks/>
+              <a:stCxn id="86" idx="1"/>
+              <a:endCxn id="23" idx="0"/>
+            </p:cNvCxnSpPr>
+            <p:nvPr/>
+          </p:nvCxnSpPr>
+          <p:spPr>
+            <a:xfrm rot="10800000" flipV="1">
+              <a:off x="5769078" y="1192029"/>
+              <a:ext cx="1983600" cy="805029"/>
+            </a:xfrm>
+            <a:prstGeom prst="bentConnector2">
+              <a:avLst/>
+            </a:prstGeom>
+            <a:ln>
+              <a:tailEnd type="arrow" w="lg" len="sm"/>
+            </a:ln>
+          </p:spPr>
+          <p:style>
+            <a:lnRef idx="1">
+              <a:schemeClr val="accent1"/>
+            </a:lnRef>
+            <a:fillRef idx="0">
+              <a:schemeClr val="accent1"/>
+            </a:fillRef>
+            <a:effectRef idx="0">
+              <a:schemeClr val="accent1"/>
+            </a:effectRef>
+            <a:fontRef idx="minor">
+              <a:schemeClr val="tx1"/>
+            </a:fontRef>
+          </p:style>
+        </p:cxnSp>
+        <p:cxnSp>
+          <p:nvCxnSpPr>
+            <p:cNvPr id="104" name="Straight Arrow Connector 103">
+              <a:extLst>
+                <a:ext uri="{FF2B5EF4-FFF2-40B4-BE49-F238E27FC236}">
+                  <a16:creationId xmlns:a16="http://schemas.microsoft.com/office/drawing/2014/main" id="{9FCECADF-A451-4FD8-B1C7-86CD3C76E511}"/>
+                </a:ext>
+              </a:extLst>
+            </p:cNvPr>
+            <p:cNvCxnSpPr>
+              <a:cxnSpLocks/>
+              <a:stCxn id="6" idx="2"/>
+            </p:cNvCxnSpPr>
+            <p:nvPr/>
+          </p:nvCxnSpPr>
+          <p:spPr>
+            <a:xfrm>
+              <a:off x="3383457" y="2585550"/>
+              <a:ext cx="0" cy="1160120"/>
+            </a:xfrm>
+            <a:prstGeom prst="straightConnector1">
+              <a:avLst/>
+            </a:prstGeom>
+            <a:ln>
+              <a:tailEnd type="arrow" w="lg" len="sm"/>
+            </a:ln>
+          </p:spPr>
+          <p:style>
+            <a:lnRef idx="1">
+              <a:schemeClr val="accent1"/>
+            </a:lnRef>
+            <a:fillRef idx="0">
+              <a:schemeClr val="accent1"/>
+            </a:fillRef>
+            <a:effectRef idx="0">
+              <a:schemeClr val="accent1"/>
+            </a:effectRef>
+            <a:fontRef idx="minor">
+              <a:schemeClr val="tx1"/>
+            </a:fontRef>
+          </p:style>
+        </p:cxnSp>
+        <p:cxnSp>
+          <p:nvCxnSpPr>
+            <p:cNvPr id="153" name="Straight Arrow Connector 152">
+              <a:extLst>
+                <a:ext uri="{FF2B5EF4-FFF2-40B4-BE49-F238E27FC236}">
+                  <a16:creationId xmlns:a16="http://schemas.microsoft.com/office/drawing/2014/main" id="{98A94DC4-6E20-4759-9BB8-20DD96EEA9FF}"/>
+                </a:ext>
+              </a:extLst>
+            </p:cNvPr>
+            <p:cNvCxnSpPr>
+              <a:stCxn id="86" idx="1"/>
+            </p:cNvCxnSpPr>
+            <p:nvPr/>
+          </p:nvCxnSpPr>
+          <p:spPr>
+            <a:xfrm flipH="1" flipV="1">
+              <a:off x="2722156" y="1171896"/>
+              <a:ext cx="5030522" cy="20134"/>
+            </a:xfrm>
+            <a:prstGeom prst="straightConnector1">
+              <a:avLst/>
+            </a:prstGeom>
+            <a:ln>
+              <a:tailEnd type="arrow" w="lg" len="sm"/>
+            </a:ln>
+          </p:spPr>
+          <p:style>
+            <a:lnRef idx="1">
+              <a:schemeClr val="accent1"/>
+            </a:lnRef>
+            <a:fillRef idx="0">
+              <a:schemeClr val="accent1"/>
+            </a:fillRef>
+            <a:effectRef idx="0">
+              <a:schemeClr val="accent1"/>
+            </a:effectRef>
+            <a:fontRef idx="minor">
+              <a:schemeClr val="tx1"/>
+            </a:fontRef>
+          </p:style>
+        </p:cxnSp>
+      </p:grpSp>
+    </p:spTree>
+    <p:extLst>
+      <p:ext uri="{BB962C8B-B14F-4D97-AF65-F5344CB8AC3E}">
+        <p14:creationId xmlns:p14="http://schemas.microsoft.com/office/powerpoint/2010/main" val="792548877"/>
+      </p:ext>
+    </p:extLst>
+  </p:cSld>
+  <p:clrMapOvr>
+    <a:masterClrMapping/>
+  </p:clrMapOvr>
+</p:sld>
+</file>
+
 <file path=ppt/theme/theme1.xml><?xml version="1.0" encoding="utf-8"?>
 <a:theme xmlns:a="http://schemas.openxmlformats.org/drawingml/2006/main" name="Office Theme">
   <a:themeElements>

--- a/figures/resources/fetching_user_input.pptx
+++ b/figures/resources/fetching_user_input.pptx
@@ -8,6 +8,7 @@
     <p:sldId id="256" r:id="rId2"/>
     <p:sldId id="257" r:id="rId3"/>
     <p:sldId id="258" r:id="rId4"/>
+    <p:sldId id="259" r:id="rId5"/>
   </p:sldIdLst>
   <p:sldSz cx="12192000" cy="6858000"/>
   <p:notesSz cx="6858000" cy="9144000"/>
@@ -487,7 +488,7 @@
           <a:p>
             <a:fld id="{783D4129-6E14-4DEB-A88B-FA76BDE6DE9E}" type="datetimeFigureOut">
               <a:rPr lang="en-DE" smtClean="0"/>
-              <a:t>17/03/2022</a:t>
+              <a:t>3/18/22</a:t>
             </a:fld>
             <a:endParaRPr lang="en-DE"/>
           </a:p>
@@ -687,7 +688,7 @@
           <a:p>
             <a:fld id="{783D4129-6E14-4DEB-A88B-FA76BDE6DE9E}" type="datetimeFigureOut">
               <a:rPr lang="en-DE" smtClean="0"/>
-              <a:t>17/03/2022</a:t>
+              <a:t>3/18/22</a:t>
             </a:fld>
             <a:endParaRPr lang="en-DE"/>
           </a:p>
@@ -897,7 +898,7 @@
           <a:p>
             <a:fld id="{783D4129-6E14-4DEB-A88B-FA76BDE6DE9E}" type="datetimeFigureOut">
               <a:rPr lang="en-DE" smtClean="0"/>
-              <a:t>17/03/2022</a:t>
+              <a:t>3/18/22</a:t>
             </a:fld>
             <a:endParaRPr lang="en-DE"/>
           </a:p>
@@ -1097,7 +1098,7 @@
           <a:p>
             <a:fld id="{783D4129-6E14-4DEB-A88B-FA76BDE6DE9E}" type="datetimeFigureOut">
               <a:rPr lang="en-DE" smtClean="0"/>
-              <a:t>17/03/2022</a:t>
+              <a:t>3/18/22</a:t>
             </a:fld>
             <a:endParaRPr lang="en-DE"/>
           </a:p>
@@ -1373,7 +1374,7 @@
           <a:p>
             <a:fld id="{783D4129-6E14-4DEB-A88B-FA76BDE6DE9E}" type="datetimeFigureOut">
               <a:rPr lang="en-DE" smtClean="0"/>
-              <a:t>17/03/2022</a:t>
+              <a:t>3/18/22</a:t>
             </a:fld>
             <a:endParaRPr lang="en-DE"/>
           </a:p>
@@ -1641,7 +1642,7 @@
           <a:p>
             <a:fld id="{783D4129-6E14-4DEB-A88B-FA76BDE6DE9E}" type="datetimeFigureOut">
               <a:rPr lang="en-DE" smtClean="0"/>
-              <a:t>17/03/2022</a:t>
+              <a:t>3/18/22</a:t>
             </a:fld>
             <a:endParaRPr lang="en-DE"/>
           </a:p>
@@ -2056,7 +2057,7 @@
           <a:p>
             <a:fld id="{783D4129-6E14-4DEB-A88B-FA76BDE6DE9E}" type="datetimeFigureOut">
               <a:rPr lang="en-DE" smtClean="0"/>
-              <a:t>17/03/2022</a:t>
+              <a:t>3/18/22</a:t>
             </a:fld>
             <a:endParaRPr lang="en-DE"/>
           </a:p>
@@ -2198,7 +2199,7 @@
           <a:p>
             <a:fld id="{783D4129-6E14-4DEB-A88B-FA76BDE6DE9E}" type="datetimeFigureOut">
               <a:rPr lang="en-DE" smtClean="0"/>
-              <a:t>17/03/2022</a:t>
+              <a:t>3/18/22</a:t>
             </a:fld>
             <a:endParaRPr lang="en-DE"/>
           </a:p>
@@ -2311,7 +2312,7 @@
           <a:p>
             <a:fld id="{783D4129-6E14-4DEB-A88B-FA76BDE6DE9E}" type="datetimeFigureOut">
               <a:rPr lang="en-DE" smtClean="0"/>
-              <a:t>17/03/2022</a:t>
+              <a:t>3/18/22</a:t>
             </a:fld>
             <a:endParaRPr lang="en-DE"/>
           </a:p>
@@ -2624,7 +2625,7 @@
           <a:p>
             <a:fld id="{783D4129-6E14-4DEB-A88B-FA76BDE6DE9E}" type="datetimeFigureOut">
               <a:rPr lang="en-DE" smtClean="0"/>
-              <a:t>17/03/2022</a:t>
+              <a:t>3/18/22</a:t>
             </a:fld>
             <a:endParaRPr lang="en-DE"/>
           </a:p>
@@ -2913,7 +2914,7 @@
           <a:p>
             <a:fld id="{783D4129-6E14-4DEB-A88B-FA76BDE6DE9E}" type="datetimeFigureOut">
               <a:rPr lang="en-DE" smtClean="0"/>
-              <a:t>17/03/2022</a:t>
+              <a:t>3/18/22</a:t>
             </a:fld>
             <a:endParaRPr lang="en-DE"/>
           </a:p>
@@ -3156,7 +3157,7 @@
           <a:p>
             <a:fld id="{783D4129-6E14-4DEB-A88B-FA76BDE6DE9E}" type="datetimeFigureOut">
               <a:rPr lang="en-DE" smtClean="0"/>
-              <a:t>17/03/2022</a:t>
+              <a:t>3/18/22</a:t>
             </a:fld>
             <a:endParaRPr lang="en-DE"/>
           </a:p>
@@ -5510,8 +5511,8 @@
             </a:p>
           </p:txBody>
         </p:sp>
-        <mc:AlternateContent xmlns:mc="http://schemas.openxmlformats.org/markup-compatibility/2006">
-          <mc:Choice xmlns:p14="http://schemas.microsoft.com/office/powerpoint/2010/main" xmlns:aink="http://schemas.microsoft.com/office/drawing/2016/ink" Requires="p14 aink">
+        <mc:AlternateContent xmlns:mc="http://schemas.openxmlformats.org/markup-compatibility/2006" xmlns:p14="http://schemas.microsoft.com/office/powerpoint/2010/main" xmlns:aink="http://schemas.microsoft.com/office/drawing/2016/ink">
+          <mc:Choice Requires="p14 aink">
             <p:contentPart p14:bwMode="auto" r:id="rId3">
               <p14:nvContentPartPr>
                 <p14:cNvPr id="34" name="Ink 33">
@@ -5530,7 +5531,7 @@
               </p14:xfrm>
             </p:contentPart>
           </mc:Choice>
-          <mc:Fallback>
+          <mc:Fallback xmlns="">
             <p:pic>
               <p:nvPicPr>
                 <p:cNvPr id="34" name="Ink 33">
@@ -5561,8 +5562,8 @@
             </p:pic>
           </mc:Fallback>
         </mc:AlternateContent>
-        <mc:AlternateContent xmlns:mc="http://schemas.openxmlformats.org/markup-compatibility/2006">
-          <mc:Choice xmlns:p14="http://schemas.microsoft.com/office/powerpoint/2010/main" xmlns:aink="http://schemas.microsoft.com/office/drawing/2016/ink" Requires="p14 aink">
+        <mc:AlternateContent xmlns:mc="http://schemas.openxmlformats.org/markup-compatibility/2006" xmlns:p14="http://schemas.microsoft.com/office/powerpoint/2010/main" xmlns:aink="http://schemas.microsoft.com/office/drawing/2016/ink">
+          <mc:Choice Requires="p14 aink">
             <p:contentPart p14:bwMode="auto" r:id="rId5">
               <p14:nvContentPartPr>
                 <p14:cNvPr id="36" name="Ink 35">
@@ -5581,7 +5582,7 @@
               </p14:xfrm>
             </p:contentPart>
           </mc:Choice>
-          <mc:Fallback>
+          <mc:Fallback xmlns="">
             <p:pic>
               <p:nvPicPr>
                 <p:cNvPr id="36" name="Ink 35">
@@ -5612,8 +5613,8 @@
             </p:pic>
           </mc:Fallback>
         </mc:AlternateContent>
-        <mc:AlternateContent xmlns:mc="http://schemas.openxmlformats.org/markup-compatibility/2006">
-          <mc:Choice xmlns:p14="http://schemas.microsoft.com/office/powerpoint/2010/main" xmlns:aink="http://schemas.microsoft.com/office/drawing/2016/ink" Requires="p14 aink">
+        <mc:AlternateContent xmlns:mc="http://schemas.openxmlformats.org/markup-compatibility/2006" xmlns:p14="http://schemas.microsoft.com/office/powerpoint/2010/main" xmlns:aink="http://schemas.microsoft.com/office/drawing/2016/ink">
+          <mc:Choice Requires="p14 aink">
             <p:contentPart p14:bwMode="auto" r:id="rId7">
               <p14:nvContentPartPr>
                 <p14:cNvPr id="38" name="Ink 37">
@@ -5632,7 +5633,7 @@
               </p14:xfrm>
             </p:contentPart>
           </mc:Choice>
-          <mc:Fallback>
+          <mc:Fallback xmlns="">
             <p:pic>
               <p:nvPicPr>
                 <p:cNvPr id="38" name="Ink 37">
@@ -5663,8 +5664,8 @@
             </p:pic>
           </mc:Fallback>
         </mc:AlternateContent>
-        <mc:AlternateContent xmlns:mc="http://schemas.openxmlformats.org/markup-compatibility/2006">
-          <mc:Choice xmlns:p14="http://schemas.microsoft.com/office/powerpoint/2010/main" xmlns:aink="http://schemas.microsoft.com/office/drawing/2016/ink" Requires="p14 aink">
+        <mc:AlternateContent xmlns:mc="http://schemas.openxmlformats.org/markup-compatibility/2006" xmlns:p14="http://schemas.microsoft.com/office/powerpoint/2010/main" xmlns:aink="http://schemas.microsoft.com/office/drawing/2016/ink">
+          <mc:Choice Requires="p14 aink">
             <p:contentPart p14:bwMode="auto" r:id="rId9">
               <p14:nvContentPartPr>
                 <p14:cNvPr id="39" name="Ink 38">
@@ -5683,7 +5684,7 @@
               </p14:xfrm>
             </p:contentPart>
           </mc:Choice>
-          <mc:Fallback>
+          <mc:Fallback xmlns="">
             <p:pic>
               <p:nvPicPr>
                 <p:cNvPr id="39" name="Ink 38">
@@ -5714,8 +5715,8 @@
             </p:pic>
           </mc:Fallback>
         </mc:AlternateContent>
-        <mc:AlternateContent xmlns:mc="http://schemas.openxmlformats.org/markup-compatibility/2006">
-          <mc:Choice xmlns:p14="http://schemas.microsoft.com/office/powerpoint/2010/main" xmlns:aink="http://schemas.microsoft.com/office/drawing/2016/ink" Requires="p14 aink">
+        <mc:AlternateContent xmlns:mc="http://schemas.openxmlformats.org/markup-compatibility/2006" xmlns:p14="http://schemas.microsoft.com/office/powerpoint/2010/main" xmlns:aink="http://schemas.microsoft.com/office/drawing/2016/ink">
+          <mc:Choice Requires="p14 aink">
             <p:contentPart p14:bwMode="auto" r:id="rId11">
               <p14:nvContentPartPr>
                 <p14:cNvPr id="40" name="Ink 39">
@@ -5734,7 +5735,7 @@
               </p14:xfrm>
             </p:contentPart>
           </mc:Choice>
-          <mc:Fallback>
+          <mc:Fallback xmlns="">
             <p:pic>
               <p:nvPicPr>
                 <p:cNvPr id="40" name="Ink 39">
@@ -5765,8 +5766,8 @@
             </p:pic>
           </mc:Fallback>
         </mc:AlternateContent>
-        <mc:AlternateContent xmlns:mc="http://schemas.openxmlformats.org/markup-compatibility/2006">
-          <mc:Choice xmlns:p14="http://schemas.microsoft.com/office/powerpoint/2010/main" xmlns:aink="http://schemas.microsoft.com/office/drawing/2016/ink" Requires="p14 aink">
+        <mc:AlternateContent xmlns:mc="http://schemas.openxmlformats.org/markup-compatibility/2006" xmlns:p14="http://schemas.microsoft.com/office/powerpoint/2010/main" xmlns:aink="http://schemas.microsoft.com/office/drawing/2016/ink">
+          <mc:Choice Requires="p14 aink">
             <p:contentPart p14:bwMode="auto" r:id="rId13">
               <p14:nvContentPartPr>
                 <p14:cNvPr id="41" name="Ink 40">
@@ -5785,7 +5786,7 @@
               </p14:xfrm>
             </p:contentPart>
           </mc:Choice>
-          <mc:Fallback>
+          <mc:Fallback xmlns="">
             <p:pic>
               <p:nvPicPr>
                 <p:cNvPr id="41" name="Ink 40">
@@ -5836,8 +5837,8 @@
               <a:chExt cx="360" cy="360"/>
             </a:xfrm>
           </p:grpSpPr>
-          <mc:AlternateContent xmlns:mc="http://schemas.openxmlformats.org/markup-compatibility/2006">
-            <mc:Choice xmlns:p14="http://schemas.microsoft.com/office/powerpoint/2010/main" xmlns:aink="http://schemas.microsoft.com/office/drawing/2016/ink" Requires="p14 aink">
+          <mc:AlternateContent xmlns:mc="http://schemas.openxmlformats.org/markup-compatibility/2006" xmlns:p14="http://schemas.microsoft.com/office/powerpoint/2010/main" xmlns:aink="http://schemas.microsoft.com/office/drawing/2016/ink">
+            <mc:Choice Requires="p14 aink">
               <p:contentPart p14:bwMode="auto" r:id="rId15">
                 <p14:nvContentPartPr>
                   <p14:cNvPr id="42" name="Ink 41">
@@ -5856,7 +5857,7 @@
                 </p14:xfrm>
               </p:contentPart>
             </mc:Choice>
-            <mc:Fallback>
+            <mc:Fallback xmlns="">
               <p:pic>
                 <p:nvPicPr>
                   <p:cNvPr id="42" name="Ink 41">
@@ -5887,8 +5888,8 @@
               </p:pic>
             </mc:Fallback>
           </mc:AlternateContent>
-          <mc:AlternateContent xmlns:mc="http://schemas.openxmlformats.org/markup-compatibility/2006">
-            <mc:Choice xmlns:p14="http://schemas.microsoft.com/office/powerpoint/2010/main" xmlns:aink="http://schemas.microsoft.com/office/drawing/2016/ink" Requires="p14 aink">
+          <mc:AlternateContent xmlns:mc="http://schemas.openxmlformats.org/markup-compatibility/2006" xmlns:p14="http://schemas.microsoft.com/office/powerpoint/2010/main" xmlns:aink="http://schemas.microsoft.com/office/drawing/2016/ink">
+            <mc:Choice Requires="p14 aink">
               <p:contentPart p14:bwMode="auto" r:id="rId17">
                 <p14:nvContentPartPr>
                   <p14:cNvPr id="43" name="Ink 42">
@@ -5907,7 +5908,7 @@
                 </p14:xfrm>
               </p:contentPart>
             </mc:Choice>
-            <mc:Fallback>
+            <mc:Fallback xmlns="">
               <p:pic>
                 <p:nvPicPr>
                   <p:cNvPr id="43" name="Ink 42">
@@ -6700,6 +6701,802 @@
 </p:sld>
 </file>
 
+<file path=ppt/slides/slide4.xml><?xml version="1.0" encoding="utf-8"?>
+<p:sld xmlns:a="http://schemas.openxmlformats.org/drawingml/2006/main" xmlns:r="http://schemas.openxmlformats.org/officeDocument/2006/relationships" xmlns:p="http://schemas.openxmlformats.org/presentationml/2006/main">
+  <p:cSld>
+    <p:spTree>
+      <p:nvGrpSpPr>
+        <p:cNvPr id="1" name=""/>
+        <p:cNvGrpSpPr/>
+        <p:nvPr/>
+      </p:nvGrpSpPr>
+      <p:grpSpPr>
+        <a:xfrm>
+          <a:off x="0" y="0"/>
+          <a:ext cx="0" cy="0"/>
+          <a:chOff x="0" y="0"/>
+          <a:chExt cx="0" cy="0"/>
+        </a:xfrm>
+      </p:grpSpPr>
+      <p:sp>
+        <p:nvSpPr>
+          <p:cNvPr id="35" name="TextBox 34">
+            <a:extLst>
+              <a:ext uri="{FF2B5EF4-FFF2-40B4-BE49-F238E27FC236}">
+                <a16:creationId xmlns:a16="http://schemas.microsoft.com/office/drawing/2014/main" id="{835E8E6F-F519-6544-8986-985555722046}"/>
+              </a:ext>
+            </a:extLst>
+          </p:cNvPr>
+          <p:cNvSpPr txBox="1"/>
+          <p:nvPr/>
+        </p:nvSpPr>
+        <p:spPr>
+          <a:xfrm>
+            <a:off x="2168744" y="2652817"/>
+            <a:ext cx="7544882" cy="523220"/>
+          </a:xfrm>
+          <a:prstGeom prst="rect">
+            <a:avLst/>
+          </a:prstGeom>
+          <a:noFill/>
+          <a:ln>
+            <a:solidFill>
+              <a:schemeClr val="tx1"/>
+            </a:solidFill>
+          </a:ln>
+        </p:spPr>
+        <p:txBody>
+          <a:bodyPr wrap="square" rtlCol="0">
+            <a:spAutoFit/>
+          </a:bodyPr>
+          <a:lstStyle/>
+          <a:p>
+            <a:r>
+              <a:rPr lang="en-US" sz="1400" dirty="0">
+                <a:latin typeface="Courier New" panose="02070309020205020404" pitchFamily="49" charset="0"/>
+                <a:cs typeface="Courier New" panose="02070309020205020404" pitchFamily="49" charset="0"/>
+              </a:rPr>
+              <a:t># fetch parameters via dialog</a:t>
+            </a:r>
+            <a:endParaRPr lang="en-US" sz="1400" dirty="0">
+              <a:solidFill>
+                <a:schemeClr val="accent2"/>
+              </a:solidFill>
+              <a:latin typeface="Courier New" panose="02070309020205020404" pitchFamily="49" charset="0"/>
+              <a:cs typeface="Courier New" panose="02070309020205020404" pitchFamily="49" charset="0"/>
+            </a:endParaRPr>
+          </a:p>
+          <a:p>
+            <a:r>
+              <a:rPr lang="en-US" sz="1400" b="1" dirty="0" err="1">
+                <a:solidFill>
+                  <a:schemeClr val="accent2"/>
+                </a:solidFill>
+                <a:latin typeface="Courier New" panose="02070309020205020404" pitchFamily="49" charset="0"/>
+                <a:cs typeface="Courier New" panose="02070309020205020404" pitchFamily="49" charset="0"/>
+              </a:rPr>
+              <a:t>filter_size</a:t>
+            </a:r>
+            <a:r>
+              <a:rPr lang="en-US" sz="1400" b="1" dirty="0">
+                <a:latin typeface="Courier New" panose="02070309020205020404" pitchFamily="49" charset="0"/>
+                <a:cs typeface="Courier New" panose="02070309020205020404" pitchFamily="49" charset="0"/>
+              </a:rPr>
+              <a:t> </a:t>
+            </a:r>
+            <a:r>
+              <a:rPr lang="en-US" sz="1400" dirty="0">
+                <a:latin typeface="Courier New" panose="02070309020205020404" pitchFamily="49" charset="0"/>
+                <a:cs typeface="Courier New" panose="02070309020205020404" pitchFamily="49" charset="0"/>
+              </a:rPr>
+              <a:t>= </a:t>
+            </a:r>
+            <a:r>
+              <a:rPr lang="en-US" sz="1400" dirty="0" err="1">
+                <a:latin typeface="Courier New" panose="02070309020205020404" pitchFamily="49" charset="0"/>
+                <a:cs typeface="Courier New" panose="02070309020205020404" pitchFamily="49" charset="0"/>
+              </a:rPr>
+              <a:t>create_dialog</a:t>
+            </a:r>
+            <a:r>
+              <a:rPr lang="en-US" sz="1400" dirty="0">
+                <a:latin typeface="Courier New" panose="02070309020205020404" pitchFamily="49" charset="0"/>
+                <a:cs typeface="Courier New" panose="02070309020205020404" pitchFamily="49" charset="0"/>
+              </a:rPr>
+              <a:t>(</a:t>
+            </a:r>
+            <a:r>
+              <a:rPr lang="en-US" sz="1400" dirty="0">
+                <a:solidFill>
+                  <a:schemeClr val="accent1"/>
+                </a:solidFill>
+                <a:latin typeface="Courier New" panose="02070309020205020404" pitchFamily="49" charset="0"/>
+                <a:cs typeface="Courier New" panose="02070309020205020404" pitchFamily="49" charset="0"/>
+              </a:rPr>
+              <a:t>label</a:t>
+            </a:r>
+            <a:r>
+              <a:rPr lang="en-US" sz="1400" dirty="0">
+                <a:latin typeface="Courier New" panose="02070309020205020404" pitchFamily="49" charset="0"/>
+                <a:cs typeface="Courier New" panose="02070309020205020404" pitchFamily="49" charset="0"/>
+              </a:rPr>
+              <a:t>='Filter size', </a:t>
+            </a:r>
+            <a:r>
+              <a:rPr lang="en-US" sz="1400" dirty="0">
+                <a:solidFill>
+                  <a:schemeClr val="accent1"/>
+                </a:solidFill>
+                <a:latin typeface="Courier New" panose="02070309020205020404" pitchFamily="49" charset="0"/>
+                <a:cs typeface="Courier New" panose="02070309020205020404" pitchFamily="49" charset="0"/>
+              </a:rPr>
+              <a:t>type</a:t>
+            </a:r>
+            <a:r>
+              <a:rPr lang="en-US" sz="1400" dirty="0">
+                <a:latin typeface="Courier New" panose="02070309020205020404" pitchFamily="49" charset="0"/>
+                <a:cs typeface="Courier New" panose="02070309020205020404" pitchFamily="49" charset="0"/>
+              </a:rPr>
+              <a:t>=</a:t>
+            </a:r>
+            <a:r>
+              <a:rPr lang="en-US" sz="1400" dirty="0" err="1">
+                <a:latin typeface="Courier New" panose="02070309020205020404" pitchFamily="49" charset="0"/>
+                <a:cs typeface="Courier New" panose="02070309020205020404" pitchFamily="49" charset="0"/>
+              </a:rPr>
+              <a:t>int</a:t>
+            </a:r>
+            <a:r>
+              <a:rPr lang="en-US" sz="1400" dirty="0">
+                <a:latin typeface="Courier New" panose="02070309020205020404" pitchFamily="49" charset="0"/>
+                <a:cs typeface="Courier New" panose="02070309020205020404" pitchFamily="49" charset="0"/>
+              </a:rPr>
+              <a:t>, </a:t>
+            </a:r>
+            <a:r>
+              <a:rPr lang="en-US" sz="1400" dirty="0">
+                <a:solidFill>
+                  <a:schemeClr val="accent1"/>
+                </a:solidFill>
+                <a:latin typeface="Courier New" panose="02070309020205020404" pitchFamily="49" charset="0"/>
+                <a:cs typeface="Courier New" panose="02070309020205020404" pitchFamily="49" charset="0"/>
+              </a:rPr>
+              <a:t>default</a:t>
+            </a:r>
+            <a:r>
+              <a:rPr lang="en-US" sz="1400" dirty="0">
+                <a:latin typeface="Courier New" panose="02070309020205020404" pitchFamily="49" charset="0"/>
+                <a:cs typeface="Courier New" panose="02070309020205020404" pitchFamily="49" charset="0"/>
+              </a:rPr>
+              <a:t>=5)</a:t>
+            </a:r>
+          </a:p>
+        </p:txBody>
+      </p:sp>
+      <p:sp>
+        <p:nvSpPr>
+          <p:cNvPr id="37" name="TextBox 36">
+            <a:extLst>
+              <a:ext uri="{FF2B5EF4-FFF2-40B4-BE49-F238E27FC236}">
+                <a16:creationId xmlns:a16="http://schemas.microsoft.com/office/drawing/2014/main" id="{F8774C70-8659-274E-B77D-12166B4B33EA}"/>
+              </a:ext>
+            </a:extLst>
+          </p:cNvPr>
+          <p:cNvSpPr txBox="1"/>
+          <p:nvPr/>
+        </p:nvSpPr>
+        <p:spPr>
+          <a:xfrm>
+            <a:off x="2168744" y="299716"/>
+            <a:ext cx="7544882" cy="738664"/>
+          </a:xfrm>
+          <a:prstGeom prst="rect">
+            <a:avLst/>
+          </a:prstGeom>
+          <a:noFill/>
+          <a:ln>
+            <a:solidFill>
+              <a:schemeClr val="tx1"/>
+            </a:solidFill>
+          </a:ln>
+        </p:spPr>
+        <p:txBody>
+          <a:bodyPr wrap="square" rtlCol="0">
+            <a:spAutoFit/>
+          </a:bodyPr>
+          <a:lstStyle/>
+          <a:p>
+            <a:r>
+              <a:rPr lang="en-US" sz="1400" dirty="0">
+                <a:latin typeface="Courier New" panose="02070309020205020404" pitchFamily="49" charset="0"/>
+                <a:cs typeface="Courier New" panose="02070309020205020404" pitchFamily="49" charset="0"/>
+              </a:rPr>
+              <a:t>…</a:t>
+            </a:r>
+          </a:p>
+          <a:p>
+            <a:r>
+              <a:rPr lang="en-US" sz="1400" dirty="0" err="1">
+                <a:latin typeface="Courier New" panose="02070309020205020404" pitchFamily="49" charset="0"/>
+                <a:cs typeface="Courier New" panose="02070309020205020404" pitchFamily="49" charset="0"/>
+              </a:rPr>
+              <a:t>smooth_image</a:t>
+            </a:r>
+            <a:r>
+              <a:rPr lang="en-US" sz="1400" dirty="0">
+                <a:latin typeface="Courier New" panose="02070309020205020404" pitchFamily="49" charset="0"/>
+                <a:cs typeface="Courier New" panose="02070309020205020404" pitchFamily="49" charset="0"/>
+              </a:rPr>
+              <a:t> = smooth( image, </a:t>
+            </a:r>
+            <a:r>
+              <a:rPr lang="en-US" sz="1400" b="1" dirty="0">
+                <a:solidFill>
+                  <a:schemeClr val="accent2"/>
+                </a:solidFill>
+                <a:latin typeface="Courier New" panose="02070309020205020404" pitchFamily="49" charset="0"/>
+                <a:cs typeface="Courier New" panose="02070309020205020404" pitchFamily="49" charset="0"/>
+              </a:rPr>
+              <a:t>5</a:t>
+            </a:r>
+            <a:r>
+              <a:rPr lang="en-US" sz="1400" dirty="0">
+                <a:solidFill>
+                  <a:schemeClr val="accent2"/>
+                </a:solidFill>
+                <a:latin typeface="Courier New" panose="02070309020205020404" pitchFamily="49" charset="0"/>
+                <a:cs typeface="Courier New" panose="02070309020205020404" pitchFamily="49" charset="0"/>
+              </a:rPr>
+              <a:t> </a:t>
+            </a:r>
+            <a:r>
+              <a:rPr lang="en-US" sz="1400" dirty="0">
+                <a:latin typeface="Courier New" panose="02070309020205020404" pitchFamily="49" charset="0"/>
+                <a:cs typeface="Courier New" panose="02070309020205020404" pitchFamily="49" charset="0"/>
+              </a:rPr>
+              <a:t>) </a:t>
+            </a:r>
+          </a:p>
+          <a:p>
+            <a:r>
+              <a:rPr lang="en-US" sz="1400" dirty="0">
+                <a:latin typeface="Courier New" panose="02070309020205020404" pitchFamily="49" charset="0"/>
+                <a:cs typeface="Courier New" panose="02070309020205020404" pitchFamily="49" charset="0"/>
+              </a:rPr>
+              <a:t>…</a:t>
+            </a:r>
+            <a:endParaRPr lang="en-US" sz="1400" i="1" dirty="0">
+              <a:solidFill>
+                <a:srgbClr val="00B050"/>
+              </a:solidFill>
+              <a:latin typeface="Courier New" panose="02070309020205020404" pitchFamily="49" charset="0"/>
+              <a:cs typeface="Courier New" panose="02070309020205020404" pitchFamily="49" charset="0"/>
+            </a:endParaRPr>
+          </a:p>
+        </p:txBody>
+      </p:sp>
+      <p:sp>
+        <p:nvSpPr>
+          <p:cNvPr id="45" name="TextBox 44">
+            <a:extLst>
+              <a:ext uri="{FF2B5EF4-FFF2-40B4-BE49-F238E27FC236}">
+                <a16:creationId xmlns:a16="http://schemas.microsoft.com/office/drawing/2014/main" id="{1A4513D5-20CB-9D4D-B82B-F4E8D32FECC4}"/>
+              </a:ext>
+            </a:extLst>
+          </p:cNvPr>
+          <p:cNvSpPr txBox="1"/>
+          <p:nvPr/>
+        </p:nvSpPr>
+        <p:spPr>
+          <a:xfrm>
+            <a:off x="2168744" y="1153101"/>
+            <a:ext cx="7544882" cy="1384995"/>
+          </a:xfrm>
+          <a:prstGeom prst="rect">
+            <a:avLst/>
+          </a:prstGeom>
+          <a:solidFill>
+            <a:schemeClr val="bg1"/>
+          </a:solidFill>
+          <a:ln>
+            <a:solidFill>
+              <a:schemeClr val="tx1"/>
+            </a:solidFill>
+          </a:ln>
+        </p:spPr>
+        <p:txBody>
+          <a:bodyPr wrap="square" rtlCol="0">
+            <a:spAutoFit/>
+          </a:bodyPr>
+          <a:lstStyle/>
+          <a:p>
+            <a:r>
+              <a:rPr lang="en-US" sz="1400" dirty="0">
+                <a:latin typeface="Courier New" panose="02070309020205020404" pitchFamily="49" charset="0"/>
+                <a:cs typeface="Courier New" panose="02070309020205020404" pitchFamily="49" charset="0"/>
+              </a:rPr>
+              <a:t># parameters</a:t>
+            </a:r>
+          </a:p>
+          <a:p>
+            <a:r>
+              <a:rPr lang="en-US" sz="1400" b="1" dirty="0" err="1">
+                <a:solidFill>
+                  <a:schemeClr val="accent2"/>
+                </a:solidFill>
+                <a:latin typeface="Courier New" panose="02070309020205020404" pitchFamily="49" charset="0"/>
+                <a:cs typeface="Courier New" panose="02070309020205020404" pitchFamily="49" charset="0"/>
+              </a:rPr>
+              <a:t>filter_size</a:t>
+            </a:r>
+            <a:r>
+              <a:rPr lang="en-US" sz="1400" b="1" dirty="0">
+                <a:solidFill>
+                  <a:schemeClr val="accent2"/>
+                </a:solidFill>
+                <a:latin typeface="Courier New" panose="02070309020205020404" pitchFamily="49" charset="0"/>
+                <a:cs typeface="Courier New" panose="02070309020205020404" pitchFamily="49" charset="0"/>
+              </a:rPr>
+              <a:t> </a:t>
+            </a:r>
+            <a:r>
+              <a:rPr lang="en-US" sz="1400" dirty="0">
+                <a:latin typeface="Courier New" panose="02070309020205020404" pitchFamily="49" charset="0"/>
+                <a:cs typeface="Courier New" panose="02070309020205020404" pitchFamily="49" charset="0"/>
+              </a:rPr>
+              <a:t>=</a:t>
+            </a:r>
+            <a:r>
+              <a:rPr lang="en-US" sz="1400" dirty="0">
+                <a:solidFill>
+                  <a:schemeClr val="accent2"/>
+                </a:solidFill>
+                <a:latin typeface="Courier New" panose="02070309020205020404" pitchFamily="49" charset="0"/>
+                <a:cs typeface="Courier New" panose="02070309020205020404" pitchFamily="49" charset="0"/>
+              </a:rPr>
+              <a:t> </a:t>
+            </a:r>
+            <a:r>
+              <a:rPr lang="en-US" sz="1400" dirty="0">
+                <a:latin typeface="Courier New" panose="02070309020205020404" pitchFamily="49" charset="0"/>
+                <a:cs typeface="Courier New" panose="02070309020205020404" pitchFamily="49" charset="0"/>
+              </a:rPr>
+              <a:t>5</a:t>
+            </a:r>
+          </a:p>
+          <a:p>
+            <a:r>
+              <a:rPr lang="en-US" sz="1400" dirty="0">
+                <a:latin typeface="Courier New" panose="02070309020205020404" pitchFamily="49" charset="0"/>
+                <a:cs typeface="Courier New" panose="02070309020205020404" pitchFamily="49" charset="0"/>
+              </a:rPr>
+              <a:t># code</a:t>
+            </a:r>
+          </a:p>
+          <a:p>
+            <a:r>
+              <a:rPr lang="en-US" sz="1400" dirty="0">
+                <a:latin typeface="Courier New" panose="02070309020205020404" pitchFamily="49" charset="0"/>
+                <a:cs typeface="Courier New" panose="02070309020205020404" pitchFamily="49" charset="0"/>
+              </a:rPr>
+              <a:t>…</a:t>
+            </a:r>
+          </a:p>
+          <a:p>
+            <a:r>
+              <a:rPr lang="en-US" sz="1400" dirty="0" err="1">
+                <a:latin typeface="Courier New" panose="02070309020205020404" pitchFamily="49" charset="0"/>
+                <a:cs typeface="Courier New" panose="02070309020205020404" pitchFamily="49" charset="0"/>
+              </a:rPr>
+              <a:t>smooth_image</a:t>
+            </a:r>
+            <a:r>
+              <a:rPr lang="en-US" sz="1400" dirty="0">
+                <a:latin typeface="Courier New" panose="02070309020205020404" pitchFamily="49" charset="0"/>
+                <a:cs typeface="Courier New" panose="02070309020205020404" pitchFamily="49" charset="0"/>
+              </a:rPr>
+              <a:t> = smooth( image, </a:t>
+            </a:r>
+            <a:r>
+              <a:rPr lang="en-US" sz="1400" b="1" dirty="0" err="1">
+                <a:solidFill>
+                  <a:schemeClr val="accent2"/>
+                </a:solidFill>
+                <a:latin typeface="Courier New" panose="02070309020205020404" pitchFamily="49" charset="0"/>
+                <a:cs typeface="Courier New" panose="02070309020205020404" pitchFamily="49" charset="0"/>
+              </a:rPr>
+              <a:t>filter_size</a:t>
+            </a:r>
+            <a:r>
+              <a:rPr lang="en-US" sz="1400" b="1" dirty="0">
+                <a:solidFill>
+                  <a:schemeClr val="accent2"/>
+                </a:solidFill>
+                <a:latin typeface="Courier New" panose="02070309020205020404" pitchFamily="49" charset="0"/>
+                <a:cs typeface="Courier New" panose="02070309020205020404" pitchFamily="49" charset="0"/>
+              </a:rPr>
+              <a:t> </a:t>
+            </a:r>
+            <a:r>
+              <a:rPr lang="en-US" sz="1400" dirty="0">
+                <a:latin typeface="Courier New" panose="02070309020205020404" pitchFamily="49" charset="0"/>
+                <a:cs typeface="Courier New" panose="02070309020205020404" pitchFamily="49" charset="0"/>
+              </a:rPr>
+              <a:t>) </a:t>
+            </a:r>
+          </a:p>
+          <a:p>
+            <a:r>
+              <a:rPr lang="en-US" sz="1400" dirty="0">
+                <a:latin typeface="Courier New" panose="02070309020205020404" pitchFamily="49" charset="0"/>
+                <a:cs typeface="Courier New" panose="02070309020205020404" pitchFamily="49" charset="0"/>
+              </a:rPr>
+              <a:t>…</a:t>
+            </a:r>
+            <a:endParaRPr lang="en-US" sz="1400" i="1" dirty="0">
+              <a:solidFill>
+                <a:srgbClr val="00B050"/>
+              </a:solidFill>
+              <a:latin typeface="Courier New" panose="02070309020205020404" pitchFamily="49" charset="0"/>
+              <a:cs typeface="Courier New" panose="02070309020205020404" pitchFamily="49" charset="0"/>
+            </a:endParaRPr>
+          </a:p>
+        </p:txBody>
+      </p:sp>
+      <p:sp>
+        <p:nvSpPr>
+          <p:cNvPr id="47" name="TextBox 46">
+            <a:extLst>
+              <a:ext uri="{FF2B5EF4-FFF2-40B4-BE49-F238E27FC236}">
+                <a16:creationId xmlns:a16="http://schemas.microsoft.com/office/drawing/2014/main" id="{19A9DE26-4E49-C645-96B9-A81BC5C8A58C}"/>
+              </a:ext>
+            </a:extLst>
+          </p:cNvPr>
+          <p:cNvSpPr txBox="1"/>
+          <p:nvPr/>
+        </p:nvSpPr>
+        <p:spPr>
+          <a:xfrm>
+            <a:off x="2168744" y="3317172"/>
+            <a:ext cx="7544882" cy="738664"/>
+          </a:xfrm>
+          <a:prstGeom prst="rect">
+            <a:avLst/>
+          </a:prstGeom>
+          <a:noFill/>
+          <a:ln>
+            <a:solidFill>
+              <a:schemeClr val="tx1"/>
+            </a:solidFill>
+          </a:ln>
+        </p:spPr>
+        <p:txBody>
+          <a:bodyPr wrap="square" rtlCol="0">
+            <a:spAutoFit/>
+          </a:bodyPr>
+          <a:lstStyle/>
+          <a:p>
+            <a:r>
+              <a:rPr lang="en-US" sz="1400" dirty="0">
+                <a:latin typeface="Courier New" panose="02070309020205020404" pitchFamily="49" charset="0"/>
+                <a:cs typeface="Courier New" panose="02070309020205020404" pitchFamily="49" charset="0"/>
+              </a:rPr>
+              <a:t># example usage: run </a:t>
+            </a:r>
+            <a:r>
+              <a:rPr lang="en-US" sz="1400" dirty="0" err="1">
+                <a:latin typeface="Courier New" panose="02070309020205020404" pitchFamily="49" charset="0"/>
+                <a:cs typeface="Courier New" panose="02070309020205020404" pitchFamily="49" charset="0"/>
+              </a:rPr>
+              <a:t>my_script</a:t>
+            </a:r>
+            <a:r>
+              <a:rPr lang="en-US" sz="1400" dirty="0">
+                <a:latin typeface="Courier New" panose="02070309020205020404" pitchFamily="49" charset="0"/>
+                <a:cs typeface="Courier New" panose="02070309020205020404" pitchFamily="49" charset="0"/>
+              </a:rPr>
+              <a:t> –-</a:t>
+            </a:r>
+            <a:r>
+              <a:rPr lang="en-US" sz="1400" dirty="0" err="1">
+                <a:latin typeface="Courier New" panose="02070309020205020404" pitchFamily="49" charset="0"/>
+                <a:cs typeface="Courier New" panose="02070309020205020404" pitchFamily="49" charset="0"/>
+              </a:rPr>
+              <a:t>filter_size</a:t>
+            </a:r>
+            <a:r>
+              <a:rPr lang="en-US" sz="1400" dirty="0">
+                <a:latin typeface="Courier New" panose="02070309020205020404" pitchFamily="49" charset="0"/>
+                <a:cs typeface="Courier New" panose="02070309020205020404" pitchFamily="49" charset="0"/>
+              </a:rPr>
+              <a:t> 5</a:t>
+            </a:r>
+          </a:p>
+          <a:p>
+            <a:r>
+              <a:rPr lang="en-US" sz="1400" dirty="0" err="1">
+                <a:latin typeface="Courier New" panose="02070309020205020404" pitchFamily="49" charset="0"/>
+                <a:cs typeface="Courier New" panose="02070309020205020404" pitchFamily="49" charset="0"/>
+              </a:rPr>
+              <a:t>parser.add_argument</a:t>
+            </a:r>
+            <a:r>
+              <a:rPr lang="en-US" sz="1400" dirty="0">
+                <a:latin typeface="Courier New" panose="02070309020205020404" pitchFamily="49" charset="0"/>
+                <a:cs typeface="Courier New" panose="02070309020205020404" pitchFamily="49" charset="0"/>
+              </a:rPr>
+              <a:t>('</a:t>
+            </a:r>
+            <a:r>
+              <a:rPr lang="en-US" sz="1400" dirty="0" err="1">
+                <a:latin typeface="Courier New" panose="02070309020205020404" pitchFamily="49" charset="0"/>
+                <a:cs typeface="Courier New" panose="02070309020205020404" pitchFamily="49" charset="0"/>
+              </a:rPr>
+              <a:t>filter_size</a:t>
+            </a:r>
+            <a:r>
+              <a:rPr lang="en-US" sz="1400" dirty="0">
+                <a:latin typeface="Courier New" panose="02070309020205020404" pitchFamily="49" charset="0"/>
+                <a:cs typeface="Courier New" panose="02070309020205020404" pitchFamily="49" charset="0"/>
+              </a:rPr>
+              <a:t>', </a:t>
+            </a:r>
+            <a:r>
+              <a:rPr lang="en-US" sz="1400" dirty="0">
+                <a:solidFill>
+                  <a:schemeClr val="accent1"/>
+                </a:solidFill>
+                <a:latin typeface="Courier New" panose="02070309020205020404" pitchFamily="49" charset="0"/>
+                <a:cs typeface="Courier New" panose="02070309020205020404" pitchFamily="49" charset="0"/>
+              </a:rPr>
+              <a:t>type</a:t>
+            </a:r>
+            <a:r>
+              <a:rPr lang="en-US" sz="1400" dirty="0">
+                <a:latin typeface="Courier New" panose="02070309020205020404" pitchFamily="49" charset="0"/>
+                <a:cs typeface="Courier New" panose="02070309020205020404" pitchFamily="49" charset="0"/>
+              </a:rPr>
+              <a:t>=</a:t>
+            </a:r>
+            <a:r>
+              <a:rPr lang="en-US" sz="1400" dirty="0" err="1">
+                <a:latin typeface="Courier New" panose="02070309020205020404" pitchFamily="49" charset="0"/>
+                <a:cs typeface="Courier New" panose="02070309020205020404" pitchFamily="49" charset="0"/>
+              </a:rPr>
+              <a:t>int</a:t>
+            </a:r>
+            <a:r>
+              <a:rPr lang="en-US" sz="1400" dirty="0">
+                <a:latin typeface="Courier New" panose="02070309020205020404" pitchFamily="49" charset="0"/>
+                <a:cs typeface="Courier New" panose="02070309020205020404" pitchFamily="49" charset="0"/>
+              </a:rPr>
+              <a:t>, </a:t>
+            </a:r>
+            <a:r>
+              <a:rPr lang="en-US" sz="1400" dirty="0">
+                <a:solidFill>
+                  <a:schemeClr val="accent1"/>
+                </a:solidFill>
+                <a:latin typeface="Courier New" panose="02070309020205020404" pitchFamily="49" charset="0"/>
+                <a:cs typeface="Courier New" panose="02070309020205020404" pitchFamily="49" charset="0"/>
+              </a:rPr>
+              <a:t>default</a:t>
+            </a:r>
+            <a:r>
+              <a:rPr lang="en-US" sz="1400" dirty="0">
+                <a:latin typeface="Courier New" panose="02070309020205020404" pitchFamily="49" charset="0"/>
+                <a:cs typeface="Courier New" panose="02070309020205020404" pitchFamily="49" charset="0"/>
+              </a:rPr>
+              <a:t>=5)</a:t>
+            </a:r>
+          </a:p>
+          <a:p>
+            <a:r>
+              <a:rPr lang="en-US" sz="1400" b="1" dirty="0" err="1">
+                <a:solidFill>
+                  <a:schemeClr val="accent2"/>
+                </a:solidFill>
+                <a:latin typeface="Courier New" panose="02070309020205020404" pitchFamily="49" charset="0"/>
+                <a:cs typeface="Courier New" panose="02070309020205020404" pitchFamily="49" charset="0"/>
+              </a:rPr>
+              <a:t>filter_size</a:t>
+            </a:r>
+            <a:r>
+              <a:rPr lang="en-US" sz="1400" b="1" dirty="0">
+                <a:latin typeface="Courier New" panose="02070309020205020404" pitchFamily="49" charset="0"/>
+                <a:cs typeface="Courier New" panose="02070309020205020404" pitchFamily="49" charset="0"/>
+              </a:rPr>
+              <a:t> </a:t>
+            </a:r>
+            <a:r>
+              <a:rPr lang="en-US" sz="1400" dirty="0">
+                <a:latin typeface="Courier New" panose="02070309020205020404" pitchFamily="49" charset="0"/>
+                <a:cs typeface="Courier New" panose="02070309020205020404" pitchFamily="49" charset="0"/>
+              </a:rPr>
+              <a:t>= </a:t>
+            </a:r>
+            <a:r>
+              <a:rPr lang="en-US" sz="1400" dirty="0" err="1">
+                <a:latin typeface="Courier New" panose="02070309020205020404" pitchFamily="49" charset="0"/>
+                <a:cs typeface="Courier New" panose="02070309020205020404" pitchFamily="49" charset="0"/>
+              </a:rPr>
+              <a:t>args.filter_size</a:t>
+            </a:r>
+            <a:endParaRPr lang="en-US" sz="1400" dirty="0">
+              <a:latin typeface="Courier New" panose="02070309020205020404" pitchFamily="49" charset="0"/>
+              <a:cs typeface="Courier New" panose="02070309020205020404" pitchFamily="49" charset="0"/>
+            </a:endParaRPr>
+          </a:p>
+        </p:txBody>
+      </p:sp>
+      <p:sp>
+        <p:nvSpPr>
+          <p:cNvPr id="48" name="TextBox 47">
+            <a:extLst>
+              <a:ext uri="{FF2B5EF4-FFF2-40B4-BE49-F238E27FC236}">
+                <a16:creationId xmlns:a16="http://schemas.microsoft.com/office/drawing/2014/main" id="{E0BCA579-3149-1A49-B8BA-E7AC10BC28EB}"/>
+              </a:ext>
+            </a:extLst>
+          </p:cNvPr>
+          <p:cNvSpPr txBox="1"/>
+          <p:nvPr/>
+        </p:nvSpPr>
+        <p:spPr>
+          <a:xfrm>
+            <a:off x="2171244" y="4189095"/>
+            <a:ext cx="7544882" cy="738664"/>
+          </a:xfrm>
+          <a:prstGeom prst="rect">
+            <a:avLst/>
+          </a:prstGeom>
+          <a:noFill/>
+          <a:ln>
+            <a:solidFill>
+              <a:schemeClr val="tx1"/>
+            </a:solidFill>
+          </a:ln>
+        </p:spPr>
+        <p:txBody>
+          <a:bodyPr wrap="square" rtlCol="0">
+            <a:spAutoFit/>
+          </a:bodyPr>
+          <a:lstStyle/>
+          <a:p>
+            <a:r>
+              <a:rPr lang="en-US" sz="1400" dirty="0">
+                <a:latin typeface="Courier New" panose="02070309020205020404" pitchFamily="49" charset="0"/>
+                <a:cs typeface="Courier New" panose="02070309020205020404" pitchFamily="49" charset="0"/>
+              </a:rPr>
+              <a:t># example usage: run </a:t>
+            </a:r>
+            <a:r>
+              <a:rPr lang="en-US" sz="1400" dirty="0" err="1">
+                <a:latin typeface="Courier New" panose="02070309020205020404" pitchFamily="49" charset="0"/>
+                <a:cs typeface="Courier New" panose="02070309020205020404" pitchFamily="49" charset="0"/>
+              </a:rPr>
+              <a:t>my_script</a:t>
+            </a:r>
+            <a:r>
+              <a:rPr lang="en-US" sz="1400" dirty="0">
+                <a:latin typeface="Courier New" panose="02070309020205020404" pitchFamily="49" charset="0"/>
+                <a:cs typeface="Courier New" panose="02070309020205020404" pitchFamily="49" charset="0"/>
+              </a:rPr>
+              <a:t> –-config /Users/</a:t>
+            </a:r>
+            <a:r>
+              <a:rPr lang="en-US" sz="1400" dirty="0" err="1">
+                <a:latin typeface="Courier New" panose="02070309020205020404" pitchFamily="49" charset="0"/>
+                <a:cs typeface="Courier New" panose="02070309020205020404" pitchFamily="49" charset="0"/>
+              </a:rPr>
+              <a:t>config.yml</a:t>
+            </a:r>
+            <a:endParaRPr lang="en-US" sz="1400" dirty="0">
+              <a:latin typeface="Courier New" panose="02070309020205020404" pitchFamily="49" charset="0"/>
+              <a:cs typeface="Courier New" panose="02070309020205020404" pitchFamily="49" charset="0"/>
+            </a:endParaRPr>
+          </a:p>
+          <a:p>
+            <a:r>
+              <a:rPr lang="en-US" sz="1400" dirty="0" err="1">
+                <a:latin typeface="Courier New" panose="02070309020205020404" pitchFamily="49" charset="0"/>
+                <a:cs typeface="Courier New" panose="02070309020205020404" pitchFamily="49" charset="0"/>
+              </a:rPr>
+              <a:t>parser.add_argument</a:t>
+            </a:r>
+            <a:r>
+              <a:rPr lang="en-US" sz="1400" dirty="0">
+                <a:latin typeface="Courier New" panose="02070309020205020404" pitchFamily="49" charset="0"/>
+                <a:cs typeface="Courier New" panose="02070309020205020404" pitchFamily="49" charset="0"/>
+              </a:rPr>
+              <a:t>('config', </a:t>
+            </a:r>
+            <a:r>
+              <a:rPr lang="en-US" sz="1400" dirty="0">
+                <a:solidFill>
+                  <a:schemeClr val="accent1"/>
+                </a:solidFill>
+                <a:latin typeface="Courier New" panose="02070309020205020404" pitchFamily="49" charset="0"/>
+                <a:cs typeface="Courier New" panose="02070309020205020404" pitchFamily="49" charset="0"/>
+              </a:rPr>
+              <a:t>type</a:t>
+            </a:r>
+            <a:r>
+              <a:rPr lang="en-US" sz="1400" dirty="0">
+                <a:latin typeface="Courier New" panose="02070309020205020404" pitchFamily="49" charset="0"/>
+                <a:cs typeface="Courier New" panose="02070309020205020404" pitchFamily="49" charset="0"/>
+              </a:rPr>
+              <a:t>=String)</a:t>
+            </a:r>
+          </a:p>
+          <a:p>
+            <a:r>
+              <a:rPr lang="en-US" sz="1400" b="1" dirty="0" err="1">
+                <a:solidFill>
+                  <a:schemeClr val="accent2"/>
+                </a:solidFill>
+                <a:latin typeface="Courier New" panose="02070309020205020404" pitchFamily="49" charset="0"/>
+                <a:cs typeface="Courier New" panose="02070309020205020404" pitchFamily="49" charset="0"/>
+              </a:rPr>
+              <a:t>filter_size</a:t>
+            </a:r>
+            <a:r>
+              <a:rPr lang="en-US" sz="1400" b="1" dirty="0">
+                <a:latin typeface="Courier New" panose="02070309020205020404" pitchFamily="49" charset="0"/>
+                <a:cs typeface="Courier New" panose="02070309020205020404" pitchFamily="49" charset="0"/>
+              </a:rPr>
+              <a:t> </a:t>
+            </a:r>
+            <a:r>
+              <a:rPr lang="en-US" sz="1400" dirty="0">
+                <a:latin typeface="Courier New" panose="02070309020205020404" pitchFamily="49" charset="0"/>
+                <a:cs typeface="Courier New" panose="02070309020205020404" pitchFamily="49" charset="0"/>
+              </a:rPr>
+              <a:t>= parse( </a:t>
+            </a:r>
+            <a:r>
+              <a:rPr lang="en-US" sz="1400" dirty="0" err="1">
+                <a:latin typeface="Courier New" panose="02070309020205020404" pitchFamily="49" charset="0"/>
+                <a:cs typeface="Courier New" panose="02070309020205020404" pitchFamily="49" charset="0"/>
+              </a:rPr>
+              <a:t>args.config</a:t>
+            </a:r>
+            <a:r>
+              <a:rPr lang="en-US" sz="1400" dirty="0">
+                <a:latin typeface="Courier New" panose="02070309020205020404" pitchFamily="49" charset="0"/>
+                <a:cs typeface="Courier New" panose="02070309020205020404" pitchFamily="49" charset="0"/>
+              </a:rPr>
+              <a:t>, '</a:t>
+            </a:r>
+            <a:r>
+              <a:rPr lang="en-US" sz="1400" dirty="0" err="1">
+                <a:latin typeface="Courier New" panose="02070309020205020404" pitchFamily="49" charset="0"/>
+                <a:cs typeface="Courier New" panose="02070309020205020404" pitchFamily="49" charset="0"/>
+              </a:rPr>
+              <a:t>filter_size</a:t>
+            </a:r>
+            <a:r>
+              <a:rPr lang="en-US" sz="1400" dirty="0">
+                <a:latin typeface="Courier New" panose="02070309020205020404" pitchFamily="49" charset="0"/>
+                <a:cs typeface="Courier New" panose="02070309020205020404" pitchFamily="49" charset="0"/>
+              </a:rPr>
+              <a:t>' )</a:t>
+            </a:r>
+          </a:p>
+        </p:txBody>
+      </p:sp>
+    </p:spTree>
+    <p:extLst>
+      <p:ext uri="{BB962C8B-B14F-4D97-AF65-F5344CB8AC3E}">
+        <p14:creationId xmlns:p14="http://schemas.microsoft.com/office/powerpoint/2010/main" val="1375775050"/>
+      </p:ext>
+    </p:extLst>
+  </p:cSld>
+  <p:clrMapOvr>
+    <a:masterClrMapping/>
+  </p:clrMapOvr>
+</p:sld>
+</file>
+
 <file path=ppt/theme/theme1.xml><?xml version="1.0" encoding="utf-8"?>
 <a:theme xmlns:a="http://schemas.openxmlformats.org/drawingml/2006/main" name="Office Theme">
   <a:themeElements>

--- a/figures/resources/fetching_user_input.pptx
+++ b/figures/resources/fetching_user_input.pptx
@@ -7015,7 +7015,7 @@
                 <a:latin typeface="Courier New" panose="02070309020205020404" pitchFamily="49" charset="0"/>
                 <a:cs typeface="Courier New" panose="02070309020205020404" pitchFamily="49" charset="0"/>
               </a:rPr>
-              <a:t># parameters</a:t>
+              <a:t># parameter code block</a:t>
             </a:r>
           </a:p>
           <a:p>
@@ -7158,7 +7158,7 @@
         <p:spPr>
           <a:xfrm>
             <a:off x="2168744" y="3317172"/>
-            <a:ext cx="7544882" cy="738664"/>
+            <a:ext cx="7544882" cy="954107"/>
           </a:xfrm>
           <a:prstGeom prst="rect">
             <a:avLst/>
@@ -7181,7 +7181,16 @@
                 <a:latin typeface="Courier New" panose="02070309020205020404" pitchFamily="49" charset="0"/>
                 <a:cs typeface="Courier New" panose="02070309020205020404" pitchFamily="49" charset="0"/>
               </a:rPr>
-              <a:t># example usage: run </a:t>
+              <a:t># fetch parameters via command line</a:t>
+            </a:r>
+          </a:p>
+          <a:p>
+            <a:r>
+              <a:rPr lang="en-US" sz="1400" dirty="0">
+                <a:latin typeface="Courier New" panose="02070309020205020404" pitchFamily="49" charset="0"/>
+                <a:cs typeface="Courier New" panose="02070309020205020404" pitchFamily="49" charset="0"/>
+              </a:rPr>
+              <a:t># example: run </a:t>
             </a:r>
             <a:r>
               <a:rPr lang="en-US" sz="1400" dirty="0" err="1">
@@ -7343,8 +7352,8 @@
         </p:nvSpPr>
         <p:spPr>
           <a:xfrm>
-            <a:off x="2171244" y="4189095"/>
-            <a:ext cx="7544882" cy="738664"/>
+            <a:off x="2168744" y="4402358"/>
+            <a:ext cx="7544882" cy="954107"/>
           </a:xfrm>
           <a:prstGeom prst="rect">
             <a:avLst/>
@@ -7367,7 +7376,16 @@
                 <a:latin typeface="Courier New" panose="02070309020205020404" pitchFamily="49" charset="0"/>
                 <a:cs typeface="Courier New" panose="02070309020205020404" pitchFamily="49" charset="0"/>
               </a:rPr>
-              <a:t># example usage: run </a:t>
+              <a:t># fetch parameters via command line config file </a:t>
+            </a:r>
+          </a:p>
+          <a:p>
+            <a:r>
+              <a:rPr lang="en-US" sz="1400" dirty="0">
+                <a:latin typeface="Courier New" panose="02070309020205020404" pitchFamily="49" charset="0"/>
+                <a:cs typeface="Courier New" panose="02070309020205020404" pitchFamily="49" charset="0"/>
+              </a:rPr>
+              <a:t># example: run </a:t>
             </a:r>
             <a:r>
               <a:rPr lang="en-US" sz="1400" dirty="0" err="1">

--- a/figures/resources/fetching_user_input.pptx
+++ b/figures/resources/fetching_user_input.pptx
@@ -9,6 +9,7 @@
     <p:sldId id="257" r:id="rId3"/>
     <p:sldId id="258" r:id="rId4"/>
     <p:sldId id="259" r:id="rId5"/>
+    <p:sldId id="260" r:id="rId6"/>
   </p:sldIdLst>
   <p:sldSz cx="12192000" cy="6858000"/>
   <p:notesSz cx="6858000" cy="9144000"/>
@@ -488,7 +489,7 @@
           <a:p>
             <a:fld id="{783D4129-6E14-4DEB-A88B-FA76BDE6DE9E}" type="datetimeFigureOut">
               <a:rPr lang="en-DE" smtClean="0"/>
-              <a:t>3/18/22</a:t>
+              <a:t>20/10/2022</a:t>
             </a:fld>
             <a:endParaRPr lang="en-DE"/>
           </a:p>
@@ -688,7 +689,7 @@
           <a:p>
             <a:fld id="{783D4129-6E14-4DEB-A88B-FA76BDE6DE9E}" type="datetimeFigureOut">
               <a:rPr lang="en-DE" smtClean="0"/>
-              <a:t>3/18/22</a:t>
+              <a:t>20/10/2022</a:t>
             </a:fld>
             <a:endParaRPr lang="en-DE"/>
           </a:p>
@@ -898,7 +899,7 @@
           <a:p>
             <a:fld id="{783D4129-6E14-4DEB-A88B-FA76BDE6DE9E}" type="datetimeFigureOut">
               <a:rPr lang="en-DE" smtClean="0"/>
-              <a:t>3/18/22</a:t>
+              <a:t>20/10/2022</a:t>
             </a:fld>
             <a:endParaRPr lang="en-DE"/>
           </a:p>
@@ -1098,7 +1099,7 @@
           <a:p>
             <a:fld id="{783D4129-6E14-4DEB-A88B-FA76BDE6DE9E}" type="datetimeFigureOut">
               <a:rPr lang="en-DE" smtClean="0"/>
-              <a:t>3/18/22</a:t>
+              <a:t>20/10/2022</a:t>
             </a:fld>
             <a:endParaRPr lang="en-DE"/>
           </a:p>
@@ -1374,7 +1375,7 @@
           <a:p>
             <a:fld id="{783D4129-6E14-4DEB-A88B-FA76BDE6DE9E}" type="datetimeFigureOut">
               <a:rPr lang="en-DE" smtClean="0"/>
-              <a:t>3/18/22</a:t>
+              <a:t>20/10/2022</a:t>
             </a:fld>
             <a:endParaRPr lang="en-DE"/>
           </a:p>
@@ -1642,7 +1643,7 @@
           <a:p>
             <a:fld id="{783D4129-6E14-4DEB-A88B-FA76BDE6DE9E}" type="datetimeFigureOut">
               <a:rPr lang="en-DE" smtClean="0"/>
-              <a:t>3/18/22</a:t>
+              <a:t>20/10/2022</a:t>
             </a:fld>
             <a:endParaRPr lang="en-DE"/>
           </a:p>
@@ -2057,7 +2058,7 @@
           <a:p>
             <a:fld id="{783D4129-6E14-4DEB-A88B-FA76BDE6DE9E}" type="datetimeFigureOut">
               <a:rPr lang="en-DE" smtClean="0"/>
-              <a:t>3/18/22</a:t>
+              <a:t>20/10/2022</a:t>
             </a:fld>
             <a:endParaRPr lang="en-DE"/>
           </a:p>
@@ -2199,7 +2200,7 @@
           <a:p>
             <a:fld id="{783D4129-6E14-4DEB-A88B-FA76BDE6DE9E}" type="datetimeFigureOut">
               <a:rPr lang="en-DE" smtClean="0"/>
-              <a:t>3/18/22</a:t>
+              <a:t>20/10/2022</a:t>
             </a:fld>
             <a:endParaRPr lang="en-DE"/>
           </a:p>
@@ -2312,7 +2313,7 @@
           <a:p>
             <a:fld id="{783D4129-6E14-4DEB-A88B-FA76BDE6DE9E}" type="datetimeFigureOut">
               <a:rPr lang="en-DE" smtClean="0"/>
-              <a:t>3/18/22</a:t>
+              <a:t>20/10/2022</a:t>
             </a:fld>
             <a:endParaRPr lang="en-DE"/>
           </a:p>
@@ -2625,7 +2626,7 @@
           <a:p>
             <a:fld id="{783D4129-6E14-4DEB-A88B-FA76BDE6DE9E}" type="datetimeFigureOut">
               <a:rPr lang="en-DE" smtClean="0"/>
-              <a:t>3/18/22</a:t>
+              <a:t>20/10/2022</a:t>
             </a:fld>
             <a:endParaRPr lang="en-DE"/>
           </a:p>
@@ -2914,7 +2915,7 @@
           <a:p>
             <a:fld id="{783D4129-6E14-4DEB-A88B-FA76BDE6DE9E}" type="datetimeFigureOut">
               <a:rPr lang="en-DE" smtClean="0"/>
-              <a:t>3/18/22</a:t>
+              <a:t>20/10/2022</a:t>
             </a:fld>
             <a:endParaRPr lang="en-DE"/>
           </a:p>
@@ -3157,7 +3158,7 @@
           <a:p>
             <a:fld id="{783D4129-6E14-4DEB-A88B-FA76BDE6DE9E}" type="datetimeFigureOut">
               <a:rPr lang="en-DE" smtClean="0"/>
-              <a:t>3/18/22</a:t>
+              <a:t>20/10/2022</a:t>
             </a:fld>
             <a:endParaRPr lang="en-DE"/>
           </a:p>
@@ -7515,6 +7516,1022 @@
 </p:sld>
 </file>
 
+<file path=ppt/slides/slide5.xml><?xml version="1.0" encoding="utf-8"?>
+<p:sld xmlns:a="http://schemas.openxmlformats.org/drawingml/2006/main" xmlns:r="http://schemas.openxmlformats.org/officeDocument/2006/relationships" xmlns:p="http://schemas.openxmlformats.org/presentationml/2006/main">
+  <p:cSld>
+    <p:spTree>
+      <p:nvGrpSpPr>
+        <p:cNvPr id="1" name=""/>
+        <p:cNvGrpSpPr/>
+        <p:nvPr/>
+      </p:nvGrpSpPr>
+      <p:grpSpPr>
+        <a:xfrm>
+          <a:off x="0" y="0"/>
+          <a:ext cx="0" cy="0"/>
+          <a:chOff x="0" y="0"/>
+          <a:chExt cx="0" cy="0"/>
+        </a:xfrm>
+      </p:grpSpPr>
+      <p:pic>
+        <p:nvPicPr>
+          <p:cNvPr id="7" name="Picture 6">
+            <a:extLst>
+              <a:ext uri="{FF2B5EF4-FFF2-40B4-BE49-F238E27FC236}">
+                <a16:creationId xmlns:a16="http://schemas.microsoft.com/office/drawing/2014/main" id="{4928F077-87AF-400D-B22D-6C03BF104E61}"/>
+              </a:ext>
+            </a:extLst>
+          </p:cNvPr>
+          <p:cNvPicPr>
+            <a:picLocks noChangeAspect="1"/>
+          </p:cNvPicPr>
+          <p:nvPr/>
+        </p:nvPicPr>
+        <p:blipFill>
+          <a:blip r:embed="rId2"/>
+          <a:stretch>
+            <a:fillRect/>
+          </a:stretch>
+        </p:blipFill>
+        <p:spPr>
+          <a:xfrm>
+            <a:off x="379832" y="658097"/>
+            <a:ext cx="2711234" cy="2446656"/>
+          </a:xfrm>
+          <a:prstGeom prst="rect">
+            <a:avLst/>
+          </a:prstGeom>
+        </p:spPr>
+      </p:pic>
+      <p:pic>
+        <p:nvPicPr>
+          <p:cNvPr id="9" name="Picture 8">
+            <a:extLst>
+              <a:ext uri="{FF2B5EF4-FFF2-40B4-BE49-F238E27FC236}">
+                <a16:creationId xmlns:a16="http://schemas.microsoft.com/office/drawing/2014/main" id="{6B0417D8-9BEA-410E-BEA2-D9060A2B7015}"/>
+              </a:ext>
+            </a:extLst>
+          </p:cNvPr>
+          <p:cNvPicPr>
+            <a:picLocks noChangeAspect="1"/>
+          </p:cNvPicPr>
+          <p:nvPr/>
+        </p:nvPicPr>
+        <p:blipFill rotWithShape="1">
+          <a:blip r:embed="rId3"/>
+          <a:srcRect l="7258" t="4954" r="6243"/>
+          <a:stretch/>
+        </p:blipFill>
+        <p:spPr>
+          <a:xfrm>
+            <a:off x="6484826" y="2920999"/>
+            <a:ext cx="1394856" cy="1379862"/>
+          </a:xfrm>
+          <a:prstGeom prst="rect">
+            <a:avLst/>
+          </a:prstGeom>
+        </p:spPr>
+      </p:pic>
+      <p:pic>
+        <p:nvPicPr>
+          <p:cNvPr id="44" name="Picture 43">
+            <a:extLst>
+              <a:ext uri="{FF2B5EF4-FFF2-40B4-BE49-F238E27FC236}">
+                <a16:creationId xmlns:a16="http://schemas.microsoft.com/office/drawing/2014/main" id="{714ED53E-E9F4-480E-B721-B4166C206C66}"/>
+              </a:ext>
+            </a:extLst>
+          </p:cNvPr>
+          <p:cNvPicPr>
+            <a:picLocks noChangeAspect="1"/>
+          </p:cNvPicPr>
+          <p:nvPr/>
+        </p:nvPicPr>
+        <p:blipFill>
+          <a:blip r:embed="rId4"/>
+          <a:stretch>
+            <a:fillRect/>
+          </a:stretch>
+        </p:blipFill>
+        <p:spPr>
+          <a:xfrm>
+            <a:off x="8790293" y="2605230"/>
+            <a:ext cx="1816912" cy="1647539"/>
+          </a:xfrm>
+          <a:prstGeom prst="rect">
+            <a:avLst/>
+          </a:prstGeom>
+        </p:spPr>
+      </p:pic>
+      <p:grpSp>
+        <p:nvGrpSpPr>
+          <p:cNvPr id="61" name="Group 60">
+            <a:extLst>
+              <a:ext uri="{FF2B5EF4-FFF2-40B4-BE49-F238E27FC236}">
+                <a16:creationId xmlns:a16="http://schemas.microsoft.com/office/drawing/2014/main" id="{12BB0854-90E0-430F-BEAF-7EBE5627AF57}"/>
+              </a:ext>
+            </a:extLst>
+          </p:cNvPr>
+          <p:cNvGrpSpPr/>
+          <p:nvPr/>
+        </p:nvGrpSpPr>
+        <p:grpSpPr>
+          <a:xfrm>
+            <a:off x="3539251" y="213751"/>
+            <a:ext cx="2778257" cy="3335347"/>
+            <a:chOff x="3598009" y="1425981"/>
+            <a:chExt cx="2778257" cy="3335347"/>
+          </a:xfrm>
+        </p:grpSpPr>
+        <p:sp>
+          <p:nvSpPr>
+            <p:cNvPr id="16" name="Minus Sign 15">
+              <a:extLst>
+                <a:ext uri="{FF2B5EF4-FFF2-40B4-BE49-F238E27FC236}">
+                  <a16:creationId xmlns:a16="http://schemas.microsoft.com/office/drawing/2014/main" id="{03365BE0-8535-444F-9309-5377F5099BA6}"/>
+                </a:ext>
+              </a:extLst>
+            </p:cNvPr>
+            <p:cNvSpPr/>
+            <p:nvPr/>
+          </p:nvSpPr>
+          <p:spPr>
+            <a:xfrm rot="16200000">
+              <a:off x="3348168" y="3321532"/>
+              <a:ext cx="1772405" cy="696877"/>
+            </a:xfrm>
+            <a:prstGeom prst="mathMinus">
+              <a:avLst/>
+            </a:prstGeom>
+          </p:spPr>
+          <p:style>
+            <a:lnRef idx="2">
+              <a:schemeClr val="accent1">
+                <a:shade val="50000"/>
+              </a:schemeClr>
+            </a:lnRef>
+            <a:fillRef idx="1">
+              <a:schemeClr val="accent1"/>
+            </a:fillRef>
+            <a:effectRef idx="0">
+              <a:schemeClr val="accent1"/>
+            </a:effectRef>
+            <a:fontRef idx="minor">
+              <a:schemeClr val="lt1"/>
+            </a:fontRef>
+          </p:style>
+          <p:txBody>
+            <a:bodyPr rtlCol="0" anchor="ctr"/>
+            <a:lstStyle/>
+            <a:p>
+              <a:pPr algn="ctr"/>
+              <a:endParaRPr lang="en-DE"/>
+            </a:p>
+          </p:txBody>
+        </p:sp>
+        <p:sp>
+          <p:nvSpPr>
+            <p:cNvPr id="17" name="Minus Sign 16">
+              <a:extLst>
+                <a:ext uri="{FF2B5EF4-FFF2-40B4-BE49-F238E27FC236}">
+                  <a16:creationId xmlns:a16="http://schemas.microsoft.com/office/drawing/2014/main" id="{688213FC-7E46-4D51-96B6-652E83ED5377}"/>
+                </a:ext>
+              </a:extLst>
+            </p:cNvPr>
+            <p:cNvSpPr/>
+            <p:nvPr/>
+          </p:nvSpPr>
+          <p:spPr>
+            <a:xfrm rot="16200000">
+              <a:off x="2278774" y="2745216"/>
+              <a:ext cx="3335347" cy="696877"/>
+            </a:xfrm>
+            <a:prstGeom prst="mathMinus">
+              <a:avLst/>
+            </a:prstGeom>
+          </p:spPr>
+          <p:style>
+            <a:lnRef idx="2">
+              <a:schemeClr val="accent1">
+                <a:shade val="50000"/>
+              </a:schemeClr>
+            </a:lnRef>
+            <a:fillRef idx="1">
+              <a:schemeClr val="accent1"/>
+            </a:fillRef>
+            <a:effectRef idx="0">
+              <a:schemeClr val="accent1"/>
+            </a:effectRef>
+            <a:fontRef idx="minor">
+              <a:schemeClr val="lt1"/>
+            </a:fontRef>
+          </p:style>
+          <p:txBody>
+            <a:bodyPr rtlCol="0" anchor="ctr"/>
+            <a:lstStyle/>
+            <a:p>
+              <a:pPr algn="ctr"/>
+              <a:endParaRPr lang="en-DE"/>
+            </a:p>
+          </p:txBody>
+        </p:sp>
+        <p:sp>
+          <p:nvSpPr>
+            <p:cNvPr id="18" name="Minus Sign 17">
+              <a:extLst>
+                <a:ext uri="{FF2B5EF4-FFF2-40B4-BE49-F238E27FC236}">
+                  <a16:creationId xmlns:a16="http://schemas.microsoft.com/office/drawing/2014/main" id="{300E6F7C-EE35-40B0-ADE4-52A094FF51B2}"/>
+                </a:ext>
+              </a:extLst>
+            </p:cNvPr>
+            <p:cNvSpPr/>
+            <p:nvPr/>
+          </p:nvSpPr>
+          <p:spPr>
+            <a:xfrm rot="16200000">
+              <a:off x="4183391" y="3723870"/>
+              <a:ext cx="684408" cy="696877"/>
+            </a:xfrm>
+            <a:prstGeom prst="mathMinus">
+              <a:avLst/>
+            </a:prstGeom>
+          </p:spPr>
+          <p:style>
+            <a:lnRef idx="2">
+              <a:schemeClr val="accent1">
+                <a:shade val="50000"/>
+              </a:schemeClr>
+            </a:lnRef>
+            <a:fillRef idx="1">
+              <a:schemeClr val="accent1"/>
+            </a:fillRef>
+            <a:effectRef idx="0">
+              <a:schemeClr val="accent1"/>
+            </a:effectRef>
+            <a:fontRef idx="minor">
+              <a:schemeClr val="lt1"/>
+            </a:fontRef>
+          </p:style>
+          <p:txBody>
+            <a:bodyPr rtlCol="0" anchor="ctr"/>
+            <a:lstStyle/>
+            <a:p>
+              <a:pPr algn="ctr"/>
+              <a:endParaRPr lang="en-DE"/>
+            </a:p>
+          </p:txBody>
+        </p:sp>
+        <p:sp>
+          <p:nvSpPr>
+            <p:cNvPr id="19" name="Minus Sign 18">
+              <a:extLst>
+                <a:ext uri="{FF2B5EF4-FFF2-40B4-BE49-F238E27FC236}">
+                  <a16:creationId xmlns:a16="http://schemas.microsoft.com/office/drawing/2014/main" id="{743E7D43-6DC4-4C25-8638-4D0495E54B2F}"/>
+                </a:ext>
+              </a:extLst>
+            </p:cNvPr>
+            <p:cNvSpPr/>
+            <p:nvPr/>
+          </p:nvSpPr>
+          <p:spPr>
+            <a:xfrm rot="16200000">
+              <a:off x="4644216" y="3835177"/>
+              <a:ext cx="372558" cy="696877"/>
+            </a:xfrm>
+            <a:prstGeom prst="mathMinus">
+              <a:avLst/>
+            </a:prstGeom>
+          </p:spPr>
+          <p:style>
+            <a:lnRef idx="2">
+              <a:schemeClr val="accent1">
+                <a:shade val="50000"/>
+              </a:schemeClr>
+            </a:lnRef>
+            <a:fillRef idx="1">
+              <a:schemeClr val="accent1"/>
+            </a:fillRef>
+            <a:effectRef idx="0">
+              <a:schemeClr val="accent1"/>
+            </a:effectRef>
+            <a:fontRef idx="minor">
+              <a:schemeClr val="lt1"/>
+            </a:fontRef>
+          </p:style>
+          <p:txBody>
+            <a:bodyPr rtlCol="0" anchor="ctr"/>
+            <a:lstStyle/>
+            <a:p>
+              <a:pPr algn="ctr"/>
+              <a:endParaRPr lang="en-DE"/>
+            </a:p>
+          </p:txBody>
+        </p:sp>
+        <p:sp>
+          <p:nvSpPr>
+            <p:cNvPr id="20" name="Minus Sign 19">
+              <a:extLst>
+                <a:ext uri="{FF2B5EF4-FFF2-40B4-BE49-F238E27FC236}">
+                  <a16:creationId xmlns:a16="http://schemas.microsoft.com/office/drawing/2014/main" id="{24B60428-793D-4212-92D2-6782E56FC9EF}"/>
+                </a:ext>
+              </a:extLst>
+            </p:cNvPr>
+            <p:cNvSpPr/>
+            <p:nvPr/>
+          </p:nvSpPr>
+          <p:spPr>
+            <a:xfrm rot="16200000">
+              <a:off x="4547872" y="3321533"/>
+              <a:ext cx="1772405" cy="696877"/>
+            </a:xfrm>
+            <a:prstGeom prst="mathMinus">
+              <a:avLst/>
+            </a:prstGeom>
+          </p:spPr>
+          <p:style>
+            <a:lnRef idx="2">
+              <a:schemeClr val="accent1">
+                <a:shade val="50000"/>
+              </a:schemeClr>
+            </a:lnRef>
+            <a:fillRef idx="1">
+              <a:schemeClr val="accent1"/>
+            </a:fillRef>
+            <a:effectRef idx="0">
+              <a:schemeClr val="accent1"/>
+            </a:effectRef>
+            <a:fontRef idx="minor">
+              <a:schemeClr val="lt1"/>
+            </a:fontRef>
+          </p:style>
+          <p:txBody>
+            <a:bodyPr rtlCol="0" anchor="ctr"/>
+            <a:lstStyle/>
+            <a:p>
+              <a:pPr algn="ctr"/>
+              <a:endParaRPr lang="en-DE"/>
+            </a:p>
+          </p:txBody>
+        </p:sp>
+        <p:sp>
+          <p:nvSpPr>
+            <p:cNvPr id="21" name="Minus Sign 20">
+              <a:extLst>
+                <a:ext uri="{FF2B5EF4-FFF2-40B4-BE49-F238E27FC236}">
+                  <a16:creationId xmlns:a16="http://schemas.microsoft.com/office/drawing/2014/main" id="{125FDD82-4F4B-4F67-B633-538FCAF29C2C}"/>
+                </a:ext>
+              </a:extLst>
+            </p:cNvPr>
+            <p:cNvSpPr/>
+            <p:nvPr/>
+          </p:nvSpPr>
+          <p:spPr>
+            <a:xfrm rot="16200000">
+              <a:off x="4072231" y="2745216"/>
+              <a:ext cx="3335347" cy="696877"/>
+            </a:xfrm>
+            <a:prstGeom prst="mathMinus">
+              <a:avLst/>
+            </a:prstGeom>
+          </p:spPr>
+          <p:style>
+            <a:lnRef idx="2">
+              <a:schemeClr val="accent1">
+                <a:shade val="50000"/>
+              </a:schemeClr>
+            </a:lnRef>
+            <a:fillRef idx="1">
+              <a:schemeClr val="accent1"/>
+            </a:fillRef>
+            <a:effectRef idx="0">
+              <a:schemeClr val="accent1"/>
+            </a:effectRef>
+            <a:fontRef idx="minor">
+              <a:schemeClr val="lt1"/>
+            </a:fontRef>
+          </p:style>
+          <p:txBody>
+            <a:bodyPr rtlCol="0" anchor="ctr"/>
+            <a:lstStyle/>
+            <a:p>
+              <a:pPr algn="ctr"/>
+              <a:endParaRPr lang="en-DE"/>
+            </a:p>
+          </p:txBody>
+        </p:sp>
+        <p:sp>
+          <p:nvSpPr>
+            <p:cNvPr id="22" name="Minus Sign 21">
+              <a:extLst>
+                <a:ext uri="{FF2B5EF4-FFF2-40B4-BE49-F238E27FC236}">
+                  <a16:creationId xmlns:a16="http://schemas.microsoft.com/office/drawing/2014/main" id="{351F0C2F-63F4-4503-84D1-7DA1EB39097E}"/>
+                </a:ext>
+              </a:extLst>
+            </p:cNvPr>
+            <p:cNvSpPr/>
+            <p:nvPr/>
+          </p:nvSpPr>
+          <p:spPr>
+            <a:xfrm rot="16200000">
+              <a:off x="4791751" y="3723871"/>
+              <a:ext cx="684408" cy="696877"/>
+            </a:xfrm>
+            <a:prstGeom prst="mathMinus">
+              <a:avLst/>
+            </a:prstGeom>
+          </p:spPr>
+          <p:style>
+            <a:lnRef idx="2">
+              <a:schemeClr val="accent1">
+                <a:shade val="50000"/>
+              </a:schemeClr>
+            </a:lnRef>
+            <a:fillRef idx="1">
+              <a:schemeClr val="accent1"/>
+            </a:fillRef>
+            <a:effectRef idx="0">
+              <a:schemeClr val="accent1"/>
+            </a:effectRef>
+            <a:fontRef idx="minor">
+              <a:schemeClr val="lt1"/>
+            </a:fontRef>
+          </p:style>
+          <p:txBody>
+            <a:bodyPr rtlCol="0" anchor="ctr"/>
+            <a:lstStyle/>
+            <a:p>
+              <a:pPr algn="ctr"/>
+              <a:endParaRPr lang="en-DE"/>
+            </a:p>
+          </p:txBody>
+        </p:sp>
+        <p:sp>
+          <p:nvSpPr>
+            <p:cNvPr id="23" name="Minus Sign 22">
+              <a:extLst>
+                <a:ext uri="{FF2B5EF4-FFF2-40B4-BE49-F238E27FC236}">
+                  <a16:creationId xmlns:a16="http://schemas.microsoft.com/office/drawing/2014/main" id="{2A7F3865-B20F-4457-B4ED-89C406416625}"/>
+                </a:ext>
+              </a:extLst>
+            </p:cNvPr>
+            <p:cNvSpPr/>
+            <p:nvPr/>
+          </p:nvSpPr>
+          <p:spPr>
+            <a:xfrm rot="16200000">
+              <a:off x="4360154" y="2745216"/>
+              <a:ext cx="3335347" cy="696877"/>
+            </a:xfrm>
+            <a:prstGeom prst="mathMinus">
+              <a:avLst/>
+            </a:prstGeom>
+            <a:solidFill>
+              <a:schemeClr val="accent2"/>
+            </a:solidFill>
+          </p:spPr>
+          <p:style>
+            <a:lnRef idx="2">
+              <a:schemeClr val="accent1">
+                <a:shade val="50000"/>
+              </a:schemeClr>
+            </a:lnRef>
+            <a:fillRef idx="1">
+              <a:schemeClr val="accent1"/>
+            </a:fillRef>
+            <a:effectRef idx="0">
+              <a:schemeClr val="accent1"/>
+            </a:effectRef>
+            <a:fontRef idx="minor">
+              <a:schemeClr val="lt1"/>
+            </a:fontRef>
+          </p:style>
+          <p:txBody>
+            <a:bodyPr rtlCol="0" anchor="ctr"/>
+            <a:lstStyle/>
+            <a:p>
+              <a:pPr algn="ctr"/>
+              <a:endParaRPr lang="en-DE"/>
+            </a:p>
+          </p:txBody>
+        </p:sp>
+        <p:cxnSp>
+          <p:nvCxnSpPr>
+            <p:cNvPr id="25" name="Straight Arrow Connector 24">
+              <a:extLst>
+                <a:ext uri="{FF2B5EF4-FFF2-40B4-BE49-F238E27FC236}">
+                  <a16:creationId xmlns:a16="http://schemas.microsoft.com/office/drawing/2014/main" id="{5F1A5828-1F50-4D62-958B-4CA1559A49DF}"/>
+                </a:ext>
+              </a:extLst>
+            </p:cNvPr>
+            <p:cNvCxnSpPr/>
+            <p:nvPr/>
+          </p:nvCxnSpPr>
+          <p:spPr>
+            <a:xfrm>
+              <a:off x="4040278" y="3282978"/>
+              <a:ext cx="119691" cy="0"/>
+            </a:xfrm>
+            <a:prstGeom prst="straightConnector1">
+              <a:avLst/>
+            </a:prstGeom>
+            <a:ln>
+              <a:tailEnd type="triangle"/>
+            </a:ln>
+          </p:spPr>
+          <p:style>
+            <a:lnRef idx="1">
+              <a:schemeClr val="accent1"/>
+            </a:lnRef>
+            <a:fillRef idx="0">
+              <a:schemeClr val="accent1"/>
+            </a:fillRef>
+            <a:effectRef idx="0">
+              <a:schemeClr val="accent1"/>
+            </a:effectRef>
+            <a:fontRef idx="minor">
+              <a:schemeClr val="tx1"/>
+            </a:fontRef>
+          </p:style>
+        </p:cxnSp>
+        <p:cxnSp>
+          <p:nvCxnSpPr>
+            <p:cNvPr id="29" name="Straight Arrow Connector 28">
+              <a:extLst>
+                <a:ext uri="{FF2B5EF4-FFF2-40B4-BE49-F238E27FC236}">
+                  <a16:creationId xmlns:a16="http://schemas.microsoft.com/office/drawing/2014/main" id="{D6294229-1D00-4150-A46E-61112BA0C4D1}"/>
+                </a:ext>
+              </a:extLst>
+            </p:cNvPr>
+            <p:cNvCxnSpPr>
+              <a:cxnSpLocks/>
+              <a:endCxn id="19" idx="3"/>
+            </p:cNvCxnSpPr>
+            <p:nvPr/>
+          </p:nvCxnSpPr>
+          <p:spPr>
+            <a:xfrm flipV="1">
+              <a:off x="4600139" y="4183616"/>
+              <a:ext cx="148404" cy="4028"/>
+            </a:xfrm>
+            <a:prstGeom prst="straightConnector1">
+              <a:avLst/>
+            </a:prstGeom>
+            <a:ln>
+              <a:tailEnd type="triangle"/>
+            </a:ln>
+          </p:spPr>
+          <p:style>
+            <a:lnRef idx="1">
+              <a:schemeClr val="accent1"/>
+            </a:lnRef>
+            <a:fillRef idx="0">
+              <a:schemeClr val="accent1"/>
+            </a:fillRef>
+            <a:effectRef idx="0">
+              <a:schemeClr val="accent1"/>
+            </a:effectRef>
+            <a:fontRef idx="minor">
+              <a:schemeClr val="tx1"/>
+            </a:fontRef>
+          </p:style>
+        </p:cxnSp>
+        <p:cxnSp>
+          <p:nvCxnSpPr>
+            <p:cNvPr id="33" name="Straight Arrow Connector 32">
+              <a:extLst>
+                <a:ext uri="{FF2B5EF4-FFF2-40B4-BE49-F238E27FC236}">
+                  <a16:creationId xmlns:a16="http://schemas.microsoft.com/office/drawing/2014/main" id="{E97BC5F0-4729-4C22-B767-74A03B7D2C10}"/>
+                </a:ext>
+              </a:extLst>
+            </p:cNvPr>
+            <p:cNvCxnSpPr>
+              <a:cxnSpLocks/>
+            </p:cNvCxnSpPr>
+            <p:nvPr/>
+          </p:nvCxnSpPr>
+          <p:spPr>
+            <a:xfrm>
+              <a:off x="4875252" y="4187644"/>
+              <a:ext cx="186216" cy="0"/>
+            </a:xfrm>
+            <a:prstGeom prst="straightConnector1">
+              <a:avLst/>
+            </a:prstGeom>
+            <a:ln>
+              <a:tailEnd type="triangle"/>
+            </a:ln>
+          </p:spPr>
+          <p:style>
+            <a:lnRef idx="1">
+              <a:schemeClr val="accent1"/>
+            </a:lnRef>
+            <a:fillRef idx="0">
+              <a:schemeClr val="accent1"/>
+            </a:fillRef>
+            <a:effectRef idx="0">
+              <a:schemeClr val="accent1"/>
+            </a:effectRef>
+            <a:fontRef idx="minor">
+              <a:schemeClr val="tx1"/>
+            </a:fontRef>
+          </p:style>
+        </p:cxnSp>
+        <p:cxnSp>
+          <p:nvCxnSpPr>
+            <p:cNvPr id="36" name="Straight Arrow Connector 35">
+              <a:extLst>
+                <a:ext uri="{FF2B5EF4-FFF2-40B4-BE49-F238E27FC236}">
+                  <a16:creationId xmlns:a16="http://schemas.microsoft.com/office/drawing/2014/main" id="{B5E1306A-4869-41F7-B3F2-4B3D0C37F4DB}"/>
+                </a:ext>
+              </a:extLst>
+            </p:cNvPr>
+            <p:cNvCxnSpPr>
+              <a:cxnSpLocks/>
+            </p:cNvCxnSpPr>
+            <p:nvPr/>
+          </p:nvCxnSpPr>
+          <p:spPr>
+            <a:xfrm>
+              <a:off x="4291877" y="4072309"/>
+              <a:ext cx="151766" cy="0"/>
+            </a:xfrm>
+            <a:prstGeom prst="straightConnector1">
+              <a:avLst/>
+            </a:prstGeom>
+            <a:ln>
+              <a:tailEnd type="triangle"/>
+            </a:ln>
+          </p:spPr>
+          <p:style>
+            <a:lnRef idx="1">
+              <a:schemeClr val="accent1"/>
+            </a:lnRef>
+            <a:fillRef idx="0">
+              <a:schemeClr val="accent1"/>
+            </a:fillRef>
+            <a:effectRef idx="0">
+              <a:schemeClr val="accent1"/>
+            </a:effectRef>
+            <a:fontRef idx="minor">
+              <a:schemeClr val="tx1"/>
+            </a:fontRef>
+          </p:style>
+        </p:cxnSp>
+        <p:cxnSp>
+          <p:nvCxnSpPr>
+            <p:cNvPr id="37" name="Straight Arrow Connector 36">
+              <a:extLst>
+                <a:ext uri="{FF2B5EF4-FFF2-40B4-BE49-F238E27FC236}">
+                  <a16:creationId xmlns:a16="http://schemas.microsoft.com/office/drawing/2014/main" id="{BAC85F60-765E-4A4F-AF16-C0D8FDC5C408}"/>
+                </a:ext>
+              </a:extLst>
+            </p:cNvPr>
+            <p:cNvCxnSpPr>
+              <a:cxnSpLocks/>
+            </p:cNvCxnSpPr>
+            <p:nvPr/>
+          </p:nvCxnSpPr>
+          <p:spPr>
+            <a:xfrm>
+              <a:off x="5191018" y="4080365"/>
+              <a:ext cx="162451" cy="0"/>
+            </a:xfrm>
+            <a:prstGeom prst="straightConnector1">
+              <a:avLst/>
+            </a:prstGeom>
+            <a:ln>
+              <a:tailEnd type="triangle"/>
+            </a:ln>
+          </p:spPr>
+          <p:style>
+            <a:lnRef idx="1">
+              <a:schemeClr val="accent1"/>
+            </a:lnRef>
+            <a:fillRef idx="0">
+              <a:schemeClr val="accent1"/>
+            </a:fillRef>
+            <a:effectRef idx="0">
+              <a:schemeClr val="accent1"/>
+            </a:effectRef>
+            <a:fontRef idx="minor">
+              <a:schemeClr val="tx1"/>
+            </a:fontRef>
+          </p:style>
+        </p:cxnSp>
+        <p:cxnSp>
+          <p:nvCxnSpPr>
+            <p:cNvPr id="40" name="Straight Arrow Connector 39">
+              <a:extLst>
+                <a:ext uri="{FF2B5EF4-FFF2-40B4-BE49-F238E27FC236}">
+                  <a16:creationId xmlns:a16="http://schemas.microsoft.com/office/drawing/2014/main" id="{626A12BA-F52D-40E6-B1C6-70B53C91318F}"/>
+                </a:ext>
+              </a:extLst>
+            </p:cNvPr>
+            <p:cNvCxnSpPr>
+              <a:cxnSpLocks/>
+            </p:cNvCxnSpPr>
+            <p:nvPr/>
+          </p:nvCxnSpPr>
+          <p:spPr>
+            <a:xfrm>
+              <a:off x="5510570" y="3287006"/>
+              <a:ext cx="148679" cy="0"/>
+            </a:xfrm>
+            <a:prstGeom prst="straightConnector1">
+              <a:avLst/>
+            </a:prstGeom>
+            <a:ln>
+              <a:tailEnd type="triangle"/>
+            </a:ln>
+          </p:spPr>
+          <p:style>
+            <a:lnRef idx="1">
+              <a:schemeClr val="accent1"/>
+            </a:lnRef>
+            <a:fillRef idx="0">
+              <a:schemeClr val="accent1"/>
+            </a:fillRef>
+            <a:effectRef idx="0">
+              <a:schemeClr val="accent1"/>
+            </a:effectRef>
+            <a:fontRef idx="minor">
+              <a:schemeClr val="tx1"/>
+            </a:fontRef>
+          </p:style>
+        </p:cxnSp>
+        <p:cxnSp>
+          <p:nvCxnSpPr>
+            <p:cNvPr id="43" name="Straight Arrow Connector 42">
+              <a:extLst>
+                <a:ext uri="{FF2B5EF4-FFF2-40B4-BE49-F238E27FC236}">
+                  <a16:creationId xmlns:a16="http://schemas.microsoft.com/office/drawing/2014/main" id="{79D980F0-63F3-4CCD-A723-3E4F262BBAAC}"/>
+                </a:ext>
+              </a:extLst>
+            </p:cNvPr>
+            <p:cNvCxnSpPr>
+              <a:stCxn id="21" idx="1"/>
+              <a:endCxn id="23" idx="3"/>
+            </p:cNvCxnSpPr>
+            <p:nvPr/>
+          </p:nvCxnSpPr>
+          <p:spPr>
+            <a:xfrm>
+              <a:off x="5821857" y="3093654"/>
+              <a:ext cx="124018" cy="0"/>
+            </a:xfrm>
+            <a:prstGeom prst="straightConnector1">
+              <a:avLst/>
+            </a:prstGeom>
+            <a:ln>
+              <a:tailEnd type="triangle"/>
+            </a:ln>
+          </p:spPr>
+          <p:style>
+            <a:lnRef idx="1">
+              <a:schemeClr val="accent1"/>
+            </a:lnRef>
+            <a:fillRef idx="0">
+              <a:schemeClr val="accent1"/>
+            </a:fillRef>
+            <a:effectRef idx="0">
+              <a:schemeClr val="accent1"/>
+            </a:effectRef>
+            <a:fontRef idx="minor">
+              <a:schemeClr val="tx1"/>
+            </a:fontRef>
+          </p:style>
+        </p:cxnSp>
+        <p:cxnSp>
+          <p:nvCxnSpPr>
+            <p:cNvPr id="48" name="Straight Arrow Connector 47">
+              <a:extLst>
+                <a:ext uri="{FF2B5EF4-FFF2-40B4-BE49-F238E27FC236}">
+                  <a16:creationId xmlns:a16="http://schemas.microsoft.com/office/drawing/2014/main" id="{0279CD53-E64E-4E84-B814-BE4D9457ECCB}"/>
+                </a:ext>
+              </a:extLst>
+            </p:cNvPr>
+            <p:cNvCxnSpPr/>
+            <p:nvPr/>
+          </p:nvCxnSpPr>
+          <p:spPr>
+            <a:xfrm>
+              <a:off x="4250267" y="3386667"/>
+              <a:ext cx="0" cy="0"/>
+            </a:xfrm>
+            <a:prstGeom prst="straightConnector1">
+              <a:avLst/>
+            </a:prstGeom>
+            <a:ln>
+              <a:tailEnd type="triangle"/>
+            </a:ln>
+          </p:spPr>
+          <p:style>
+            <a:lnRef idx="1">
+              <a:schemeClr val="accent1"/>
+            </a:lnRef>
+            <a:fillRef idx="0">
+              <a:schemeClr val="accent1"/>
+            </a:fillRef>
+            <a:effectRef idx="0">
+              <a:schemeClr val="accent1"/>
+            </a:effectRef>
+            <a:fontRef idx="minor">
+              <a:schemeClr val="tx1"/>
+            </a:fontRef>
+          </p:style>
+        </p:cxnSp>
+        <p:cxnSp>
+          <p:nvCxnSpPr>
+            <p:cNvPr id="50" name="Straight Arrow Connector 49">
+              <a:extLst>
+                <a:ext uri="{FF2B5EF4-FFF2-40B4-BE49-F238E27FC236}">
+                  <a16:creationId xmlns:a16="http://schemas.microsoft.com/office/drawing/2014/main" id="{E8B724A7-6ACB-45F8-BD72-A5C0215A067F}"/>
+                </a:ext>
+              </a:extLst>
+            </p:cNvPr>
+            <p:cNvCxnSpPr/>
+            <p:nvPr/>
+          </p:nvCxnSpPr>
+          <p:spPr>
+            <a:xfrm>
+              <a:off x="4619782" y="3911600"/>
+              <a:ext cx="434591" cy="0"/>
+            </a:xfrm>
+            <a:prstGeom prst="straightConnector1">
+              <a:avLst/>
+            </a:prstGeom>
+            <a:ln>
+              <a:solidFill>
+                <a:srgbClr val="00B050"/>
+              </a:solidFill>
+              <a:tailEnd type="triangle"/>
+            </a:ln>
+          </p:spPr>
+          <p:style>
+            <a:lnRef idx="1">
+              <a:schemeClr val="accent1"/>
+            </a:lnRef>
+            <a:fillRef idx="0">
+              <a:schemeClr val="accent1"/>
+            </a:fillRef>
+            <a:effectRef idx="0">
+              <a:schemeClr val="accent1"/>
+            </a:effectRef>
+            <a:fontRef idx="minor">
+              <a:schemeClr val="tx1"/>
+            </a:fontRef>
+          </p:style>
+        </p:cxnSp>
+        <p:cxnSp>
+          <p:nvCxnSpPr>
+            <p:cNvPr id="51" name="Straight Arrow Connector 50">
+              <a:extLst>
+                <a:ext uri="{FF2B5EF4-FFF2-40B4-BE49-F238E27FC236}">
+                  <a16:creationId xmlns:a16="http://schemas.microsoft.com/office/drawing/2014/main" id="{E3ED7D45-EDE5-4A66-953E-BCCEAA438112}"/>
+                </a:ext>
+              </a:extLst>
+            </p:cNvPr>
+            <p:cNvCxnSpPr>
+              <a:cxnSpLocks/>
+            </p:cNvCxnSpPr>
+            <p:nvPr/>
+          </p:nvCxnSpPr>
+          <p:spPr>
+            <a:xfrm>
+              <a:off x="4326467" y="3481945"/>
+              <a:ext cx="1027002" cy="0"/>
+            </a:xfrm>
+            <a:prstGeom prst="straightConnector1">
+              <a:avLst/>
+            </a:prstGeom>
+            <a:ln>
+              <a:solidFill>
+                <a:srgbClr val="00B050"/>
+              </a:solidFill>
+              <a:tailEnd type="triangle"/>
+            </a:ln>
+          </p:spPr>
+          <p:style>
+            <a:lnRef idx="1">
+              <a:schemeClr val="accent1"/>
+            </a:lnRef>
+            <a:fillRef idx="0">
+              <a:schemeClr val="accent1"/>
+            </a:fillRef>
+            <a:effectRef idx="0">
+              <a:schemeClr val="accent1"/>
+            </a:effectRef>
+            <a:fontRef idx="minor">
+              <a:schemeClr val="tx1"/>
+            </a:fontRef>
+          </p:style>
+        </p:cxnSp>
+        <p:cxnSp>
+          <p:nvCxnSpPr>
+            <p:cNvPr id="58" name="Straight Arrow Connector 57">
+              <a:extLst>
+                <a:ext uri="{FF2B5EF4-FFF2-40B4-BE49-F238E27FC236}">
+                  <a16:creationId xmlns:a16="http://schemas.microsoft.com/office/drawing/2014/main" id="{A858664D-41E1-4BB5-80CD-5CD45544D18D}"/>
+                </a:ext>
+              </a:extLst>
+            </p:cNvPr>
+            <p:cNvCxnSpPr>
+              <a:cxnSpLocks/>
+            </p:cNvCxnSpPr>
+            <p:nvPr/>
+          </p:nvCxnSpPr>
+          <p:spPr>
+            <a:xfrm>
+              <a:off x="4027371" y="2643745"/>
+              <a:ext cx="1631878" cy="0"/>
+            </a:xfrm>
+            <a:prstGeom prst="straightConnector1">
+              <a:avLst/>
+            </a:prstGeom>
+            <a:ln>
+              <a:solidFill>
+                <a:srgbClr val="00B050"/>
+              </a:solidFill>
+              <a:tailEnd type="triangle"/>
+            </a:ln>
+          </p:spPr>
+          <p:style>
+            <a:lnRef idx="1">
+              <a:schemeClr val="accent1"/>
+            </a:lnRef>
+            <a:fillRef idx="0">
+              <a:schemeClr val="accent1"/>
+            </a:fillRef>
+            <a:effectRef idx="0">
+              <a:schemeClr val="accent1"/>
+            </a:effectRef>
+            <a:fontRef idx="minor">
+              <a:schemeClr val="tx1"/>
+            </a:fontRef>
+          </p:style>
+        </p:cxnSp>
+      </p:grpSp>
+      <p:sp>
+        <p:nvSpPr>
+          <p:cNvPr id="62" name="Arrow: Right 61">
+            <a:extLst>
+              <a:ext uri="{FF2B5EF4-FFF2-40B4-BE49-F238E27FC236}">
+                <a16:creationId xmlns:a16="http://schemas.microsoft.com/office/drawing/2014/main" id="{47AB7EE8-601B-43EA-80F9-D3EB34F27144}"/>
+              </a:ext>
+            </a:extLst>
+          </p:cNvPr>
+          <p:cNvSpPr/>
+          <p:nvPr/>
+        </p:nvSpPr>
+        <p:spPr>
+          <a:xfrm>
+            <a:off x="3170767" y="1401233"/>
+            <a:ext cx="508000" cy="317500"/>
+          </a:xfrm>
+          <a:prstGeom prst="rightArrow">
+            <a:avLst/>
+          </a:prstGeom>
+          <a:solidFill>
+            <a:schemeClr val="tx1"/>
+          </a:solidFill>
+        </p:spPr>
+        <p:style>
+          <a:lnRef idx="2">
+            <a:schemeClr val="accent1">
+              <a:shade val="50000"/>
+            </a:schemeClr>
+          </a:lnRef>
+          <a:fillRef idx="1">
+            <a:schemeClr val="accent1"/>
+          </a:fillRef>
+          <a:effectRef idx="0">
+            <a:schemeClr val="accent1"/>
+          </a:effectRef>
+          <a:fontRef idx="minor">
+            <a:schemeClr val="lt1"/>
+          </a:fontRef>
+        </p:style>
+        <p:txBody>
+          <a:bodyPr rtlCol="0" anchor="ctr"/>
+          <a:lstStyle/>
+          <a:p>
+            <a:pPr algn="ctr"/>
+            <a:endParaRPr lang="en-DE"/>
+          </a:p>
+        </p:txBody>
+      </p:sp>
+    </p:spTree>
+    <p:extLst>
+      <p:ext uri="{BB962C8B-B14F-4D97-AF65-F5344CB8AC3E}">
+        <p14:creationId xmlns:p14="http://schemas.microsoft.com/office/powerpoint/2010/main" val="3810458660"/>
+      </p:ext>
+    </p:extLst>
+  </p:cSld>
+  <p:clrMapOvr>
+    <a:masterClrMapping/>
+  </p:clrMapOvr>
+</p:sld>
+</file>
+
 <file path=ppt/theme/theme1.xml><?xml version="1.0" encoding="utf-8"?>
 <a:theme xmlns:a="http://schemas.openxmlformats.org/drawingml/2006/main" name="Office Theme">
   <a:themeElements>
